--- a/trunk/ haptic-glove --username sreekar/CHi 2010/CHI WiP Poster.pptx
+++ b/trunk/ haptic-glove --username sreekar/CHi 2010/CHI WiP Poster.pptx
@@ -13,7 +13,7 @@
   <p:sldIdLst>
     <p:sldId id="262" r:id="rId2"/>
   </p:sldIdLst>
-  <p:sldSz cx="43891200" cy="32918400"/>
+  <p:sldSz cx="43891200" cy="38404800"/>
   <p:notesSz cx="6888163" cy="10020300"/>
   <p:defaultTextStyle>
     <a:defPPr>
@@ -474,8 +474,8 @@
         </p:nvSpPr>
         <p:spPr bwMode="auto">
           <a:xfrm>
-            <a:off x="923925" y="749300"/>
-            <a:ext cx="4997450" cy="3748088"/>
+            <a:off x="1281113" y="749300"/>
+            <a:ext cx="4283075" cy="3748088"/>
           </a:xfrm>
           <a:prstGeom prst="rect">
             <a:avLst/>
@@ -837,8 +837,8 @@
         </p:nvSpPr>
         <p:spPr>
           <a:xfrm>
-            <a:off x="923925" y="749300"/>
-            <a:ext cx="4997450" cy="3748088"/>
+            <a:off x="1281113" y="749300"/>
+            <a:ext cx="4283075" cy="3748088"/>
           </a:xfrm>
           <a:ln/>
         </p:spPr>
@@ -899,8 +899,8 @@
         </p:nvSpPr>
         <p:spPr>
           <a:xfrm>
-            <a:off x="3291418" y="10226279"/>
-            <a:ext cx="37308367" cy="7055644"/>
+            <a:off x="3291419" y="11930659"/>
+            <a:ext cx="37308367" cy="8231585"/>
           </a:xfrm>
         </p:spPr>
         <p:txBody>
@@ -927,8 +927,8 @@
         </p:nvSpPr>
         <p:spPr>
           <a:xfrm>
-            <a:off x="6582834" y="18653523"/>
-            <a:ext cx="30725533" cy="8412956"/>
+            <a:off x="6582834" y="21762444"/>
+            <a:ext cx="30725533" cy="9815115"/>
           </a:xfrm>
         </p:spPr>
         <p:txBody>
@@ -1265,8 +1265,8 @@
         </p:nvSpPr>
         <p:spPr>
           <a:xfrm>
-            <a:off x="31273752" y="2926557"/>
-            <a:ext cx="9326033" cy="26334244"/>
+            <a:off x="31273753" y="3414316"/>
+            <a:ext cx="9326033" cy="30723285"/>
           </a:xfrm>
         </p:spPr>
         <p:txBody>
@@ -1293,8 +1293,8 @@
         </p:nvSpPr>
         <p:spPr>
           <a:xfrm>
-            <a:off x="3291418" y="2926557"/>
-            <a:ext cx="27779133" cy="26334244"/>
+            <a:off x="3291419" y="3414316"/>
+            <a:ext cx="27779133" cy="30723285"/>
           </a:xfrm>
         </p:spPr>
         <p:txBody>
@@ -1623,8 +1623,8 @@
         </p:nvSpPr>
         <p:spPr>
           <a:xfrm>
-            <a:off x="3467101" y="21152644"/>
-            <a:ext cx="37308367" cy="6538913"/>
+            <a:off x="3467101" y="24678085"/>
+            <a:ext cx="37308367" cy="7628732"/>
           </a:xfrm>
         </p:spPr>
         <p:txBody>
@@ -1655,8 +1655,8 @@
         </p:nvSpPr>
         <p:spPr>
           <a:xfrm>
-            <a:off x="3467101" y="13951744"/>
-            <a:ext cx="37308367" cy="7200900"/>
+            <a:off x="3467101" y="16277035"/>
+            <a:ext cx="37308367" cy="8401050"/>
           </a:xfrm>
         </p:spPr>
         <p:txBody>
@@ -1842,8 +1842,8 @@
         </p:nvSpPr>
         <p:spPr>
           <a:xfrm>
-            <a:off x="3291418" y="9509523"/>
-            <a:ext cx="18552583" cy="19751278"/>
+            <a:off x="3291419" y="11094443"/>
+            <a:ext cx="18552583" cy="23043158"/>
           </a:xfrm>
         </p:spPr>
         <p:txBody>
@@ -1927,8 +1927,8 @@
         </p:nvSpPr>
         <p:spPr>
           <a:xfrm>
-            <a:off x="22047200" y="9509523"/>
-            <a:ext cx="18552584" cy="19751278"/>
+            <a:off x="22047200" y="11094443"/>
+            <a:ext cx="18552584" cy="23043158"/>
           </a:xfrm>
         </p:spPr>
         <p:txBody>
@@ -2111,8 +2111,8 @@
         </p:nvSpPr>
         <p:spPr>
           <a:xfrm>
-            <a:off x="2194985" y="1318022"/>
-            <a:ext cx="39501233" cy="5486400"/>
+            <a:off x="2194986" y="1537692"/>
+            <a:ext cx="39501233" cy="6400800"/>
           </a:xfrm>
         </p:spPr>
         <p:txBody>
@@ -2143,8 +2143,8 @@
         </p:nvSpPr>
         <p:spPr>
           <a:xfrm>
-            <a:off x="2194985" y="7368778"/>
-            <a:ext cx="19392900" cy="3070622"/>
+            <a:off x="2194985" y="8596908"/>
+            <a:ext cx="19392900" cy="3582392"/>
           </a:xfrm>
         </p:spPr>
         <p:txBody>
@@ -2208,8 +2208,8 @@
         </p:nvSpPr>
         <p:spPr>
           <a:xfrm>
-            <a:off x="2194985" y="10439401"/>
-            <a:ext cx="19392900" cy="18966656"/>
+            <a:off x="2194985" y="12179301"/>
+            <a:ext cx="19392900" cy="22127765"/>
           </a:xfrm>
         </p:spPr>
         <p:txBody>
@@ -2293,8 +2293,8 @@
         </p:nvSpPr>
         <p:spPr>
           <a:xfrm>
-            <a:off x="22296967" y="7368778"/>
-            <a:ext cx="19399251" cy="3070622"/>
+            <a:off x="22296968" y="8596908"/>
+            <a:ext cx="19399251" cy="3582392"/>
           </a:xfrm>
         </p:spPr>
         <p:txBody>
@@ -2358,8 +2358,8 @@
         </p:nvSpPr>
         <p:spPr>
           <a:xfrm>
-            <a:off x="22296967" y="10439401"/>
-            <a:ext cx="19399251" cy="18966656"/>
+            <a:off x="22296968" y="12179301"/>
+            <a:ext cx="19399251" cy="22127765"/>
           </a:xfrm>
         </p:spPr>
         <p:txBody>
@@ -2763,8 +2763,8 @@
         </p:nvSpPr>
         <p:spPr>
           <a:xfrm>
-            <a:off x="2194985" y="1310879"/>
-            <a:ext cx="14439900" cy="5578078"/>
+            <a:off x="2194985" y="1529359"/>
+            <a:ext cx="14439900" cy="6507758"/>
           </a:xfrm>
         </p:spPr>
         <p:txBody>
@@ -2795,8 +2795,8 @@
         </p:nvSpPr>
         <p:spPr>
           <a:xfrm>
-            <a:off x="17159817" y="1310879"/>
-            <a:ext cx="24536400" cy="28095178"/>
+            <a:off x="17159817" y="1529359"/>
+            <a:ext cx="24536400" cy="32777708"/>
           </a:xfrm>
         </p:spPr>
         <p:txBody>
@@ -2880,8 +2880,8 @@
         </p:nvSpPr>
         <p:spPr>
           <a:xfrm>
-            <a:off x="2194985" y="6888956"/>
-            <a:ext cx="14439900" cy="22517100"/>
+            <a:off x="2194985" y="8037115"/>
+            <a:ext cx="14439900" cy="26269950"/>
           </a:xfrm>
         </p:spPr>
         <p:txBody>
@@ -3044,8 +3044,8 @@
         </p:nvSpPr>
         <p:spPr>
           <a:xfrm>
-            <a:off x="8602134" y="23043356"/>
-            <a:ext cx="26335567" cy="2719388"/>
+            <a:off x="8602135" y="26883916"/>
+            <a:ext cx="26335567" cy="3172619"/>
           </a:xfrm>
         </p:spPr>
         <p:txBody>
@@ -3076,8 +3076,8 @@
         </p:nvSpPr>
         <p:spPr>
           <a:xfrm>
-            <a:off x="8602134" y="2940844"/>
-            <a:ext cx="26335567" cy="19751279"/>
+            <a:off x="8602135" y="3430985"/>
+            <a:ext cx="26335567" cy="23043159"/>
           </a:xfrm>
         </p:spPr>
         <p:txBody>
@@ -3137,8 +3137,8 @@
         </p:nvSpPr>
         <p:spPr>
           <a:xfrm>
-            <a:off x="8602134" y="25762744"/>
-            <a:ext cx="26335567" cy="3863579"/>
+            <a:off x="8602135" y="30056535"/>
+            <a:ext cx="26335567" cy="4507509"/>
           </a:xfrm>
         </p:spPr>
         <p:txBody>
@@ -3309,8 +3309,8 @@
         </p:nvSpPr>
         <p:spPr bwMode="auto">
           <a:xfrm>
-            <a:off x="3291418" y="2926556"/>
-            <a:ext cx="37308367" cy="5486400"/>
+            <a:off x="3291419" y="3414315"/>
+            <a:ext cx="37308367" cy="6400800"/>
           </a:xfrm>
           <a:prstGeom prst="rect">
             <a:avLst/>
@@ -3352,8 +3352,8 @@
         </p:nvSpPr>
         <p:spPr bwMode="auto">
           <a:xfrm>
-            <a:off x="3291418" y="9509523"/>
-            <a:ext cx="37308367" cy="19751278"/>
+            <a:off x="3291419" y="11094443"/>
+            <a:ext cx="37308367" cy="23043158"/>
           </a:xfrm>
           <a:prstGeom prst="rect">
             <a:avLst/>
@@ -3423,8 +3423,8 @@
         </p:nvSpPr>
         <p:spPr bwMode="auto">
           <a:xfrm>
-            <a:off x="3291417" y="29991844"/>
-            <a:ext cx="9144000" cy="2195513"/>
+            <a:off x="3291417" y="34990485"/>
+            <a:ext cx="9144000" cy="2561432"/>
           </a:xfrm>
           <a:prstGeom prst="rect">
             <a:avLst/>
@@ -3466,8 +3466,8 @@
         </p:nvSpPr>
         <p:spPr bwMode="auto">
           <a:xfrm>
-            <a:off x="14996585" y="29991844"/>
-            <a:ext cx="13898033" cy="2195513"/>
+            <a:off x="14996586" y="34990485"/>
+            <a:ext cx="13898033" cy="2561432"/>
           </a:xfrm>
           <a:prstGeom prst="rect">
             <a:avLst/>
@@ -3509,8 +3509,8 @@
         </p:nvSpPr>
         <p:spPr bwMode="auto">
           <a:xfrm>
-            <a:off x="31455784" y="29991844"/>
-            <a:ext cx="9144000" cy="2195513"/>
+            <a:off x="31455784" y="34990485"/>
+            <a:ext cx="9144000" cy="2561432"/>
           </a:xfrm>
           <a:prstGeom prst="rect">
             <a:avLst/>
@@ -3556,7 +3556,7 @@
         <p:spPr bwMode="auto">
           <a:xfrm>
             <a:off x="0" y="0"/>
-            <a:ext cx="43891200" cy="32918400"/>
+            <a:ext cx="43891200" cy="38404800"/>
           </a:xfrm>
           <a:prstGeom prst="rect">
             <a:avLst/>
@@ -3994,55 +3994,18 @@
       </p:grpSpPr>
       <p:sp>
         <p:nvSpPr>
-          <p:cNvPr id="15629" name="Rectangle 269"/>
-          <p:cNvSpPr>
-            <a:spLocks noChangeArrowheads="1"/>
-          </p:cNvSpPr>
+          <p:cNvPr id="96" name="Rounded Rectangle 95"/>
+          <p:cNvSpPr/>
           <p:nvPr/>
         </p:nvSpPr>
         <p:spPr bwMode="auto">
           <a:xfrm>
-            <a:off x="0" y="-76200"/>
-            <a:ext cx="43891200" cy="3505200"/>
-          </a:xfrm>
-          <a:prstGeom prst="rect">
-            <a:avLst/>
-          </a:prstGeom>
-          <a:solidFill>
-            <a:schemeClr val="bg1"/>
-          </a:solidFill>
-          <a:ln w="9525">
-            <a:solidFill>
-              <a:schemeClr val="tx1"/>
-            </a:solidFill>
-            <a:miter lim="800000"/>
-            <a:headEnd/>
-            <a:tailEnd/>
-          </a:ln>
-          <a:effectLst/>
-        </p:spPr>
-        <p:txBody>
-          <a:bodyPr wrap="none" anchor="ctr"/>
-          <a:lstStyle/>
-          <a:p>
-            <a:endParaRPr lang="en-US" dirty="0"/>
-          </a:p>
-        </p:txBody>
-      </p:sp>
-      <p:sp>
-        <p:nvSpPr>
-          <p:cNvPr id="1842" name="Rounded Rectangle 1841"/>
-          <p:cNvSpPr/>
-          <p:nvPr/>
-        </p:nvSpPr>
-        <p:spPr bwMode="auto">
-          <a:xfrm>
-            <a:off x="11811000" y="284748"/>
-            <a:ext cx="21031200" cy="2743200"/>
+            <a:off x="18897600" y="3810000"/>
+            <a:ext cx="24460200" cy="15605760"/>
           </a:xfrm>
           <a:prstGeom prst="roundRect">
             <a:avLst>
-              <a:gd name="adj" fmla="val 42983"/>
+              <a:gd name="adj" fmla="val 4840"/>
             </a:avLst>
           </a:prstGeom>
           <a:solidFill>
@@ -4098,7 +4061,377 @@
       </p:sp>
       <p:sp>
         <p:nvSpPr>
-          <p:cNvPr id="15389" name="Rectangle 29"/>
+          <p:cNvPr id="132" name="Rectangle 131"/>
+          <p:cNvSpPr/>
+          <p:nvPr/>
+        </p:nvSpPr>
+        <p:spPr bwMode="auto">
+          <a:xfrm>
+            <a:off x="35585401" y="9639637"/>
+            <a:ext cx="7294244" cy="9144000"/>
+          </a:xfrm>
+          <a:prstGeom prst="rect">
+            <a:avLst/>
+          </a:prstGeom>
+          <a:solidFill>
+            <a:schemeClr val="bg1">
+              <a:alpha val="54000"/>
+            </a:schemeClr>
+          </a:solidFill>
+          <a:ln w="9525" cap="flat" cmpd="sng" algn="ctr">
+            <a:noFill/>
+            <a:prstDash val="solid"/>
+            <a:round/>
+            <a:headEnd type="none" w="med" len="med"/>
+            <a:tailEnd type="none" w="med" len="med"/>
+          </a:ln>
+          <a:effectLst/>
+        </p:spPr>
+        <p:txBody>
+          <a:bodyPr vert="horz" wrap="square" lIns="91440" tIns="45720" rIns="91440" bIns="45720" numCol="1" rtlCol="0" anchor="t" anchorCtr="0" compatLnSpc="1">
+            <a:prstTxWarp prst="textNoShape">
+              <a:avLst/>
+            </a:prstTxWarp>
+          </a:bodyPr>
+          <a:lstStyle/>
+          <a:p>
+            <a:pPr marL="0" marR="0" indent="0" algn="l" defTabSz="914400" rtl="0" eaLnBrk="0" fontAlgn="base" latinLnBrk="0" hangingPunct="0">
+              <a:lnSpc>
+                <a:spcPct val="100000"/>
+              </a:lnSpc>
+              <a:spcBef>
+                <a:spcPct val="0"/>
+              </a:spcBef>
+              <a:spcAft>
+                <a:spcPct val="0"/>
+              </a:spcAft>
+              <a:buClrTx/>
+              <a:buSzTx/>
+              <a:buFontTx/>
+              <a:buNone/>
+              <a:tabLst/>
+            </a:pPr>
+            <a:endParaRPr kumimoji="0" lang="en-US" sz="2400" b="0" i="0" u="none" strike="noStrike" cap="none" normalizeH="0" baseline="0" smtClean="0">
+              <a:ln>
+                <a:noFill/>
+              </a:ln>
+              <a:solidFill>
+                <a:schemeClr val="tx1"/>
+              </a:solidFill>
+              <a:effectLst/>
+              <a:latin typeface="Times New Roman" pitchFamily="18" charset="0"/>
+            </a:endParaRPr>
+          </a:p>
+        </p:txBody>
+      </p:sp>
+      <p:sp>
+        <p:nvSpPr>
+          <p:cNvPr id="99" name="Rounded Rectangle 98"/>
+          <p:cNvSpPr/>
+          <p:nvPr/>
+        </p:nvSpPr>
+        <p:spPr bwMode="auto">
+          <a:xfrm>
+            <a:off x="28879800" y="20574000"/>
+            <a:ext cx="11734800" cy="17221200"/>
+          </a:xfrm>
+          <a:prstGeom prst="roundRect">
+            <a:avLst>
+              <a:gd name="adj" fmla="val 4840"/>
+            </a:avLst>
+          </a:prstGeom>
+          <a:solidFill>
+            <a:srgbClr val="FFFF00">
+              <a:alpha val="42000"/>
+            </a:srgbClr>
+          </a:solidFill>
+          <a:ln w="9525" cap="flat" cmpd="sng" algn="ctr">
+            <a:noFill/>
+            <a:prstDash val="solid"/>
+            <a:round/>
+            <a:headEnd type="none" w="med" len="med"/>
+            <a:tailEnd type="none" w="med" len="med"/>
+          </a:ln>
+          <a:effectLst/>
+        </p:spPr>
+        <p:txBody>
+          <a:bodyPr vert="horz" wrap="square" lIns="91440" tIns="45720" rIns="91440" bIns="45720" numCol="1" rtlCol="0" anchor="t" anchorCtr="0" compatLnSpc="1">
+            <a:prstTxWarp prst="textNoShape">
+              <a:avLst/>
+            </a:prstTxWarp>
+          </a:bodyPr>
+          <a:lstStyle/>
+          <a:p>
+            <a:pPr marL="0" marR="0" indent="0" algn="l" defTabSz="914400" rtl="0" eaLnBrk="0" fontAlgn="base" latinLnBrk="0" hangingPunct="0">
+              <a:lnSpc>
+                <a:spcPct val="100000"/>
+              </a:lnSpc>
+              <a:spcBef>
+                <a:spcPct val="0"/>
+              </a:spcBef>
+              <a:spcAft>
+                <a:spcPct val="0"/>
+              </a:spcAft>
+              <a:buClrTx/>
+              <a:buSzTx/>
+              <a:buFontTx/>
+              <a:buNone/>
+              <a:tabLst/>
+            </a:pPr>
+            <a:endParaRPr kumimoji="0" lang="en-US" sz="2400" b="0" i="0" u="none" strike="noStrike" cap="none" normalizeH="0" baseline="0" dirty="0" smtClean="0">
+              <a:ln>
+                <a:noFill/>
+              </a:ln>
+              <a:solidFill>
+                <a:schemeClr val="tx1"/>
+              </a:solidFill>
+              <a:effectLst/>
+              <a:latin typeface="Times New Roman" pitchFamily="18" charset="0"/>
+            </a:endParaRPr>
+          </a:p>
+        </p:txBody>
+      </p:sp>
+      <p:sp>
+        <p:nvSpPr>
+          <p:cNvPr id="97" name="Rounded Rectangle 96"/>
+          <p:cNvSpPr/>
+          <p:nvPr/>
+        </p:nvSpPr>
+        <p:spPr bwMode="auto">
+          <a:xfrm>
+            <a:off x="533400" y="19659600"/>
+            <a:ext cx="18669000" cy="17830800"/>
+          </a:xfrm>
+          <a:prstGeom prst="roundRect">
+            <a:avLst>
+              <a:gd name="adj" fmla="val 3344"/>
+            </a:avLst>
+          </a:prstGeom>
+          <a:solidFill>
+            <a:srgbClr val="FFFF00">
+              <a:alpha val="42000"/>
+            </a:srgbClr>
+          </a:solidFill>
+          <a:ln w="9525" cap="flat" cmpd="sng" algn="ctr">
+            <a:noFill/>
+            <a:prstDash val="solid"/>
+            <a:round/>
+            <a:headEnd type="none" w="med" len="med"/>
+            <a:tailEnd type="none" w="med" len="med"/>
+          </a:ln>
+          <a:effectLst/>
+        </p:spPr>
+        <p:txBody>
+          <a:bodyPr vert="horz" wrap="square" lIns="91440" tIns="45720" rIns="91440" bIns="45720" numCol="1" rtlCol="0" anchor="t" anchorCtr="0" compatLnSpc="1">
+            <a:prstTxWarp prst="textNoShape">
+              <a:avLst/>
+            </a:prstTxWarp>
+          </a:bodyPr>
+          <a:lstStyle/>
+          <a:p>
+            <a:pPr marL="0" marR="0" indent="0" algn="l" defTabSz="914400" rtl="0" eaLnBrk="0" fontAlgn="base" latinLnBrk="0" hangingPunct="0">
+              <a:lnSpc>
+                <a:spcPct val="100000"/>
+              </a:lnSpc>
+              <a:spcBef>
+                <a:spcPct val="0"/>
+              </a:spcBef>
+              <a:spcAft>
+                <a:spcPct val="0"/>
+              </a:spcAft>
+              <a:buClrTx/>
+              <a:buSzTx/>
+              <a:buFontTx/>
+              <a:buNone/>
+              <a:tabLst/>
+            </a:pPr>
+            <a:endParaRPr kumimoji="0" lang="en-US" sz="2400" b="0" i="0" u="none" strike="noStrike" cap="none" normalizeH="0" baseline="0" dirty="0" smtClean="0">
+              <a:ln>
+                <a:noFill/>
+              </a:ln>
+              <a:solidFill>
+                <a:schemeClr val="tx1"/>
+              </a:solidFill>
+              <a:effectLst/>
+              <a:latin typeface="Times New Roman" pitchFamily="18" charset="0"/>
+            </a:endParaRPr>
+          </a:p>
+        </p:txBody>
+      </p:sp>
+      <p:sp>
+        <p:nvSpPr>
+          <p:cNvPr id="43" name="Rounded Rectangle 42"/>
+          <p:cNvSpPr/>
+          <p:nvPr/>
+        </p:nvSpPr>
+        <p:spPr bwMode="auto">
+          <a:xfrm>
+            <a:off x="457200" y="3825240"/>
+            <a:ext cx="18135600" cy="15605760"/>
+          </a:xfrm>
+          <a:prstGeom prst="roundRect">
+            <a:avLst>
+              <a:gd name="adj" fmla="val 4840"/>
+            </a:avLst>
+          </a:prstGeom>
+          <a:solidFill>
+            <a:srgbClr val="FFFF00">
+              <a:alpha val="42000"/>
+            </a:srgbClr>
+          </a:solidFill>
+          <a:ln w="9525" cap="flat" cmpd="sng" algn="ctr">
+            <a:noFill/>
+            <a:prstDash val="solid"/>
+            <a:round/>
+            <a:headEnd type="none" w="med" len="med"/>
+            <a:tailEnd type="none" w="med" len="med"/>
+          </a:ln>
+          <a:effectLst/>
+        </p:spPr>
+        <p:txBody>
+          <a:bodyPr vert="horz" wrap="square" lIns="91440" tIns="45720" rIns="91440" bIns="45720" numCol="1" rtlCol="0" anchor="t" anchorCtr="0" compatLnSpc="1">
+            <a:prstTxWarp prst="textNoShape">
+              <a:avLst/>
+            </a:prstTxWarp>
+          </a:bodyPr>
+          <a:lstStyle/>
+          <a:p>
+            <a:pPr marL="0" marR="0" indent="0" algn="l" defTabSz="914400" rtl="0" eaLnBrk="0" fontAlgn="base" latinLnBrk="0" hangingPunct="0">
+              <a:lnSpc>
+                <a:spcPct val="100000"/>
+              </a:lnSpc>
+              <a:spcBef>
+                <a:spcPct val="0"/>
+              </a:spcBef>
+              <a:spcAft>
+                <a:spcPct val="0"/>
+              </a:spcAft>
+              <a:buClrTx/>
+              <a:buSzTx/>
+              <a:buFontTx/>
+              <a:buNone/>
+              <a:tabLst/>
+            </a:pPr>
+            <a:endParaRPr kumimoji="0" lang="en-US" sz="2400" b="0" i="0" u="none" strike="noStrike" cap="none" normalizeH="0" baseline="0" dirty="0" smtClean="0">
+              <a:ln>
+                <a:noFill/>
+              </a:ln>
+              <a:solidFill>
+                <a:schemeClr val="tx1"/>
+              </a:solidFill>
+              <a:effectLst/>
+              <a:latin typeface="Times New Roman" pitchFamily="18" charset="0"/>
+            </a:endParaRPr>
+          </a:p>
+        </p:txBody>
+      </p:sp>
+      <p:sp>
+        <p:nvSpPr>
+          <p:cNvPr id="55" name="Rectangle 269"/>
+          <p:cNvSpPr>
+            <a:spLocks noChangeArrowheads="1"/>
+          </p:cNvSpPr>
+          <p:nvPr/>
+        </p:nvSpPr>
+        <p:spPr bwMode="auto">
+          <a:xfrm>
+            <a:off x="0" y="-76200"/>
+            <a:ext cx="43891200" cy="3505200"/>
+          </a:xfrm>
+          <a:prstGeom prst="rect">
+            <a:avLst/>
+          </a:prstGeom>
+          <a:solidFill>
+            <a:schemeClr val="bg1"/>
+          </a:solidFill>
+          <a:ln w="9525">
+            <a:solidFill>
+              <a:schemeClr val="tx1"/>
+            </a:solidFill>
+            <a:miter lim="800000"/>
+            <a:headEnd/>
+            <a:tailEnd/>
+          </a:ln>
+          <a:effectLst/>
+        </p:spPr>
+        <p:txBody>
+          <a:bodyPr wrap="none" anchor="ctr"/>
+          <a:lstStyle/>
+          <a:p>
+            <a:endParaRPr lang="en-US" dirty="0"/>
+          </a:p>
+        </p:txBody>
+      </p:sp>
+      <p:sp>
+        <p:nvSpPr>
+          <p:cNvPr id="56" name="Rounded Rectangle 55"/>
+          <p:cNvSpPr/>
+          <p:nvPr/>
+        </p:nvSpPr>
+        <p:spPr bwMode="auto">
+          <a:xfrm>
+            <a:off x="11811000" y="284748"/>
+            <a:ext cx="21031200" cy="2743200"/>
+          </a:xfrm>
+          <a:prstGeom prst="roundRect">
+            <a:avLst>
+              <a:gd name="adj" fmla="val 42983"/>
+            </a:avLst>
+          </a:prstGeom>
+          <a:solidFill>
+            <a:srgbClr val="FFFF00">
+              <a:alpha val="42000"/>
+            </a:srgbClr>
+          </a:solidFill>
+          <a:ln w="9525" cap="flat" cmpd="sng" algn="ctr">
+            <a:noFill/>
+            <a:prstDash val="solid"/>
+            <a:round/>
+            <a:headEnd type="none" w="med" len="med"/>
+            <a:tailEnd type="none" w="med" len="med"/>
+          </a:ln>
+          <a:effectLst/>
+        </p:spPr>
+        <p:txBody>
+          <a:bodyPr vert="horz" wrap="square" lIns="91440" tIns="45720" rIns="91440" bIns="45720" numCol="1" rtlCol="0" anchor="t" anchorCtr="0" compatLnSpc="1">
+            <a:prstTxWarp prst="textNoShape">
+              <a:avLst/>
+            </a:prstTxWarp>
+          </a:bodyPr>
+          <a:lstStyle/>
+          <a:p>
+            <a:pPr marL="0" marR="0" indent="0" algn="l" defTabSz="914400" rtl="0" eaLnBrk="0" fontAlgn="base" latinLnBrk="0" hangingPunct="0">
+              <a:lnSpc>
+                <a:spcPct val="100000"/>
+              </a:lnSpc>
+              <a:spcBef>
+                <a:spcPct val="0"/>
+              </a:spcBef>
+              <a:spcAft>
+                <a:spcPct val="0"/>
+              </a:spcAft>
+              <a:buClrTx/>
+              <a:buSzTx/>
+              <a:buFontTx/>
+              <a:buNone/>
+              <a:tabLst/>
+            </a:pPr>
+            <a:endParaRPr kumimoji="0" lang="en-US" sz="2400" b="0" i="0" u="none" strike="noStrike" cap="none" normalizeH="0" baseline="0" dirty="0" smtClean="0">
+              <a:ln>
+                <a:noFill/>
+              </a:ln>
+              <a:solidFill>
+                <a:schemeClr val="tx1"/>
+              </a:solidFill>
+              <a:effectLst/>
+              <a:latin typeface="Times New Roman" pitchFamily="18" charset="0"/>
+            </a:endParaRPr>
+          </a:p>
+        </p:txBody>
+      </p:sp>
+      <p:sp>
+        <p:nvSpPr>
+          <p:cNvPr id="57" name="Rectangle 29"/>
           <p:cNvSpPr>
             <a:spLocks noChangeArrowheads="1"/>
           </p:cNvSpPr>
@@ -4149,42 +4482,7 @@
       </p:sp>
       <p:sp>
         <p:nvSpPr>
-          <p:cNvPr id="15391" name="Rectangle 31"/>
-          <p:cNvSpPr>
-            <a:spLocks noChangeArrowheads="1"/>
-          </p:cNvSpPr>
-          <p:nvPr/>
-        </p:nvSpPr>
-        <p:spPr bwMode="auto">
-          <a:xfrm>
-            <a:off x="0" y="-57150"/>
-            <a:ext cx="43891200" cy="32975550"/>
-          </a:xfrm>
-          <a:prstGeom prst="rect">
-            <a:avLst/>
-          </a:prstGeom>
-          <a:noFill/>
-          <a:ln w="25400">
-            <a:solidFill>
-              <a:schemeClr val="tx1"/>
-            </a:solidFill>
-            <a:miter lim="800000"/>
-            <a:headEnd/>
-            <a:tailEnd/>
-          </a:ln>
-          <a:effectLst/>
-        </p:spPr>
-        <p:txBody>
-          <a:bodyPr wrap="none" anchor="ctr"/>
-          <a:lstStyle/>
-          <a:p>
-            <a:endParaRPr lang="en-US" dirty="0"/>
-          </a:p>
-        </p:txBody>
-      </p:sp>
-      <p:sp>
-        <p:nvSpPr>
-          <p:cNvPr id="15633" name="Text Box 273"/>
+          <p:cNvPr id="58" name="Text Box 273"/>
           <p:cNvSpPr txBox="1">
             <a:spLocks noChangeArrowheads="1"/>
           </p:cNvSpPr>
@@ -4192,7 +4490,7 @@
         </p:nvSpPr>
         <p:spPr bwMode="auto">
           <a:xfrm>
-            <a:off x="12573000" y="152400"/>
+            <a:off x="12573000" y="152399"/>
             <a:ext cx="19735800" cy="2708434"/>
           </a:xfrm>
           <a:prstGeom prst="rect">
@@ -4280,7 +4578,7 @@
       </p:sp>
       <p:sp>
         <p:nvSpPr>
-          <p:cNvPr id="15743" name="Text Box 383"/>
+          <p:cNvPr id="59" name="Text Box 383"/>
           <p:cNvSpPr txBox="1">
             <a:spLocks noChangeArrowheads="1"/>
           </p:cNvSpPr>
@@ -4288,7 +4586,7 @@
         </p:nvSpPr>
         <p:spPr bwMode="auto">
           <a:xfrm>
-            <a:off x="1096433" y="32090380"/>
+            <a:off x="563033" y="37652980"/>
             <a:ext cx="42489967" cy="523220"/>
           </a:xfrm>
           <a:prstGeom prst="rect">
@@ -4328,7 +4626,15 @@
             </a:r>
             <a:r>
               <a:rPr lang="en-US" sz="2800" dirty="0"/>
-              <a:t> Sreekar Krishna, Graduate Research Assistant, Center for Cognitive Ubiquitous Computing (</a:t>
+              <a:t> Sreekar Krishna, Graduate Research Assistant, Center </a:t>
+            </a:r>
+            <a:r>
+              <a:rPr lang="en-US" sz="2800" dirty="0" smtClean="0"/>
+              <a:t>for </a:t>
+            </a:r>
+            <a:r>
+              <a:rPr lang="en-US" sz="2800" dirty="0"/>
+              <a:t>Cognitive Ubiquitous Computing (</a:t>
             </a:r>
             <a:r>
               <a:rPr lang="en-US" sz="2800" dirty="0" smtClean="0"/>
@@ -4404,7 +4710,7 @@
       </p:sp>
       <p:pic>
         <p:nvPicPr>
-          <p:cNvPr id="102" name="Picture 75"/>
+          <p:cNvPr id="60" name="Picture 75"/>
           <p:cNvPicPr>
             <a:picLocks noChangeAspect="1" noChangeArrowheads="1"/>
           </p:cNvPicPr>
@@ -4430,7 +4736,7 @@
       </p:pic>
       <p:sp>
         <p:nvSpPr>
-          <p:cNvPr id="106" name="Title 1"/>
+          <p:cNvPr id="61" name="Title 1"/>
           <p:cNvSpPr txBox="1">
             <a:spLocks/>
           </p:cNvSpPr>
@@ -4684,13 +4990,13 @@
       </p:sp>
       <p:cxnSp>
         <p:nvCxnSpPr>
-          <p:cNvPr id="107" name="Straight Connector 106"/>
+          <p:cNvPr id="62" name="Straight Connector 61"/>
           <p:cNvCxnSpPr/>
           <p:nvPr/>
         </p:nvCxnSpPr>
         <p:spPr>
           <a:xfrm flipV="1">
-            <a:off x="33279348" y="1523999"/>
+            <a:off x="33279348" y="1524001"/>
             <a:ext cx="9982200" cy="1"/>
           </a:xfrm>
           <a:prstGeom prst="line">
@@ -4717,74 +5023,9 @@
           </a:fontRef>
         </p:style>
       </p:cxnSp>
-      <p:sp>
-        <p:nvSpPr>
-          <p:cNvPr id="1847" name="Rounded Rectangle 1846"/>
-          <p:cNvSpPr/>
-          <p:nvPr/>
-        </p:nvSpPr>
-        <p:spPr bwMode="auto">
-          <a:xfrm>
-            <a:off x="381000" y="3733800"/>
-            <a:ext cx="12420600" cy="13792200"/>
-          </a:xfrm>
-          <a:prstGeom prst="roundRect">
-            <a:avLst>
-              <a:gd name="adj" fmla="val 8279"/>
-            </a:avLst>
-          </a:prstGeom>
-          <a:solidFill>
-            <a:schemeClr val="bg1"/>
-          </a:solidFill>
-          <a:ln w="9525" cap="flat" cmpd="sng" algn="ctr">
-            <a:noFill/>
-            <a:prstDash val="solid"/>
-            <a:round/>
-            <a:headEnd type="none" w="med" len="med"/>
-            <a:tailEnd type="none" w="med" len="med"/>
-          </a:ln>
-          <a:effectLst/>
-        </p:spPr>
-        <p:txBody>
-          <a:bodyPr vert="horz" wrap="square" lIns="91440" tIns="45720" rIns="91440" bIns="45720" numCol="1" rtlCol="0" anchor="t" anchorCtr="0" compatLnSpc="1">
-            <a:prstTxWarp prst="textNoShape">
-              <a:avLst/>
-            </a:prstTxWarp>
-          </a:bodyPr>
-          <a:lstStyle/>
-          <a:p>
-            <a:pPr marL="0" marR="0" indent="0" algn="l" defTabSz="914400" rtl="0" eaLnBrk="0" fontAlgn="base" latinLnBrk="0" hangingPunct="0">
-              <a:lnSpc>
-                <a:spcPct val="100000"/>
-              </a:lnSpc>
-              <a:spcBef>
-                <a:spcPct val="0"/>
-              </a:spcBef>
-              <a:spcAft>
-                <a:spcPct val="0"/>
-              </a:spcAft>
-              <a:buClrTx/>
-              <a:buSzTx/>
-              <a:buFontTx/>
-              <a:buNone/>
-              <a:tabLst/>
-            </a:pPr>
-            <a:endParaRPr kumimoji="0" lang="en-US" sz="2400" b="0" i="0" u="none" strike="noStrike" cap="none" normalizeH="0" baseline="0" dirty="0" smtClean="0">
-              <a:ln>
-                <a:noFill/>
-              </a:ln>
-              <a:solidFill>
-                <a:schemeClr val="tx1"/>
-              </a:solidFill>
-              <a:effectLst/>
-              <a:latin typeface="Times New Roman" pitchFamily="18" charset="0"/>
-            </a:endParaRPr>
-          </a:p>
-        </p:txBody>
-      </p:sp>
       <p:pic>
         <p:nvPicPr>
-          <p:cNvPr id="1844" name="Picture 1843" descr="071029172856-large.jpg"/>
+          <p:cNvPr id="63" name="Picture 62" descr="071029172856-large.jpg"/>
           <p:cNvPicPr>
             <a:picLocks noChangeAspect="1"/>
           </p:cNvPicPr>
@@ -4798,7 +5039,7 @@
         </p:blipFill>
         <p:spPr>
           <a:xfrm>
-            <a:off x="7239000" y="5952363"/>
+            <a:off x="838200" y="5695952"/>
             <a:ext cx="5257800" cy="3496437"/>
           </a:xfrm>
           <a:prstGeom prst="ellipse">
@@ -4832,7 +5073,7 @@
       </p:pic>
       <p:pic>
         <p:nvPicPr>
-          <p:cNvPr id="1845" name="Picture 1844" descr="Table.bmp"/>
+          <p:cNvPr id="64" name="Picture 63" descr="Table.bmp"/>
           <p:cNvPicPr>
             <a:picLocks noChangeAspect="1"/>
           </p:cNvPicPr>
@@ -4840,15 +5081,15 @@
         </p:nvPicPr>
         <p:blipFill>
           <a:blip r:embed="rId5" cstate="print"/>
-          <a:srcRect l="15548"/>
+          <a:srcRect l="15548" r="14005"/>
           <a:stretch>
             <a:fillRect/>
           </a:stretch>
         </p:blipFill>
         <p:spPr>
           <a:xfrm>
-            <a:off x="2286000" y="10210800"/>
-            <a:ext cx="9105900" cy="6296025"/>
+            <a:off x="1143000" y="11887200"/>
+            <a:ext cx="6629400" cy="5494978"/>
           </a:xfrm>
           <a:prstGeom prst="rect">
             <a:avLst/>
@@ -4867,7 +5108,7 @@
       </p:pic>
       <p:sp>
         <p:nvSpPr>
-          <p:cNvPr id="1850" name="AutoShape 278"/>
+          <p:cNvPr id="65" name="AutoShape 278"/>
           <p:cNvSpPr>
             <a:spLocks noChangeArrowheads="1"/>
           </p:cNvSpPr>
@@ -4875,8 +5116,8 @@
         </p:nvSpPr>
         <p:spPr bwMode="auto">
           <a:xfrm>
-            <a:off x="4343400" y="3962400"/>
-            <a:ext cx="5257800" cy="990600"/>
+            <a:off x="7848600" y="4038600"/>
+            <a:ext cx="4724400" cy="990600"/>
           </a:xfrm>
           <a:prstGeom prst="roundRect">
             <a:avLst>
@@ -4901,7 +5142,7 @@
             <a:pPr algn="ctr"/>
             <a:r>
               <a:rPr lang="en-US" sz="4800" b="1" dirty="0" smtClean="0"/>
-              <a:t>Social Interactions</a:t>
+              <a:t>Motivation</a:t>
             </a:r>
             <a:endParaRPr lang="en-US" sz="4800" b="1" dirty="0"/>
           </a:p>
@@ -4909,14 +5150,14 @@
       </p:sp>
       <p:sp>
         <p:nvSpPr>
-          <p:cNvPr id="1854" name="TextBox 1853"/>
+          <p:cNvPr id="66" name="TextBox 65"/>
           <p:cNvSpPr txBox="1"/>
           <p:nvPr/>
         </p:nvSpPr>
         <p:spPr>
           <a:xfrm>
-            <a:off x="685800" y="5181600"/>
-            <a:ext cx="6781800" cy="5262979"/>
+            <a:off x="6096000" y="5391150"/>
+            <a:ext cx="6781800" cy="6124754"/>
           </a:xfrm>
           <a:prstGeom prst="rect">
             <a:avLst/>
@@ -4951,8 +5192,9 @@
             </a:pPr>
             <a:r>
               <a:rPr lang="en-US" sz="2800" dirty="0" smtClean="0"/>
-              <a:t>People with physical and cognitive disabilities are at a loss when it comes to social interactions. </a:t>
-            </a:r>
+              <a:t>Major portion of social interactions happen through non-verbal cues, especially visual cues.</a:t>
+            </a:r>
+            <a:endParaRPr lang="en-US" sz="2800" dirty="0" smtClean="0"/>
           </a:p>
           <a:p>
             <a:pPr marL="631825" indent="-585788" defTabSz="117475">
@@ -4964,8 +5206,58 @@
             </a:pPr>
             <a:r>
               <a:rPr lang="en-US" sz="2800" dirty="0" smtClean="0"/>
-              <a:t>Assistive and rehabilitative tools developed towards enhancing social interactions could prove beneficial towards general understanding of Interpersonal communications and Socio-Computing.</a:t>
-            </a:r>
+              <a:t>People </a:t>
+            </a:r>
+            <a:r>
+              <a:rPr lang="en-US" sz="2800" dirty="0" smtClean="0"/>
+              <a:t>with </a:t>
+            </a:r>
+            <a:r>
+              <a:rPr lang="en-US" sz="2800" dirty="0" smtClean="0"/>
+              <a:t>sensory </a:t>
+            </a:r>
+            <a:r>
+              <a:rPr lang="en-US" sz="2800" dirty="0" smtClean="0"/>
+              <a:t>disabilities </a:t>
+            </a:r>
+            <a:r>
+              <a:rPr lang="en-US" sz="2800" dirty="0" smtClean="0"/>
+              <a:t>(persons who are blind or visually impaired) are </a:t>
+            </a:r>
+            <a:r>
+              <a:rPr lang="en-US" sz="2800" dirty="0" smtClean="0"/>
+              <a:t>at a loss when it comes to social interactions. </a:t>
+            </a:r>
+          </a:p>
+          <a:p>
+            <a:pPr marL="631825" indent="-585788" defTabSz="117475">
+              <a:buFont typeface="Wingdings" pitchFamily="2" charset="2"/>
+              <a:buChar char="q"/>
+              <a:tabLst>
+                <a:tab pos="468313" algn="l"/>
+              </a:tabLst>
+            </a:pPr>
+            <a:r>
+              <a:rPr lang="en-US" sz="2800" dirty="0" smtClean="0"/>
+              <a:t>Assistive and rehabilitative </a:t>
+            </a:r>
+            <a:r>
+              <a:rPr lang="en-US" sz="2800" dirty="0" smtClean="0"/>
+              <a:t>aids </a:t>
+            </a:r>
+            <a:r>
+              <a:rPr lang="en-US" sz="2800" dirty="0" smtClean="0"/>
+              <a:t>could </a:t>
+            </a:r>
+            <a:r>
+              <a:rPr lang="en-US" sz="2800" dirty="0" smtClean="0"/>
+              <a:t>prove beneficial towards </a:t>
+            </a:r>
+            <a:r>
+              <a:rPr lang="en-US" sz="2800" dirty="0" smtClean="0"/>
+              <a:t>enriching personal and professional lives of individuals with disabilities.</a:t>
+            </a:r>
+            <a:endParaRPr lang="en-US" sz="2800" dirty="0" smtClean="0"/>
           </a:p>
           <a:p>
             <a:endParaRPr lang="en-US" sz="2800" dirty="0"/>
@@ -4974,7 +5266,7 @@
       </p:sp>
       <p:pic>
         <p:nvPicPr>
-          <p:cNvPr id="41" name="Picture 40" descr="Hand.bmp"/>
+          <p:cNvPr id="67" name="Picture 66" descr="Hand.bmp"/>
           <p:cNvPicPr>
             <a:picLocks noChangeAspect="1"/>
           </p:cNvPicPr>
@@ -4988,8 +5280,43 @@
         </p:blipFill>
         <p:spPr>
           <a:xfrm>
-            <a:off x="19659600" y="5410200"/>
-            <a:ext cx="3238500" cy="3438525"/>
+            <a:off x="38002846" y="5601037"/>
+            <a:ext cx="2942460" cy="3124200"/>
+          </a:xfrm>
+          <a:prstGeom prst="rect">
+            <a:avLst/>
+          </a:prstGeom>
+          <a:ln>
+            <a:noFill/>
+          </a:ln>
+          <a:effectLst>
+            <a:outerShdw blurRad="292100" dist="139700" dir="2700000" algn="tl" rotWithShape="0">
+              <a:srgbClr val="333333">
+                <a:alpha val="65000"/>
+              </a:srgbClr>
+            </a:outerShdw>
+          </a:effectLst>
+        </p:spPr>
+      </p:pic>
+      <p:pic>
+        <p:nvPicPr>
+          <p:cNvPr id="68" name="Picture 67" descr="Mappings.bmp"/>
+          <p:cNvPicPr>
+            <a:picLocks noChangeAspect="1"/>
+          </p:cNvPicPr>
+          <p:nvPr/>
+        </p:nvPicPr>
+        <p:blipFill>
+          <a:blip r:embed="rId7" cstate="print"/>
+          <a:srcRect b="41868"/>
+          <a:stretch>
+            <a:fillRect/>
+          </a:stretch>
+        </p:blipFill>
+        <p:spPr>
+          <a:xfrm>
+            <a:off x="36134585" y="9715837"/>
+            <a:ext cx="6765471" cy="5029200"/>
           </a:xfrm>
           <a:prstGeom prst="rect">
             <a:avLst/>
@@ -4998,31 +5325,7 @@
       </p:pic>
       <p:pic>
         <p:nvPicPr>
-          <p:cNvPr id="42" name="Picture 41" descr="Mappings.bmp"/>
-          <p:cNvPicPr>
-            <a:picLocks noChangeAspect="1"/>
-          </p:cNvPicPr>
-          <p:nvPr/>
-        </p:nvPicPr>
-        <p:blipFill>
-          <a:blip r:embed="rId7" cstate="print"/>
-          <a:stretch>
-            <a:fillRect/>
-          </a:stretch>
-        </p:blipFill>
-        <p:spPr>
-          <a:xfrm>
-            <a:off x="23698200" y="5181600"/>
-            <a:ext cx="6457950" cy="8258175"/>
-          </a:xfrm>
-          <a:prstGeom prst="rect">
-            <a:avLst/>
-          </a:prstGeom>
-        </p:spPr>
-      </p:pic>
-      <p:pic>
-        <p:nvPicPr>
-          <p:cNvPr id="43" name="Picture 42" descr="glove.bmp"/>
+          <p:cNvPr id="71" name="Picture 70" descr="ConfusionMatrix.bmp"/>
           <p:cNvPicPr>
             <a:picLocks noChangeAspect="1"/>
           </p:cNvPicPr>
@@ -5036,8 +5339,8 @@
         </p:blipFill>
         <p:spPr>
           <a:xfrm>
-            <a:off x="33604200" y="6172200"/>
-            <a:ext cx="4581525" cy="5667375"/>
+            <a:off x="1600202" y="27727196"/>
+            <a:ext cx="7324725" cy="5534025"/>
           </a:xfrm>
           <a:prstGeom prst="rect">
             <a:avLst/>
@@ -5046,7 +5349,7 @@
       </p:pic>
       <p:pic>
         <p:nvPicPr>
-          <p:cNvPr id="44" name="Picture 43" descr="System.bmp"/>
+          <p:cNvPr id="72" name="Picture 71" descr="ResponseTime.bmp"/>
           <p:cNvPicPr>
             <a:picLocks noChangeAspect="1"/>
           </p:cNvPicPr>
@@ -5060,8 +5363,8 @@
         </p:blipFill>
         <p:spPr>
           <a:xfrm>
-            <a:off x="29489400" y="10820400"/>
-            <a:ext cx="12449175" cy="7153275"/>
+            <a:off x="9982200" y="27660600"/>
+            <a:ext cx="8153400" cy="6225461"/>
           </a:xfrm>
           <a:prstGeom prst="rect">
             <a:avLst/>
@@ -5070,7 +5373,7 @@
       </p:pic>
       <p:pic>
         <p:nvPicPr>
-          <p:cNvPr id="45" name="Picture 44" descr="Survey.bmp"/>
+          <p:cNvPr id="73" name="Picture 72" descr="Stephen.bmp"/>
           <p:cNvPicPr>
             <a:picLocks noChangeAspect="1"/>
           </p:cNvPicPr>
@@ -5084,8 +5387,8 @@
         </p:blipFill>
         <p:spPr>
           <a:xfrm>
-            <a:off x="13563600" y="9982200"/>
-            <a:ext cx="8134350" cy="4943475"/>
+            <a:off x="10134600" y="20802600"/>
+            <a:ext cx="7448550" cy="6181725"/>
           </a:xfrm>
           <a:prstGeom prst="rect">
             <a:avLst/>
@@ -5094,7 +5397,7 @@
       </p:pic>
       <p:pic>
         <p:nvPicPr>
-          <p:cNvPr id="46" name="Picture 45" descr="ConfusionMatrix.bmp"/>
+          <p:cNvPr id="74" name="Picture 73" descr="RecogRate.bmp"/>
           <p:cNvPicPr>
             <a:picLocks noChangeAspect="1"/>
           </p:cNvPicPr>
@@ -5108,17 +5411,1114 @@
         </p:blipFill>
         <p:spPr>
           <a:xfrm>
-            <a:off x="1066800" y="25908000"/>
-            <a:ext cx="7324725" cy="5534025"/>
+            <a:off x="1600200" y="20869196"/>
+            <a:ext cx="7315200" cy="6105525"/>
           </a:xfrm>
           <a:prstGeom prst="rect">
             <a:avLst/>
           </a:prstGeom>
         </p:spPr>
       </p:pic>
+      <p:sp>
+        <p:nvSpPr>
+          <p:cNvPr id="98" name="AutoShape 278"/>
+          <p:cNvSpPr>
+            <a:spLocks noChangeArrowheads="1"/>
+          </p:cNvSpPr>
+          <p:nvPr/>
+        </p:nvSpPr>
+        <p:spPr bwMode="auto">
+          <a:xfrm>
+            <a:off x="23774400" y="4038600"/>
+            <a:ext cx="16078200" cy="990600"/>
+          </a:xfrm>
+          <a:prstGeom prst="roundRect">
+            <a:avLst>
+              <a:gd name="adj" fmla="val 16667"/>
+            </a:avLst>
+          </a:prstGeom>
+          <a:solidFill>
+            <a:srgbClr val="FFCC99"/>
+          </a:solidFill>
+          <a:ln w="9525">
+            <a:noFill/>
+            <a:round/>
+            <a:headEnd/>
+            <a:tailEnd/>
+          </a:ln>
+          <a:effectLst/>
+        </p:spPr>
+        <p:txBody>
+          <a:bodyPr wrap="none" anchor="ctr"/>
+          <a:lstStyle/>
+          <a:p>
+            <a:pPr algn="ctr"/>
+            <a:r>
+              <a:rPr lang="en-US" sz="4800" b="1" dirty="0" smtClean="0"/>
+              <a:t>Construction of </a:t>
+            </a:r>
+            <a:r>
+              <a:rPr lang="en-US" sz="4800" b="1" dirty="0" smtClean="0"/>
+              <a:t>Haptic Gloves &amp; Design of Haptic Icons</a:t>
+            </a:r>
+            <a:endParaRPr lang="en-US" sz="4800" b="1" dirty="0"/>
+          </a:p>
+        </p:txBody>
+      </p:sp>
+      <p:sp>
+        <p:nvSpPr>
+          <p:cNvPr id="100" name="Rounded Rectangle 99"/>
+          <p:cNvSpPr/>
+          <p:nvPr/>
+        </p:nvSpPr>
+        <p:spPr bwMode="auto">
+          <a:xfrm>
+            <a:off x="32004000" y="19812000"/>
+            <a:ext cx="11277600" cy="17297400"/>
+          </a:xfrm>
+          <a:prstGeom prst="roundRect">
+            <a:avLst>
+              <a:gd name="adj" fmla="val 4840"/>
+            </a:avLst>
+          </a:prstGeom>
+          <a:solidFill>
+            <a:srgbClr val="FFFF00">
+              <a:alpha val="42000"/>
+            </a:srgbClr>
+          </a:solidFill>
+          <a:ln w="9525" cap="flat" cmpd="sng" algn="ctr">
+            <a:noFill/>
+            <a:prstDash val="solid"/>
+            <a:round/>
+            <a:headEnd type="none" w="med" len="med"/>
+            <a:tailEnd type="none" w="med" len="med"/>
+          </a:ln>
+          <a:effectLst/>
+        </p:spPr>
+        <p:txBody>
+          <a:bodyPr vert="horz" wrap="square" lIns="91440" tIns="45720" rIns="91440" bIns="45720" numCol="1" rtlCol="0" anchor="t" anchorCtr="0" compatLnSpc="1">
+            <a:prstTxWarp prst="textNoShape">
+              <a:avLst/>
+            </a:prstTxWarp>
+          </a:bodyPr>
+          <a:lstStyle/>
+          <a:p>
+            <a:pPr marL="0" marR="0" indent="0" algn="l" defTabSz="914400" rtl="0" eaLnBrk="0" fontAlgn="base" latinLnBrk="0" hangingPunct="0">
+              <a:lnSpc>
+                <a:spcPct val="100000"/>
+              </a:lnSpc>
+              <a:spcBef>
+                <a:spcPct val="0"/>
+              </a:spcBef>
+              <a:spcAft>
+                <a:spcPct val="0"/>
+              </a:spcAft>
+              <a:buClrTx/>
+              <a:buSzTx/>
+              <a:buFontTx/>
+              <a:buNone/>
+              <a:tabLst/>
+            </a:pPr>
+            <a:endParaRPr kumimoji="0" lang="en-US" sz="2400" b="0" i="0" u="none" strike="noStrike" cap="none" normalizeH="0" baseline="0" dirty="0" smtClean="0">
+              <a:ln>
+                <a:noFill/>
+              </a:ln>
+              <a:solidFill>
+                <a:schemeClr val="tx1"/>
+              </a:solidFill>
+              <a:effectLst/>
+              <a:latin typeface="Times New Roman" pitchFamily="18" charset="0"/>
+            </a:endParaRPr>
+          </a:p>
+        </p:txBody>
+      </p:sp>
+      <p:sp>
+        <p:nvSpPr>
+          <p:cNvPr id="105" name="AutoShape 278"/>
+          <p:cNvSpPr>
+            <a:spLocks noChangeArrowheads="1"/>
+          </p:cNvSpPr>
+          <p:nvPr/>
+        </p:nvSpPr>
+        <p:spPr bwMode="auto">
+          <a:xfrm>
+            <a:off x="34004250" y="20193000"/>
+            <a:ext cx="7277100" cy="990600"/>
+          </a:xfrm>
+          <a:prstGeom prst="roundRect">
+            <a:avLst>
+              <a:gd name="adj" fmla="val 16667"/>
+            </a:avLst>
+          </a:prstGeom>
+          <a:solidFill>
+            <a:srgbClr val="FFCC99"/>
+          </a:solidFill>
+          <a:ln w="9525">
+            <a:noFill/>
+            <a:round/>
+            <a:headEnd/>
+            <a:tailEnd/>
+          </a:ln>
+          <a:effectLst/>
+        </p:spPr>
+        <p:txBody>
+          <a:bodyPr wrap="none" anchor="ctr"/>
+          <a:lstStyle/>
+          <a:p>
+            <a:pPr algn="ctr"/>
+            <a:r>
+              <a:rPr lang="en-US" sz="4800" b="1" dirty="0" smtClean="0"/>
+              <a:t>Contact Info &amp; Brochure</a:t>
+            </a:r>
+            <a:endParaRPr lang="en-US" sz="4800" b="1" dirty="0"/>
+          </a:p>
+        </p:txBody>
+      </p:sp>
+      <p:grpSp>
+        <p:nvGrpSpPr>
+          <p:cNvPr id="115" name="Group 114"/>
+          <p:cNvGrpSpPr/>
+          <p:nvPr/>
+        </p:nvGrpSpPr>
+        <p:grpSpPr>
+          <a:xfrm>
+            <a:off x="35608260" y="22631400"/>
+            <a:ext cx="4069080" cy="2133600"/>
+            <a:chOff x="35684460" y="22631400"/>
+            <a:chExt cx="4069080" cy="2133600"/>
+          </a:xfrm>
+        </p:grpSpPr>
+        <p:sp>
+          <p:nvSpPr>
+            <p:cNvPr id="104" name="Rectangle 103"/>
+            <p:cNvSpPr/>
+            <p:nvPr/>
+          </p:nvSpPr>
+          <p:spPr bwMode="auto">
+            <a:xfrm>
+              <a:off x="36118800" y="22631400"/>
+              <a:ext cx="3200400" cy="1828800"/>
+            </a:xfrm>
+            <a:prstGeom prst="rect">
+              <a:avLst/>
+            </a:prstGeom>
+            <a:solidFill>
+              <a:schemeClr val="bg1"/>
+            </a:solidFill>
+            <a:ln w="9525" cap="flat" cmpd="sng" algn="ctr">
+              <a:solidFill>
+                <a:schemeClr val="tx1"/>
+              </a:solidFill>
+              <a:prstDash val="sysDash"/>
+              <a:round/>
+              <a:headEnd type="none" w="med" len="med"/>
+              <a:tailEnd type="none" w="med" len="med"/>
+            </a:ln>
+            <a:effectLst/>
+          </p:spPr>
+          <p:txBody>
+            <a:bodyPr vert="horz" wrap="square" lIns="91440" tIns="45720" rIns="91440" bIns="45720" numCol="1" rtlCol="0" anchor="ctr" anchorCtr="0" compatLnSpc="1">
+              <a:prstTxWarp prst="textNoShape">
+                <a:avLst/>
+              </a:prstTxWarp>
+            </a:bodyPr>
+            <a:lstStyle/>
+            <a:p>
+              <a:pPr marL="0" marR="0" indent="0" algn="ctr" defTabSz="914400" rtl="0" eaLnBrk="0" fontAlgn="base" latinLnBrk="0" hangingPunct="0">
+                <a:lnSpc>
+                  <a:spcPct val="100000"/>
+                </a:lnSpc>
+                <a:spcBef>
+                  <a:spcPct val="0"/>
+                </a:spcBef>
+                <a:spcAft>
+                  <a:spcPct val="0"/>
+                </a:spcAft>
+                <a:buClrTx/>
+                <a:buSzTx/>
+                <a:buFontTx/>
+                <a:buNone/>
+                <a:tabLst/>
+              </a:pPr>
+              <a:r>
+                <a:rPr kumimoji="0" lang="en-US" sz="2400" b="0" i="0" u="none" strike="noStrike" cap="none" normalizeH="0" baseline="0" dirty="0" smtClean="0">
+                  <a:ln>
+                    <a:noFill/>
+                  </a:ln>
+                  <a:solidFill>
+                    <a:schemeClr val="tx1"/>
+                  </a:solidFill>
+                  <a:effectLst/>
+                  <a:latin typeface="Times New Roman" pitchFamily="18" charset="0"/>
+                </a:rPr>
+                <a:t>Contact Information</a:t>
+              </a:r>
+            </a:p>
+            <a:p>
+              <a:pPr marL="0" marR="0" indent="0" algn="ctr" defTabSz="914400" rtl="0" eaLnBrk="0" fontAlgn="base" latinLnBrk="0" hangingPunct="0">
+                <a:lnSpc>
+                  <a:spcPct val="100000"/>
+                </a:lnSpc>
+                <a:spcBef>
+                  <a:spcPct val="0"/>
+                </a:spcBef>
+                <a:spcAft>
+                  <a:spcPct val="0"/>
+                </a:spcAft>
+                <a:buClrTx/>
+                <a:buSzTx/>
+                <a:buFontTx/>
+                <a:buNone/>
+                <a:tabLst/>
+              </a:pPr>
+              <a:r>
+                <a:rPr lang="en-US" dirty="0" smtClean="0"/>
+                <a:t>(3.5in x 2in)</a:t>
+              </a:r>
+              <a:endParaRPr kumimoji="0" lang="en-US" sz="2400" b="0" i="0" u="none" strike="noStrike" cap="none" normalizeH="0" baseline="0" dirty="0" smtClean="0">
+                <a:ln>
+                  <a:noFill/>
+                </a:ln>
+                <a:solidFill>
+                  <a:schemeClr val="tx1"/>
+                </a:solidFill>
+                <a:effectLst/>
+                <a:latin typeface="Times New Roman" pitchFamily="18" charset="0"/>
+              </a:endParaRPr>
+            </a:p>
+          </p:txBody>
+        </p:sp>
+        <p:sp>
+          <p:nvSpPr>
+            <p:cNvPr id="108" name="Freeform 107"/>
+            <p:cNvSpPr/>
+            <p:nvPr/>
+          </p:nvSpPr>
+          <p:spPr bwMode="auto">
+            <a:xfrm>
+              <a:off x="35684460" y="22631400"/>
+              <a:ext cx="434340" cy="1821180"/>
+            </a:xfrm>
+            <a:custGeom>
+              <a:avLst/>
+              <a:gdLst>
+                <a:gd name="connsiteX0" fmla="*/ 434340 w 434340"/>
+                <a:gd name="connsiteY0" fmla="*/ 0 h 1821180"/>
+                <a:gd name="connsiteX1" fmla="*/ 0 w 434340"/>
+                <a:gd name="connsiteY1" fmla="*/ 0 h 1821180"/>
+                <a:gd name="connsiteX2" fmla="*/ 190500 w 434340"/>
+                <a:gd name="connsiteY2" fmla="*/ 1821180 h 1821180"/>
+                <a:gd name="connsiteX3" fmla="*/ 434340 w 434340"/>
+                <a:gd name="connsiteY3" fmla="*/ 1821180 h 1821180"/>
+                <a:gd name="connsiteX4" fmla="*/ 434340 w 434340"/>
+                <a:gd name="connsiteY4" fmla="*/ 0 h 1821180"/>
+              </a:gdLst>
+              <a:ahLst/>
+              <a:cxnLst>
+                <a:cxn ang="0">
+                  <a:pos x="connsiteX0" y="connsiteY0"/>
+                </a:cxn>
+                <a:cxn ang="0">
+                  <a:pos x="connsiteX1" y="connsiteY1"/>
+                </a:cxn>
+                <a:cxn ang="0">
+                  <a:pos x="connsiteX2" y="connsiteY2"/>
+                </a:cxn>
+                <a:cxn ang="0">
+                  <a:pos x="connsiteX3" y="connsiteY3"/>
+                </a:cxn>
+                <a:cxn ang="0">
+                  <a:pos x="connsiteX4" y="connsiteY4"/>
+                </a:cxn>
+              </a:cxnLst>
+              <a:rect l="l" t="t" r="r" b="b"/>
+              <a:pathLst>
+                <a:path w="434340" h="1821180">
+                  <a:moveTo>
+                    <a:pt x="434340" y="0"/>
+                  </a:moveTo>
+                  <a:lnTo>
+                    <a:pt x="0" y="0"/>
+                  </a:lnTo>
+                  <a:lnTo>
+                    <a:pt x="190500" y="1821180"/>
+                  </a:lnTo>
+                  <a:lnTo>
+                    <a:pt x="434340" y="1821180"/>
+                  </a:lnTo>
+                  <a:lnTo>
+                    <a:pt x="434340" y="0"/>
+                  </a:lnTo>
+                  <a:close/>
+                </a:path>
+              </a:pathLst>
+            </a:custGeom>
+            <a:solidFill>
+              <a:schemeClr val="bg1"/>
+            </a:solidFill>
+            <a:ln w="9525" cap="flat" cmpd="sng" algn="ctr">
+              <a:solidFill>
+                <a:schemeClr val="tx1"/>
+              </a:solidFill>
+              <a:prstDash val="sysDash"/>
+              <a:round/>
+              <a:headEnd type="none" w="med" len="med"/>
+              <a:tailEnd type="none" w="med" len="med"/>
+            </a:ln>
+            <a:effectLst/>
+          </p:spPr>
+          <p:txBody>
+            <a:bodyPr vert="horz" wrap="square" lIns="91440" tIns="45720" rIns="91440" bIns="45720" numCol="1" rtlCol="0" anchor="t" anchorCtr="0" compatLnSpc="1">
+              <a:prstTxWarp prst="textNoShape">
+                <a:avLst/>
+              </a:prstTxWarp>
+            </a:bodyPr>
+            <a:lstStyle/>
+            <a:p>
+              <a:pPr marL="0" marR="0" indent="0" algn="l" defTabSz="914400" rtl="0" eaLnBrk="0" fontAlgn="base" latinLnBrk="0" hangingPunct="0">
+                <a:lnSpc>
+                  <a:spcPct val="100000"/>
+                </a:lnSpc>
+                <a:spcBef>
+                  <a:spcPct val="0"/>
+                </a:spcBef>
+                <a:spcAft>
+                  <a:spcPct val="0"/>
+                </a:spcAft>
+                <a:buClrTx/>
+                <a:buSzTx/>
+                <a:buFontTx/>
+                <a:buNone/>
+                <a:tabLst/>
+              </a:pPr>
+              <a:endParaRPr kumimoji="0" lang="en-US" sz="2400" b="0" i="0" u="none" strike="noStrike" cap="none" normalizeH="0" baseline="0" smtClean="0">
+                <a:ln>
+                  <a:noFill/>
+                </a:ln>
+                <a:solidFill>
+                  <a:schemeClr val="tx1"/>
+                </a:solidFill>
+                <a:effectLst/>
+                <a:latin typeface="Times New Roman" pitchFamily="18" charset="0"/>
+              </a:endParaRPr>
+            </a:p>
+          </p:txBody>
+        </p:sp>
+        <p:sp>
+          <p:nvSpPr>
+            <p:cNvPr id="109" name="Freeform 108"/>
+            <p:cNvSpPr/>
+            <p:nvPr/>
+          </p:nvSpPr>
+          <p:spPr bwMode="auto">
+            <a:xfrm flipH="1">
+              <a:off x="39319200" y="22631400"/>
+              <a:ext cx="434340" cy="1821180"/>
+            </a:xfrm>
+            <a:custGeom>
+              <a:avLst/>
+              <a:gdLst>
+                <a:gd name="connsiteX0" fmla="*/ 434340 w 434340"/>
+                <a:gd name="connsiteY0" fmla="*/ 0 h 1821180"/>
+                <a:gd name="connsiteX1" fmla="*/ 0 w 434340"/>
+                <a:gd name="connsiteY1" fmla="*/ 0 h 1821180"/>
+                <a:gd name="connsiteX2" fmla="*/ 190500 w 434340"/>
+                <a:gd name="connsiteY2" fmla="*/ 1821180 h 1821180"/>
+                <a:gd name="connsiteX3" fmla="*/ 434340 w 434340"/>
+                <a:gd name="connsiteY3" fmla="*/ 1821180 h 1821180"/>
+                <a:gd name="connsiteX4" fmla="*/ 434340 w 434340"/>
+                <a:gd name="connsiteY4" fmla="*/ 0 h 1821180"/>
+              </a:gdLst>
+              <a:ahLst/>
+              <a:cxnLst>
+                <a:cxn ang="0">
+                  <a:pos x="connsiteX0" y="connsiteY0"/>
+                </a:cxn>
+                <a:cxn ang="0">
+                  <a:pos x="connsiteX1" y="connsiteY1"/>
+                </a:cxn>
+                <a:cxn ang="0">
+                  <a:pos x="connsiteX2" y="connsiteY2"/>
+                </a:cxn>
+                <a:cxn ang="0">
+                  <a:pos x="connsiteX3" y="connsiteY3"/>
+                </a:cxn>
+                <a:cxn ang="0">
+                  <a:pos x="connsiteX4" y="connsiteY4"/>
+                </a:cxn>
+              </a:cxnLst>
+              <a:rect l="l" t="t" r="r" b="b"/>
+              <a:pathLst>
+                <a:path w="434340" h="1821180">
+                  <a:moveTo>
+                    <a:pt x="434340" y="0"/>
+                  </a:moveTo>
+                  <a:lnTo>
+                    <a:pt x="0" y="0"/>
+                  </a:lnTo>
+                  <a:lnTo>
+                    <a:pt x="190500" y="1821180"/>
+                  </a:lnTo>
+                  <a:lnTo>
+                    <a:pt x="434340" y="1821180"/>
+                  </a:lnTo>
+                  <a:lnTo>
+                    <a:pt x="434340" y="0"/>
+                  </a:lnTo>
+                  <a:close/>
+                </a:path>
+              </a:pathLst>
+            </a:custGeom>
+            <a:solidFill>
+              <a:schemeClr val="bg1"/>
+            </a:solidFill>
+            <a:ln w="9525" cap="flat" cmpd="sng" algn="ctr">
+              <a:solidFill>
+                <a:schemeClr val="tx1"/>
+              </a:solidFill>
+              <a:prstDash val="sysDash"/>
+              <a:round/>
+              <a:headEnd type="none" w="med" len="med"/>
+              <a:tailEnd type="none" w="med" len="med"/>
+            </a:ln>
+            <a:effectLst/>
+          </p:spPr>
+          <p:txBody>
+            <a:bodyPr vert="horz" wrap="square" lIns="91440" tIns="45720" rIns="91440" bIns="45720" numCol="1" rtlCol="0" anchor="t" anchorCtr="0" compatLnSpc="1">
+              <a:prstTxWarp prst="textNoShape">
+                <a:avLst/>
+              </a:prstTxWarp>
+            </a:bodyPr>
+            <a:lstStyle/>
+            <a:p>
+              <a:pPr marL="0" marR="0" indent="0" algn="l" defTabSz="914400" rtl="0" eaLnBrk="0" fontAlgn="base" latinLnBrk="0" hangingPunct="0">
+                <a:lnSpc>
+                  <a:spcPct val="100000"/>
+                </a:lnSpc>
+                <a:spcBef>
+                  <a:spcPct val="0"/>
+                </a:spcBef>
+                <a:spcAft>
+                  <a:spcPct val="0"/>
+                </a:spcAft>
+                <a:buClrTx/>
+                <a:buSzTx/>
+                <a:buFontTx/>
+                <a:buNone/>
+                <a:tabLst/>
+              </a:pPr>
+              <a:endParaRPr kumimoji="0" lang="en-US" sz="2400" b="0" i="0" u="none" strike="noStrike" cap="none" normalizeH="0" baseline="0" smtClean="0">
+                <a:ln>
+                  <a:noFill/>
+                </a:ln>
+                <a:solidFill>
+                  <a:schemeClr val="tx1"/>
+                </a:solidFill>
+                <a:effectLst/>
+                <a:latin typeface="Times New Roman" pitchFamily="18" charset="0"/>
+              </a:endParaRPr>
+            </a:p>
+          </p:txBody>
+        </p:sp>
+        <p:sp>
+          <p:nvSpPr>
+            <p:cNvPr id="110" name="Rectangle 109"/>
+            <p:cNvSpPr/>
+            <p:nvPr/>
+          </p:nvSpPr>
+          <p:spPr bwMode="auto">
+            <a:xfrm>
+              <a:off x="36118800" y="24460200"/>
+              <a:ext cx="3200400" cy="304800"/>
+            </a:xfrm>
+            <a:prstGeom prst="rect">
+              <a:avLst/>
+            </a:prstGeom>
+            <a:solidFill>
+              <a:schemeClr val="bg1"/>
+            </a:solidFill>
+            <a:ln w="9525" cap="flat" cmpd="sng" algn="ctr">
+              <a:solidFill>
+                <a:schemeClr val="tx1"/>
+              </a:solidFill>
+              <a:prstDash val="sysDash"/>
+              <a:round/>
+              <a:headEnd type="none" w="med" len="med"/>
+              <a:tailEnd type="none" w="med" len="med"/>
+            </a:ln>
+            <a:effectLst/>
+          </p:spPr>
+          <p:txBody>
+            <a:bodyPr vert="horz" wrap="square" lIns="91440" tIns="45720" rIns="91440" bIns="45720" numCol="1" rtlCol="0" anchor="t" anchorCtr="0" compatLnSpc="1">
+              <a:prstTxWarp prst="textNoShape">
+                <a:avLst/>
+              </a:prstTxWarp>
+            </a:bodyPr>
+            <a:lstStyle/>
+            <a:p>
+              <a:pPr marL="0" marR="0" indent="0" algn="l" defTabSz="914400" rtl="0" eaLnBrk="0" fontAlgn="base" latinLnBrk="0" hangingPunct="0">
+                <a:lnSpc>
+                  <a:spcPct val="100000"/>
+                </a:lnSpc>
+                <a:spcBef>
+                  <a:spcPct val="0"/>
+                </a:spcBef>
+                <a:spcAft>
+                  <a:spcPct val="0"/>
+                </a:spcAft>
+                <a:buClrTx/>
+                <a:buSzTx/>
+                <a:buFontTx/>
+                <a:buNone/>
+                <a:tabLst/>
+              </a:pPr>
+              <a:endParaRPr kumimoji="0" lang="en-US" sz="2400" b="0" i="0" u="none" strike="noStrike" cap="none" normalizeH="0" baseline="0" smtClean="0">
+                <a:ln>
+                  <a:noFill/>
+                </a:ln>
+                <a:solidFill>
+                  <a:schemeClr val="tx1"/>
+                </a:solidFill>
+                <a:effectLst/>
+                <a:latin typeface="Times New Roman" pitchFamily="18" charset="0"/>
+              </a:endParaRPr>
+            </a:p>
+          </p:txBody>
+        </p:sp>
+      </p:grpSp>
+      <p:grpSp>
+        <p:nvGrpSpPr>
+          <p:cNvPr id="114" name="Group 113"/>
+          <p:cNvGrpSpPr/>
+          <p:nvPr/>
+        </p:nvGrpSpPr>
+        <p:grpSpPr>
+          <a:xfrm>
+            <a:off x="32842200" y="25984200"/>
+            <a:ext cx="9601200" cy="10572750"/>
+            <a:chOff x="33147000" y="25984200"/>
+            <a:chExt cx="9601200" cy="10572750"/>
+          </a:xfrm>
+        </p:grpSpPr>
+        <p:sp>
+          <p:nvSpPr>
+            <p:cNvPr id="101" name="Rectangle 100"/>
+            <p:cNvSpPr/>
+            <p:nvPr/>
+          </p:nvSpPr>
+          <p:spPr bwMode="auto">
+            <a:xfrm>
+              <a:off x="34061400" y="25984200"/>
+              <a:ext cx="7772400" cy="10058400"/>
+            </a:xfrm>
+            <a:prstGeom prst="rect">
+              <a:avLst/>
+            </a:prstGeom>
+            <a:solidFill>
+              <a:schemeClr val="bg1"/>
+            </a:solidFill>
+            <a:ln w="9525" cap="flat" cmpd="sng" algn="ctr">
+              <a:solidFill>
+                <a:schemeClr val="tx1"/>
+              </a:solidFill>
+              <a:prstDash val="sysDash"/>
+              <a:round/>
+              <a:headEnd type="none" w="med" len="med"/>
+              <a:tailEnd type="none" w="med" len="med"/>
+            </a:ln>
+            <a:effectLst/>
+          </p:spPr>
+          <p:txBody>
+            <a:bodyPr vert="horz" wrap="square" lIns="91440" tIns="45720" rIns="91440" bIns="45720" numCol="1" rtlCol="0" anchor="ctr" anchorCtr="0" compatLnSpc="1">
+              <a:prstTxWarp prst="textNoShape">
+                <a:avLst/>
+              </a:prstTxWarp>
+            </a:bodyPr>
+            <a:lstStyle/>
+            <a:p>
+              <a:pPr marL="0" marR="0" indent="0" algn="ctr" defTabSz="914400" rtl="0" eaLnBrk="0" fontAlgn="base" latinLnBrk="0" hangingPunct="0">
+                <a:lnSpc>
+                  <a:spcPct val="100000"/>
+                </a:lnSpc>
+                <a:spcBef>
+                  <a:spcPct val="0"/>
+                </a:spcBef>
+                <a:spcAft>
+                  <a:spcPct val="0"/>
+                </a:spcAft>
+                <a:buClrTx/>
+                <a:buSzTx/>
+                <a:buFontTx/>
+                <a:buNone/>
+                <a:tabLst/>
+              </a:pPr>
+              <a:r>
+                <a:rPr lang="en-US" dirty="0" smtClean="0"/>
+                <a:t>Brochure </a:t>
+              </a:r>
+            </a:p>
+            <a:p>
+              <a:pPr marL="0" marR="0" indent="0" algn="ctr" defTabSz="914400" rtl="0" eaLnBrk="0" fontAlgn="base" latinLnBrk="0" hangingPunct="0">
+                <a:lnSpc>
+                  <a:spcPct val="100000"/>
+                </a:lnSpc>
+                <a:spcBef>
+                  <a:spcPct val="0"/>
+                </a:spcBef>
+                <a:spcAft>
+                  <a:spcPct val="0"/>
+                </a:spcAft>
+                <a:buClrTx/>
+                <a:buSzTx/>
+                <a:buFontTx/>
+                <a:buNone/>
+                <a:tabLst/>
+              </a:pPr>
+              <a:r>
+                <a:rPr kumimoji="0" lang="en-US" sz="2400" b="0" i="0" u="none" strike="noStrike" cap="none" normalizeH="0" baseline="0" dirty="0" smtClean="0">
+                  <a:ln>
+                    <a:noFill/>
+                  </a:ln>
+                  <a:solidFill>
+                    <a:schemeClr val="tx1"/>
+                  </a:solidFill>
+                  <a:effectLst/>
+                  <a:latin typeface="Times New Roman" pitchFamily="18" charset="0"/>
+                </a:rPr>
+                <a:t>(8.5in</a:t>
+              </a:r>
+              <a:r>
+                <a:rPr kumimoji="0" lang="en-US" sz="2400" b="0" i="0" u="none" strike="noStrike" cap="none" normalizeH="0" dirty="0" smtClean="0">
+                  <a:ln>
+                    <a:noFill/>
+                  </a:ln>
+                  <a:solidFill>
+                    <a:schemeClr val="tx1"/>
+                  </a:solidFill>
+                  <a:effectLst/>
+                  <a:latin typeface="Times New Roman" pitchFamily="18" charset="0"/>
+                </a:rPr>
+                <a:t> x 11 in)</a:t>
+              </a:r>
+              <a:endParaRPr kumimoji="0" lang="en-US" sz="2400" b="0" i="0" u="none" strike="noStrike" cap="none" normalizeH="0" baseline="0" dirty="0" smtClean="0">
+                <a:ln>
+                  <a:noFill/>
+                </a:ln>
+                <a:solidFill>
+                  <a:schemeClr val="tx1"/>
+                </a:solidFill>
+                <a:effectLst/>
+                <a:latin typeface="Times New Roman" pitchFamily="18" charset="0"/>
+              </a:endParaRPr>
+            </a:p>
+          </p:txBody>
+        </p:sp>
+        <p:sp>
+          <p:nvSpPr>
+            <p:cNvPr id="111" name="Freeform 110"/>
+            <p:cNvSpPr/>
+            <p:nvPr/>
+          </p:nvSpPr>
+          <p:spPr bwMode="auto">
+            <a:xfrm>
+              <a:off x="33147000" y="26003250"/>
+              <a:ext cx="914400" cy="10029825"/>
+            </a:xfrm>
+            <a:custGeom>
+              <a:avLst/>
+              <a:gdLst>
+                <a:gd name="connsiteX0" fmla="*/ 914400 w 914400"/>
+                <a:gd name="connsiteY0" fmla="*/ 0 h 10029825"/>
+                <a:gd name="connsiteX1" fmla="*/ 0 w 914400"/>
+                <a:gd name="connsiteY1" fmla="*/ 0 h 10029825"/>
+                <a:gd name="connsiteX2" fmla="*/ 514350 w 914400"/>
+                <a:gd name="connsiteY2" fmla="*/ 10029825 h 10029825"/>
+                <a:gd name="connsiteX3" fmla="*/ 914400 w 914400"/>
+                <a:gd name="connsiteY3" fmla="*/ 10029825 h 10029825"/>
+                <a:gd name="connsiteX4" fmla="*/ 914400 w 914400"/>
+                <a:gd name="connsiteY4" fmla="*/ 0 h 10029825"/>
+              </a:gdLst>
+              <a:ahLst/>
+              <a:cxnLst>
+                <a:cxn ang="0">
+                  <a:pos x="connsiteX0" y="connsiteY0"/>
+                </a:cxn>
+                <a:cxn ang="0">
+                  <a:pos x="connsiteX1" y="connsiteY1"/>
+                </a:cxn>
+                <a:cxn ang="0">
+                  <a:pos x="connsiteX2" y="connsiteY2"/>
+                </a:cxn>
+                <a:cxn ang="0">
+                  <a:pos x="connsiteX3" y="connsiteY3"/>
+                </a:cxn>
+                <a:cxn ang="0">
+                  <a:pos x="connsiteX4" y="connsiteY4"/>
+                </a:cxn>
+              </a:cxnLst>
+              <a:rect l="l" t="t" r="r" b="b"/>
+              <a:pathLst>
+                <a:path w="914400" h="10029825">
+                  <a:moveTo>
+                    <a:pt x="914400" y="0"/>
+                  </a:moveTo>
+                  <a:lnTo>
+                    <a:pt x="0" y="0"/>
+                  </a:lnTo>
+                  <a:lnTo>
+                    <a:pt x="514350" y="10029825"/>
+                  </a:lnTo>
+                  <a:lnTo>
+                    <a:pt x="914400" y="10029825"/>
+                  </a:lnTo>
+                  <a:lnTo>
+                    <a:pt x="914400" y="0"/>
+                  </a:lnTo>
+                  <a:close/>
+                </a:path>
+              </a:pathLst>
+            </a:custGeom>
+            <a:solidFill>
+              <a:schemeClr val="bg1"/>
+            </a:solidFill>
+            <a:ln w="9525" cap="flat" cmpd="sng" algn="ctr">
+              <a:solidFill>
+                <a:schemeClr val="tx1"/>
+              </a:solidFill>
+              <a:prstDash val="sysDash"/>
+              <a:round/>
+              <a:headEnd type="none" w="med" len="med"/>
+              <a:tailEnd type="none" w="med" len="med"/>
+            </a:ln>
+            <a:effectLst/>
+          </p:spPr>
+          <p:txBody>
+            <a:bodyPr vert="horz" wrap="square" lIns="91440" tIns="45720" rIns="91440" bIns="45720" numCol="1" rtlCol="0" anchor="t" anchorCtr="0" compatLnSpc="1">
+              <a:prstTxWarp prst="textNoShape">
+                <a:avLst/>
+              </a:prstTxWarp>
+            </a:bodyPr>
+            <a:lstStyle/>
+            <a:p>
+              <a:pPr marL="0" marR="0" indent="0" algn="l" defTabSz="914400" rtl="0" eaLnBrk="0" fontAlgn="base" latinLnBrk="0" hangingPunct="0">
+                <a:lnSpc>
+                  <a:spcPct val="100000"/>
+                </a:lnSpc>
+                <a:spcBef>
+                  <a:spcPct val="0"/>
+                </a:spcBef>
+                <a:spcAft>
+                  <a:spcPct val="0"/>
+                </a:spcAft>
+                <a:buClrTx/>
+                <a:buSzTx/>
+                <a:buFontTx/>
+                <a:buNone/>
+                <a:tabLst/>
+              </a:pPr>
+              <a:endParaRPr kumimoji="0" lang="en-US" sz="2400" b="0" i="0" u="none" strike="noStrike" cap="none" normalizeH="0" baseline="0" smtClean="0">
+                <a:ln>
+                  <a:noFill/>
+                </a:ln>
+                <a:solidFill>
+                  <a:schemeClr val="tx1"/>
+                </a:solidFill>
+                <a:effectLst/>
+                <a:latin typeface="Times New Roman" pitchFamily="18" charset="0"/>
+              </a:endParaRPr>
+            </a:p>
+          </p:txBody>
+        </p:sp>
+        <p:sp>
+          <p:nvSpPr>
+            <p:cNvPr id="112" name="Freeform 111"/>
+            <p:cNvSpPr/>
+            <p:nvPr/>
+          </p:nvSpPr>
+          <p:spPr bwMode="auto">
+            <a:xfrm flipH="1">
+              <a:off x="41833800" y="25993725"/>
+              <a:ext cx="914400" cy="10029825"/>
+            </a:xfrm>
+            <a:custGeom>
+              <a:avLst/>
+              <a:gdLst>
+                <a:gd name="connsiteX0" fmla="*/ 914400 w 914400"/>
+                <a:gd name="connsiteY0" fmla="*/ 0 h 10029825"/>
+                <a:gd name="connsiteX1" fmla="*/ 0 w 914400"/>
+                <a:gd name="connsiteY1" fmla="*/ 0 h 10029825"/>
+                <a:gd name="connsiteX2" fmla="*/ 514350 w 914400"/>
+                <a:gd name="connsiteY2" fmla="*/ 10029825 h 10029825"/>
+                <a:gd name="connsiteX3" fmla="*/ 914400 w 914400"/>
+                <a:gd name="connsiteY3" fmla="*/ 10029825 h 10029825"/>
+                <a:gd name="connsiteX4" fmla="*/ 914400 w 914400"/>
+                <a:gd name="connsiteY4" fmla="*/ 0 h 10029825"/>
+              </a:gdLst>
+              <a:ahLst/>
+              <a:cxnLst>
+                <a:cxn ang="0">
+                  <a:pos x="connsiteX0" y="connsiteY0"/>
+                </a:cxn>
+                <a:cxn ang="0">
+                  <a:pos x="connsiteX1" y="connsiteY1"/>
+                </a:cxn>
+                <a:cxn ang="0">
+                  <a:pos x="connsiteX2" y="connsiteY2"/>
+                </a:cxn>
+                <a:cxn ang="0">
+                  <a:pos x="connsiteX3" y="connsiteY3"/>
+                </a:cxn>
+                <a:cxn ang="0">
+                  <a:pos x="connsiteX4" y="connsiteY4"/>
+                </a:cxn>
+              </a:cxnLst>
+              <a:rect l="l" t="t" r="r" b="b"/>
+              <a:pathLst>
+                <a:path w="914400" h="10029825">
+                  <a:moveTo>
+                    <a:pt x="914400" y="0"/>
+                  </a:moveTo>
+                  <a:lnTo>
+                    <a:pt x="0" y="0"/>
+                  </a:lnTo>
+                  <a:lnTo>
+                    <a:pt x="514350" y="10029825"/>
+                  </a:lnTo>
+                  <a:lnTo>
+                    <a:pt x="914400" y="10029825"/>
+                  </a:lnTo>
+                  <a:lnTo>
+                    <a:pt x="914400" y="0"/>
+                  </a:lnTo>
+                  <a:close/>
+                </a:path>
+              </a:pathLst>
+            </a:custGeom>
+            <a:solidFill>
+              <a:schemeClr val="bg1"/>
+            </a:solidFill>
+            <a:ln w="9525" cap="flat" cmpd="sng" algn="ctr">
+              <a:solidFill>
+                <a:schemeClr val="tx1"/>
+              </a:solidFill>
+              <a:prstDash val="sysDash"/>
+              <a:round/>
+              <a:headEnd type="none" w="med" len="med"/>
+              <a:tailEnd type="none" w="med" len="med"/>
+            </a:ln>
+            <a:effectLst/>
+          </p:spPr>
+          <p:txBody>
+            <a:bodyPr vert="horz" wrap="square" lIns="91440" tIns="45720" rIns="91440" bIns="45720" numCol="1" rtlCol="0" anchor="t" anchorCtr="0" compatLnSpc="1">
+              <a:prstTxWarp prst="textNoShape">
+                <a:avLst/>
+              </a:prstTxWarp>
+            </a:bodyPr>
+            <a:lstStyle/>
+            <a:p>
+              <a:pPr marL="0" marR="0" indent="0" algn="l" defTabSz="914400" rtl="0" eaLnBrk="0" fontAlgn="base" latinLnBrk="0" hangingPunct="0">
+                <a:lnSpc>
+                  <a:spcPct val="100000"/>
+                </a:lnSpc>
+                <a:spcBef>
+                  <a:spcPct val="0"/>
+                </a:spcBef>
+                <a:spcAft>
+                  <a:spcPct val="0"/>
+                </a:spcAft>
+                <a:buClrTx/>
+                <a:buSzTx/>
+                <a:buFontTx/>
+                <a:buNone/>
+                <a:tabLst/>
+              </a:pPr>
+              <a:endParaRPr kumimoji="0" lang="en-US" sz="2400" b="0" i="0" u="none" strike="noStrike" cap="none" normalizeH="0" baseline="0" smtClean="0">
+                <a:ln>
+                  <a:noFill/>
+                </a:ln>
+                <a:solidFill>
+                  <a:schemeClr val="tx1"/>
+                </a:solidFill>
+                <a:effectLst/>
+                <a:latin typeface="Times New Roman" pitchFamily="18" charset="0"/>
+              </a:endParaRPr>
+            </a:p>
+          </p:txBody>
+        </p:sp>
+        <p:sp>
+          <p:nvSpPr>
+            <p:cNvPr id="113" name="Rectangle 112"/>
+            <p:cNvSpPr/>
+            <p:nvPr/>
+          </p:nvSpPr>
+          <p:spPr bwMode="auto">
+            <a:xfrm>
+              <a:off x="34061400" y="36023550"/>
+              <a:ext cx="7772400" cy="533400"/>
+            </a:xfrm>
+            <a:prstGeom prst="rect">
+              <a:avLst/>
+            </a:prstGeom>
+            <a:solidFill>
+              <a:schemeClr val="bg1"/>
+            </a:solidFill>
+            <a:ln w="9525" cap="flat" cmpd="sng" algn="ctr">
+              <a:solidFill>
+                <a:schemeClr val="tx1"/>
+              </a:solidFill>
+              <a:prstDash val="sysDash"/>
+              <a:round/>
+              <a:headEnd type="none" w="med" len="med"/>
+              <a:tailEnd type="none" w="med" len="med"/>
+            </a:ln>
+            <a:effectLst/>
+          </p:spPr>
+          <p:txBody>
+            <a:bodyPr vert="horz" wrap="square" lIns="91440" tIns="45720" rIns="91440" bIns="45720" numCol="1" rtlCol="0" anchor="t" anchorCtr="0" compatLnSpc="1">
+              <a:prstTxWarp prst="textNoShape">
+                <a:avLst/>
+              </a:prstTxWarp>
+            </a:bodyPr>
+            <a:lstStyle/>
+            <a:p>
+              <a:pPr marL="0" marR="0" indent="0" algn="l" defTabSz="914400" rtl="0" eaLnBrk="0" fontAlgn="base" latinLnBrk="0" hangingPunct="0">
+                <a:lnSpc>
+                  <a:spcPct val="100000"/>
+                </a:lnSpc>
+                <a:spcBef>
+                  <a:spcPct val="0"/>
+                </a:spcBef>
+                <a:spcAft>
+                  <a:spcPct val="0"/>
+                </a:spcAft>
+                <a:buClrTx/>
+                <a:buSzTx/>
+                <a:buFontTx/>
+                <a:buNone/>
+                <a:tabLst/>
+              </a:pPr>
+              <a:endParaRPr kumimoji="0" lang="en-US" sz="2400" b="0" i="0" u="none" strike="noStrike" cap="none" normalizeH="0" baseline="0" smtClean="0">
+                <a:ln>
+                  <a:noFill/>
+                </a:ln>
+                <a:solidFill>
+                  <a:schemeClr val="tx1"/>
+                </a:solidFill>
+                <a:effectLst/>
+                <a:latin typeface="Times New Roman" pitchFamily="18" charset="0"/>
+              </a:endParaRPr>
+            </a:p>
+          </p:txBody>
+        </p:sp>
+      </p:grpSp>
+      <p:sp>
+        <p:nvSpPr>
+          <p:cNvPr id="116" name="Rectangle 115"/>
+          <p:cNvSpPr/>
+          <p:nvPr/>
+        </p:nvSpPr>
+        <p:spPr>
+          <a:xfrm>
+            <a:off x="1066800" y="17457003"/>
+            <a:ext cx="6781800" cy="707886"/>
+          </a:xfrm>
+          <a:prstGeom prst="rect">
+            <a:avLst/>
+          </a:prstGeom>
+        </p:spPr>
+        <p:txBody>
+          <a:bodyPr wrap="square">
+            <a:spAutoFit/>
+          </a:bodyPr>
+          <a:lstStyle/>
+          <a:p>
+            <a:pPr algn="ctr"/>
+            <a:r>
+              <a:rPr lang="en-US" sz="2000" dirty="0" smtClean="0"/>
+              <a:t>Based on two open ended focus groups conducted with persons with visual impairment</a:t>
+            </a:r>
+            <a:endParaRPr lang="en-US" sz="2000" dirty="0"/>
+          </a:p>
+        </p:txBody>
+      </p:sp>
+      <p:sp>
+        <p:nvSpPr>
+          <p:cNvPr id="118" name="TextBox 117"/>
+          <p:cNvSpPr txBox="1"/>
+          <p:nvPr/>
+        </p:nvSpPr>
+        <p:spPr>
+          <a:xfrm>
+            <a:off x="1371600" y="11963400"/>
+            <a:ext cx="6096000" cy="523220"/>
+          </a:xfrm>
+          <a:prstGeom prst="rect">
+            <a:avLst/>
+          </a:prstGeom>
+          <a:solidFill>
+            <a:schemeClr val="accent1"/>
+          </a:solidFill>
+        </p:spPr>
+        <p:txBody>
+          <a:bodyPr wrap="square" rtlCol="0">
+            <a:spAutoFit/>
+          </a:bodyPr>
+          <a:lstStyle/>
+          <a:p>
+            <a:pPr algn="ctr"/>
+            <a:r>
+              <a:rPr lang="en-US" sz="2800" b="1" dirty="0" smtClean="0">
+                <a:solidFill>
+                  <a:schemeClr val="bg1"/>
+                </a:solidFill>
+              </a:rPr>
+              <a:t>Important Visual Social Cues</a:t>
+            </a:r>
+            <a:endParaRPr lang="en-US" sz="2800" b="1" dirty="0">
+              <a:solidFill>
+                <a:schemeClr val="bg1"/>
+              </a:solidFill>
+            </a:endParaRPr>
+          </a:p>
+        </p:txBody>
+      </p:sp>
+      <p:sp>
+        <p:nvSpPr>
+          <p:cNvPr id="120" name="Rectangle 119"/>
+          <p:cNvSpPr/>
+          <p:nvPr/>
+        </p:nvSpPr>
+        <p:spPr>
+          <a:xfrm>
+            <a:off x="10058400" y="17449800"/>
+            <a:ext cx="7848600" cy="707886"/>
+          </a:xfrm>
+          <a:prstGeom prst="rect">
+            <a:avLst/>
+          </a:prstGeom>
+        </p:spPr>
+        <p:txBody>
+          <a:bodyPr wrap="square">
+            <a:spAutoFit/>
+          </a:bodyPr>
+          <a:lstStyle/>
+          <a:p>
+            <a:pPr algn="ctr"/>
+            <a:r>
+              <a:rPr lang="en-US" sz="2000" dirty="0" smtClean="0"/>
+              <a:t>Based on online web survey conducted with 16 </a:t>
+            </a:r>
+            <a:r>
+              <a:rPr lang="en-US" sz="2000" dirty="0" smtClean="0"/>
+              <a:t>persons who are blind, 9 with low vision and 2 sighted specialists in the area of visual impairment</a:t>
+            </a:r>
+            <a:endParaRPr lang="en-US" sz="2000" dirty="0"/>
+          </a:p>
+        </p:txBody>
+      </p:sp>
       <p:pic>
         <p:nvPicPr>
-          <p:cNvPr id="48" name="Picture 47" descr="ResponseTime.bmp"/>
+          <p:cNvPr id="122" name="Picture 121" descr="MappingPoster.bmp"/>
           <p:cNvPicPr>
             <a:picLocks noChangeAspect="1"/>
           </p:cNvPicPr>
@@ -5132,17 +6532,27 @@
         </p:blipFill>
         <p:spPr>
           <a:xfrm>
-            <a:off x="22402800" y="19278600"/>
-            <a:ext cx="9144000" cy="6981825"/>
+            <a:off x="13296900" y="5181600"/>
+            <a:ext cx="4819650" cy="6343650"/>
           </a:xfrm>
           <a:prstGeom prst="rect">
             <a:avLst/>
           </a:prstGeom>
+          <a:ln>
+            <a:noFill/>
+          </a:ln>
+          <a:effectLst>
+            <a:outerShdw blurRad="292100" dist="139700" dir="2700000" algn="tl" rotWithShape="0">
+              <a:srgbClr val="333333">
+                <a:alpha val="65000"/>
+              </a:srgbClr>
+            </a:outerShdw>
+          </a:effectLst>
         </p:spPr>
       </p:pic>
       <p:pic>
         <p:nvPicPr>
-          <p:cNvPr id="49" name="Picture 48" descr="Stephen.bmp"/>
+          <p:cNvPr id="123" name="Picture 122" descr="SurveyPoster.bmp"/>
           <p:cNvPicPr>
             <a:picLocks noChangeAspect="1"/>
           </p:cNvPicPr>
@@ -5156,62 +6566,1247 @@
         </p:blipFill>
         <p:spPr>
           <a:xfrm>
-            <a:off x="9144000" y="25450800"/>
-            <a:ext cx="7448550" cy="6181725"/>
+            <a:off x="10058576" y="11884630"/>
+            <a:ext cx="7772400" cy="5412770"/>
+          </a:xfrm>
+          <a:prstGeom prst="rect">
+            <a:avLst/>
+          </a:prstGeom>
+          <a:ln>
+            <a:noFill/>
+          </a:ln>
+          <a:effectLst>
+            <a:outerShdw blurRad="292100" dist="139700" dir="2700000" algn="tl" rotWithShape="0">
+              <a:srgbClr val="333333">
+                <a:alpha val="65000"/>
+              </a:srgbClr>
+            </a:outerShdw>
+          </a:effectLst>
+        </p:spPr>
+      </p:pic>
+      <p:sp>
+        <p:nvSpPr>
+          <p:cNvPr id="124" name="Rectangle 123"/>
+          <p:cNvSpPr/>
+          <p:nvPr/>
+        </p:nvSpPr>
+        <p:spPr>
+          <a:xfrm>
+            <a:off x="1143000" y="18211800"/>
+            <a:ext cx="17526000" cy="1077218"/>
+          </a:xfrm>
+          <a:prstGeom prst="rect">
+            <a:avLst/>
+          </a:prstGeom>
+        </p:spPr>
+        <p:txBody>
+          <a:bodyPr wrap="square">
+            <a:spAutoFit/>
+          </a:bodyPr>
+          <a:lstStyle/>
+          <a:p>
+            <a:pPr algn="ctr"/>
+            <a:r>
+              <a:rPr lang="en-US" sz="3200" b="1" dirty="0" smtClean="0"/>
+              <a:t>Goal: </a:t>
+            </a:r>
+            <a:r>
+              <a:rPr lang="en-US" sz="3200" dirty="0" smtClean="0"/>
+              <a:t>Design and Develop an human-human interaction enrichment tool that focuses on delivering facial actions of interaction partners to users who are visually impaired</a:t>
+            </a:r>
+            <a:endParaRPr lang="en-US" sz="3200" dirty="0"/>
+          </a:p>
+        </p:txBody>
+      </p:sp>
+      <p:grpSp>
+        <p:nvGrpSpPr>
+          <p:cNvPr id="129" name="Group 128"/>
+          <p:cNvGrpSpPr/>
+          <p:nvPr/>
+        </p:nvGrpSpPr>
+        <p:grpSpPr>
+          <a:xfrm>
+            <a:off x="19202400" y="5410200"/>
+            <a:ext cx="9448800" cy="8229600"/>
+            <a:chOff x="21717000" y="5638800"/>
+            <a:chExt cx="9448800" cy="8229600"/>
+          </a:xfrm>
+        </p:grpSpPr>
+        <p:sp>
+          <p:nvSpPr>
+            <p:cNvPr id="126" name="Rounded Rectangle 125"/>
+            <p:cNvSpPr/>
+            <p:nvPr/>
+          </p:nvSpPr>
+          <p:spPr bwMode="auto">
+            <a:xfrm>
+              <a:off x="21717000" y="5638800"/>
+              <a:ext cx="9448800" cy="8229600"/>
+            </a:xfrm>
+            <a:prstGeom prst="roundRect">
+              <a:avLst>
+                <a:gd name="adj" fmla="val 3472"/>
+              </a:avLst>
+            </a:prstGeom>
+            <a:solidFill>
+              <a:schemeClr val="bg1">
+                <a:alpha val="31000"/>
+              </a:schemeClr>
+            </a:solidFill>
+            <a:ln w="9525" cap="flat" cmpd="sng" algn="ctr">
+              <a:solidFill>
+                <a:schemeClr val="tx1"/>
+              </a:solidFill>
+              <a:prstDash val="solid"/>
+              <a:round/>
+              <a:headEnd type="none" w="med" len="med"/>
+              <a:tailEnd type="none" w="med" len="med"/>
+            </a:ln>
+            <a:effectLst/>
+          </p:spPr>
+          <p:txBody>
+            <a:bodyPr vert="horz" wrap="square" lIns="91440" tIns="45720" rIns="91440" bIns="45720" numCol="1" rtlCol="0" anchor="t" anchorCtr="0" compatLnSpc="1">
+              <a:prstTxWarp prst="textNoShape">
+                <a:avLst/>
+              </a:prstTxWarp>
+            </a:bodyPr>
+            <a:lstStyle/>
+            <a:p>
+              <a:pPr marL="0" marR="0" indent="0" algn="l" defTabSz="914400" rtl="0" eaLnBrk="0" fontAlgn="base" latinLnBrk="0" hangingPunct="0">
+                <a:lnSpc>
+                  <a:spcPct val="100000"/>
+                </a:lnSpc>
+                <a:spcBef>
+                  <a:spcPct val="0"/>
+                </a:spcBef>
+                <a:spcAft>
+                  <a:spcPct val="0"/>
+                </a:spcAft>
+                <a:buClrTx/>
+                <a:buSzTx/>
+                <a:buFontTx/>
+                <a:buNone/>
+                <a:tabLst/>
+              </a:pPr>
+              <a:endParaRPr kumimoji="0" lang="en-US" sz="2400" b="0" i="0" u="none" strike="noStrike" cap="none" normalizeH="0" baseline="0" smtClean="0">
+                <a:ln>
+                  <a:noFill/>
+                </a:ln>
+                <a:solidFill>
+                  <a:schemeClr val="tx1"/>
+                </a:solidFill>
+                <a:effectLst/>
+                <a:latin typeface="Times New Roman" pitchFamily="18" charset="0"/>
+              </a:endParaRPr>
+            </a:p>
+          </p:txBody>
+        </p:sp>
+        <p:sp>
+          <p:nvSpPr>
+            <p:cNvPr id="76" name="AutoShape 4"/>
+            <p:cNvSpPr>
+              <a:spLocks noChangeAspect="1" noChangeArrowheads="1"/>
+            </p:cNvSpPr>
+            <p:nvPr/>
+          </p:nvSpPr>
+          <p:spPr bwMode="auto">
+            <a:xfrm>
+              <a:off x="23522459" y="6072965"/>
+              <a:ext cx="2506647" cy="3349875"/>
+            </a:xfrm>
+            <a:prstGeom prst="rect">
+              <a:avLst/>
+            </a:prstGeom>
+            <a:noFill/>
+            <a:ln w="9525">
+              <a:noFill/>
+              <a:miter lim="800000"/>
+              <a:headEnd/>
+              <a:tailEnd/>
+            </a:ln>
+          </p:spPr>
+          <p:txBody>
+            <a:bodyPr vert="horz" wrap="square" lIns="91440" tIns="45720" rIns="91440" bIns="45720" numCol="1" anchor="t" anchorCtr="0" compatLnSpc="1">
+              <a:prstTxWarp prst="textNoShape">
+                <a:avLst/>
+              </a:prstTxWarp>
+            </a:bodyPr>
+            <a:lstStyle/>
+            <a:p>
+              <a:endParaRPr lang="en-US"/>
+            </a:p>
+          </p:txBody>
+        </p:sp>
+        <p:pic>
+          <p:nvPicPr>
+            <p:cNvPr id="77" name="Picture 76" descr="steven1"/>
+            <p:cNvPicPr>
+              <a:picLocks noChangeAspect="1" noChangeArrowheads="1"/>
+            </p:cNvPicPr>
+            <p:nvPr/>
+          </p:nvPicPr>
+          <p:blipFill>
+            <a:blip r:embed="rId14" cstate="print"/>
+            <a:srcRect l="16589" t="10042" r="10543" b="6915"/>
+            <a:stretch>
+              <a:fillRect/>
+            </a:stretch>
+          </p:blipFill>
+          <p:spPr bwMode="auto">
+            <a:xfrm>
+              <a:off x="24468499" y="6072965"/>
+              <a:ext cx="3852963" cy="6386678"/>
+            </a:xfrm>
+            <a:prstGeom prst="rect">
+              <a:avLst/>
+            </a:prstGeom>
+            <a:ln w="38100" cap="sq">
+              <a:solidFill>
+                <a:srgbClr val="000000"/>
+              </a:solidFill>
+              <a:prstDash val="solid"/>
+              <a:miter lim="800000"/>
+            </a:ln>
+            <a:effectLst>
+              <a:outerShdw blurRad="50800" dist="38100" dir="2700000" algn="tl" rotWithShape="0">
+                <a:srgbClr val="000000">
+                  <a:alpha val="43000"/>
+                </a:srgbClr>
+              </a:outerShdw>
+            </a:effectLst>
+          </p:spPr>
+        </p:pic>
+        <p:sp>
+          <p:nvSpPr>
+            <p:cNvPr id="78" name="Right Arrow 77"/>
+            <p:cNvSpPr/>
+            <p:nvPr/>
+          </p:nvSpPr>
+          <p:spPr>
+            <a:xfrm rot="20761356">
+              <a:off x="23942793" y="7048691"/>
+              <a:ext cx="1886873" cy="215538"/>
+            </a:xfrm>
+            <a:prstGeom prst="rightArrow">
+              <a:avLst/>
+            </a:prstGeom>
+          </p:spPr>
+          <p:style>
+            <a:lnRef idx="1">
+              <a:schemeClr val="accent6"/>
+            </a:lnRef>
+            <a:fillRef idx="2">
+              <a:schemeClr val="accent6"/>
+            </a:fillRef>
+            <a:effectRef idx="1">
+              <a:schemeClr val="accent6"/>
+            </a:effectRef>
+            <a:fontRef idx="minor">
+              <a:schemeClr val="dk1"/>
+            </a:fontRef>
+          </p:style>
+          <p:txBody>
+            <a:bodyPr rtlCol="0" anchor="ctr"/>
+            <a:lstStyle/>
+            <a:p>
+              <a:pPr algn="ctr"/>
+              <a:endParaRPr lang="en-US"/>
+            </a:p>
+          </p:txBody>
+        </p:sp>
+        <p:sp>
+          <p:nvSpPr>
+            <p:cNvPr id="79" name="Right Arrow 78"/>
+            <p:cNvSpPr/>
+            <p:nvPr/>
+          </p:nvSpPr>
+          <p:spPr>
+            <a:xfrm>
+              <a:off x="23965880" y="7264674"/>
+              <a:ext cx="1806077" cy="187843"/>
+            </a:xfrm>
+            <a:prstGeom prst="rightArrow">
+              <a:avLst/>
+            </a:prstGeom>
+          </p:spPr>
+          <p:style>
+            <a:lnRef idx="1">
+              <a:schemeClr val="accent6"/>
+            </a:lnRef>
+            <a:fillRef idx="2">
+              <a:schemeClr val="accent6"/>
+            </a:fillRef>
+            <a:effectRef idx="1">
+              <a:schemeClr val="accent6"/>
+            </a:effectRef>
+            <a:fontRef idx="minor">
+              <a:schemeClr val="dk1"/>
+            </a:fontRef>
+          </p:style>
+          <p:txBody>
+            <a:bodyPr rtlCol="0" anchor="ctr"/>
+            <a:lstStyle/>
+            <a:p>
+              <a:pPr algn="ctr"/>
+              <a:endParaRPr lang="en-US"/>
+            </a:p>
+          </p:txBody>
+        </p:sp>
+        <p:sp>
+          <p:nvSpPr>
+            <p:cNvPr id="80" name="Right Arrow 79"/>
+            <p:cNvSpPr/>
+            <p:nvPr/>
+          </p:nvSpPr>
+          <p:spPr>
+            <a:xfrm rot="827554">
+              <a:off x="23979004" y="7540989"/>
+              <a:ext cx="1806077" cy="187843"/>
+            </a:xfrm>
+            <a:prstGeom prst="rightArrow">
+              <a:avLst/>
+            </a:prstGeom>
+          </p:spPr>
+          <p:style>
+            <a:lnRef idx="1">
+              <a:schemeClr val="accent6"/>
+            </a:lnRef>
+            <a:fillRef idx="2">
+              <a:schemeClr val="accent6"/>
+            </a:fillRef>
+            <a:effectRef idx="1">
+              <a:schemeClr val="accent6"/>
+            </a:effectRef>
+            <a:fontRef idx="minor">
+              <a:schemeClr val="dk1"/>
+            </a:fontRef>
+          </p:style>
+          <p:txBody>
+            <a:bodyPr rtlCol="0" anchor="ctr"/>
+            <a:lstStyle/>
+            <a:p>
+              <a:pPr algn="ctr"/>
+              <a:endParaRPr lang="en-US"/>
+            </a:p>
+          </p:txBody>
+        </p:sp>
+        <p:pic>
+          <p:nvPicPr>
+            <p:cNvPr id="81" name="Picture 80" descr="0802pg25_f1.jpg"/>
+            <p:cNvPicPr>
+              <a:picLocks noChangeAspect="1"/>
+            </p:cNvPicPr>
+            <p:nvPr/>
+          </p:nvPicPr>
+          <p:blipFill>
+            <a:blip r:embed="rId15" cstate="print"/>
+            <a:stretch>
+              <a:fillRect/>
+            </a:stretch>
+          </p:blipFill>
+          <p:spPr>
+            <a:xfrm>
+              <a:off x="21869400" y="6354730"/>
+              <a:ext cx="2236095" cy="2441965"/>
+            </a:xfrm>
+            <a:prstGeom prst="rect">
+              <a:avLst/>
+            </a:prstGeom>
+          </p:spPr>
+        </p:pic>
+        <p:sp>
+          <p:nvSpPr>
+            <p:cNvPr id="82" name="Right Arrow 81"/>
+            <p:cNvSpPr/>
+            <p:nvPr/>
+          </p:nvSpPr>
+          <p:spPr>
+            <a:xfrm>
+              <a:off x="23690368" y="10263342"/>
+              <a:ext cx="1886873" cy="215538"/>
+            </a:xfrm>
+            <a:prstGeom prst="rightArrow">
+              <a:avLst/>
+            </a:prstGeom>
+          </p:spPr>
+          <p:style>
+            <a:lnRef idx="1">
+              <a:schemeClr val="accent6"/>
+            </a:lnRef>
+            <a:fillRef idx="2">
+              <a:schemeClr val="accent6"/>
+            </a:fillRef>
+            <a:effectRef idx="1">
+              <a:schemeClr val="accent6"/>
+            </a:effectRef>
+            <a:fontRef idx="minor">
+              <a:schemeClr val="dk1"/>
+            </a:fontRef>
+          </p:style>
+          <p:txBody>
+            <a:bodyPr rtlCol="0" anchor="ctr"/>
+            <a:lstStyle/>
+            <a:p>
+              <a:pPr algn="ctr"/>
+              <a:endParaRPr lang="en-US"/>
+            </a:p>
+          </p:txBody>
+        </p:sp>
+        <p:sp>
+          <p:nvSpPr>
+            <p:cNvPr id="83" name="Oval 82"/>
+            <p:cNvSpPr/>
+            <p:nvPr/>
+          </p:nvSpPr>
+          <p:spPr>
+            <a:xfrm>
+              <a:off x="22060397" y="9844471"/>
+              <a:ext cx="2150091" cy="1127061"/>
+            </a:xfrm>
+            <a:prstGeom prst="ellipse">
+              <a:avLst/>
+            </a:prstGeom>
+          </p:spPr>
+          <p:style>
+            <a:lnRef idx="1">
+              <a:schemeClr val="accent2"/>
+            </a:lnRef>
+            <a:fillRef idx="3">
+              <a:schemeClr val="accent2"/>
+            </a:fillRef>
+            <a:effectRef idx="2">
+              <a:schemeClr val="accent2"/>
+            </a:effectRef>
+            <a:fontRef idx="minor">
+              <a:schemeClr val="lt1"/>
+            </a:fontRef>
+          </p:style>
+          <p:txBody>
+            <a:bodyPr rtlCol="0" anchor="ctr"/>
+            <a:lstStyle/>
+            <a:p>
+              <a:pPr algn="ctr"/>
+              <a:r>
+                <a:rPr lang="en-US" sz="2000" dirty="0" smtClean="0"/>
+                <a:t>Darlington Motor Driver </a:t>
+              </a:r>
+              <a:endParaRPr lang="en-US" sz="2000" dirty="0"/>
+            </a:p>
+          </p:txBody>
+        </p:sp>
+        <p:sp>
+          <p:nvSpPr>
+            <p:cNvPr id="84" name="Right Arrow 83"/>
+            <p:cNvSpPr/>
+            <p:nvPr/>
+          </p:nvSpPr>
+          <p:spPr>
+            <a:xfrm rot="18767969">
+              <a:off x="24409626" y="12470989"/>
+              <a:ext cx="2060591" cy="197367"/>
+            </a:xfrm>
+            <a:prstGeom prst="rightArrow">
+              <a:avLst/>
+            </a:prstGeom>
+          </p:spPr>
+          <p:style>
+            <a:lnRef idx="1">
+              <a:schemeClr val="accent6"/>
+            </a:lnRef>
+            <a:fillRef idx="2">
+              <a:schemeClr val="accent6"/>
+            </a:fillRef>
+            <a:effectRef idx="1">
+              <a:schemeClr val="accent6"/>
+            </a:effectRef>
+            <a:fontRef idx="minor">
+              <a:schemeClr val="dk1"/>
+            </a:fontRef>
+          </p:style>
+          <p:txBody>
+            <a:bodyPr rtlCol="0" anchor="ctr"/>
+            <a:lstStyle/>
+            <a:p>
+              <a:pPr algn="ctr"/>
+              <a:endParaRPr lang="en-US"/>
+            </a:p>
+          </p:txBody>
+        </p:sp>
+        <p:sp>
+          <p:nvSpPr>
+            <p:cNvPr id="85" name="Oval 84"/>
+            <p:cNvSpPr/>
+            <p:nvPr/>
+          </p:nvSpPr>
+          <p:spPr>
+            <a:xfrm>
+              <a:off x="23780470" y="12574302"/>
+              <a:ext cx="2150091" cy="1127061"/>
+            </a:xfrm>
+            <a:prstGeom prst="ellipse">
+              <a:avLst/>
+            </a:prstGeom>
+          </p:spPr>
+          <p:style>
+            <a:lnRef idx="1">
+              <a:schemeClr val="accent2"/>
+            </a:lnRef>
+            <a:fillRef idx="3">
+              <a:schemeClr val="accent2"/>
+            </a:fillRef>
+            <a:effectRef idx="2">
+              <a:schemeClr val="accent2"/>
+            </a:effectRef>
+            <a:fontRef idx="minor">
+              <a:schemeClr val="lt1"/>
+            </a:fontRef>
+          </p:style>
+          <p:txBody>
+            <a:bodyPr rtlCol="0" anchor="ctr"/>
+            <a:lstStyle/>
+            <a:p>
+              <a:pPr algn="ctr"/>
+              <a:r>
+                <a:rPr lang="en-US" sz="2000" dirty="0" smtClean="0"/>
+                <a:t>USB-Serial Interface </a:t>
+              </a:r>
+              <a:endParaRPr lang="en-US" sz="2000" dirty="0"/>
+            </a:p>
+          </p:txBody>
+        </p:sp>
+        <p:sp>
+          <p:nvSpPr>
+            <p:cNvPr id="86" name="Right Arrow 85"/>
+            <p:cNvSpPr/>
+            <p:nvPr/>
+          </p:nvSpPr>
+          <p:spPr>
+            <a:xfrm rot="15270998">
+              <a:off x="26537282" y="12255573"/>
+              <a:ext cx="2060591" cy="197367"/>
+            </a:xfrm>
+            <a:prstGeom prst="rightArrow">
+              <a:avLst/>
+            </a:prstGeom>
+          </p:spPr>
+          <p:style>
+            <a:lnRef idx="1">
+              <a:schemeClr val="accent6"/>
+            </a:lnRef>
+            <a:fillRef idx="2">
+              <a:schemeClr val="accent6"/>
+            </a:fillRef>
+            <a:effectRef idx="1">
+              <a:schemeClr val="accent6"/>
+            </a:effectRef>
+            <a:fontRef idx="minor">
+              <a:schemeClr val="dk1"/>
+            </a:fontRef>
+          </p:style>
+          <p:txBody>
+            <a:bodyPr rtlCol="0" anchor="ctr"/>
+            <a:lstStyle/>
+            <a:p>
+              <a:pPr algn="ctr"/>
+              <a:endParaRPr lang="en-US"/>
+            </a:p>
+          </p:txBody>
+        </p:sp>
+        <p:sp>
+          <p:nvSpPr>
+            <p:cNvPr id="87" name="Oval 86"/>
+            <p:cNvSpPr/>
+            <p:nvPr/>
+          </p:nvSpPr>
+          <p:spPr>
+            <a:xfrm>
+              <a:off x="26672201" y="12588939"/>
+              <a:ext cx="2150091" cy="1127061"/>
+            </a:xfrm>
+            <a:prstGeom prst="ellipse">
+              <a:avLst/>
+            </a:prstGeom>
+          </p:spPr>
+          <p:style>
+            <a:lnRef idx="1">
+              <a:schemeClr val="accent2"/>
+            </a:lnRef>
+            <a:fillRef idx="3">
+              <a:schemeClr val="accent2"/>
+            </a:fillRef>
+            <a:effectRef idx="2">
+              <a:schemeClr val="accent2"/>
+            </a:effectRef>
+            <a:fontRef idx="minor">
+              <a:schemeClr val="lt1"/>
+            </a:fontRef>
+          </p:style>
+          <p:txBody>
+            <a:bodyPr rtlCol="0" anchor="ctr"/>
+            <a:lstStyle/>
+            <a:p>
+              <a:pPr algn="ctr"/>
+              <a:r>
+                <a:rPr lang="en-US" sz="2000" dirty="0" smtClean="0"/>
+                <a:t>Debug Port LED</a:t>
+              </a:r>
+              <a:endParaRPr lang="en-US" sz="2000" dirty="0"/>
+            </a:p>
+          </p:txBody>
+        </p:sp>
+        <p:sp>
+          <p:nvSpPr>
+            <p:cNvPr id="88" name="Right Arrow 87"/>
+            <p:cNvSpPr/>
+            <p:nvPr/>
+          </p:nvSpPr>
+          <p:spPr>
+            <a:xfrm rot="10800000">
+              <a:off x="27935451" y="11144056"/>
+              <a:ext cx="1886873" cy="215538"/>
+            </a:xfrm>
+            <a:prstGeom prst="rightArrow">
+              <a:avLst/>
+            </a:prstGeom>
+          </p:spPr>
+          <p:style>
+            <a:lnRef idx="1">
+              <a:schemeClr val="accent6"/>
+            </a:lnRef>
+            <a:fillRef idx="2">
+              <a:schemeClr val="accent6"/>
+            </a:fillRef>
+            <a:effectRef idx="1">
+              <a:schemeClr val="accent6"/>
+            </a:effectRef>
+            <a:fontRef idx="minor">
+              <a:schemeClr val="dk1"/>
+            </a:fontRef>
+          </p:style>
+          <p:txBody>
+            <a:bodyPr rtlCol="0" anchor="ctr"/>
+            <a:lstStyle/>
+            <a:p>
+              <a:pPr algn="ctr"/>
+              <a:endParaRPr lang="en-US"/>
+            </a:p>
+          </p:txBody>
+        </p:sp>
+        <p:sp>
+          <p:nvSpPr>
+            <p:cNvPr id="89" name="Oval 88"/>
+            <p:cNvSpPr/>
+            <p:nvPr/>
+          </p:nvSpPr>
+          <p:spPr>
+            <a:xfrm>
+              <a:off x="28767502" y="10704403"/>
+              <a:ext cx="2322098" cy="1127061"/>
+            </a:xfrm>
+            <a:prstGeom prst="ellipse">
+              <a:avLst/>
+            </a:prstGeom>
+          </p:spPr>
+          <p:style>
+            <a:lnRef idx="1">
+              <a:schemeClr val="accent2"/>
+            </a:lnRef>
+            <a:fillRef idx="3">
+              <a:schemeClr val="accent2"/>
+            </a:fillRef>
+            <a:effectRef idx="2">
+              <a:schemeClr val="accent2"/>
+            </a:effectRef>
+            <a:fontRef idx="minor">
+              <a:schemeClr val="lt1"/>
+            </a:fontRef>
+          </p:style>
+          <p:txBody>
+            <a:bodyPr rtlCol="0" anchor="ctr"/>
+            <a:lstStyle/>
+            <a:p>
+              <a:pPr algn="ctr"/>
+              <a:r>
+                <a:rPr lang="el-GR" sz="2000" dirty="0" smtClean="0"/>
+                <a:t>μ</a:t>
+              </a:r>
+              <a:r>
+                <a:rPr lang="en-US" sz="2000" dirty="0" smtClean="0"/>
+                <a:t>C Programming Port</a:t>
+              </a:r>
+              <a:endParaRPr lang="en-US" sz="2000" dirty="0"/>
+            </a:p>
+          </p:txBody>
+        </p:sp>
+        <p:sp>
+          <p:nvSpPr>
+            <p:cNvPr id="90" name="Right Arrow 89"/>
+            <p:cNvSpPr/>
+            <p:nvPr/>
+          </p:nvSpPr>
+          <p:spPr>
+            <a:xfrm rot="9807424">
+              <a:off x="27209662" y="9367359"/>
+              <a:ext cx="1886873" cy="215538"/>
+            </a:xfrm>
+            <a:prstGeom prst="rightArrow">
+              <a:avLst/>
+            </a:prstGeom>
+          </p:spPr>
+          <p:style>
+            <a:lnRef idx="1">
+              <a:schemeClr val="accent6"/>
+            </a:lnRef>
+            <a:fillRef idx="2">
+              <a:schemeClr val="accent6"/>
+            </a:fillRef>
+            <a:effectRef idx="1">
+              <a:schemeClr val="accent6"/>
+            </a:effectRef>
+            <a:fontRef idx="minor">
+              <a:schemeClr val="dk1"/>
+            </a:fontRef>
+          </p:style>
+          <p:txBody>
+            <a:bodyPr rtlCol="0" anchor="ctr"/>
+            <a:lstStyle/>
+            <a:p>
+              <a:pPr algn="ctr"/>
+              <a:endParaRPr lang="en-US"/>
+            </a:p>
+          </p:txBody>
+        </p:sp>
+        <p:sp>
+          <p:nvSpPr>
+            <p:cNvPr id="91" name="Oval 90"/>
+            <p:cNvSpPr/>
+            <p:nvPr/>
+          </p:nvSpPr>
+          <p:spPr>
+            <a:xfrm>
+              <a:off x="28615663" y="8673500"/>
+              <a:ext cx="2150091" cy="1127061"/>
+            </a:xfrm>
+            <a:prstGeom prst="ellipse">
+              <a:avLst/>
+            </a:prstGeom>
+          </p:spPr>
+          <p:style>
+            <a:lnRef idx="1">
+              <a:schemeClr val="accent2"/>
+            </a:lnRef>
+            <a:fillRef idx="3">
+              <a:schemeClr val="accent2"/>
+            </a:fillRef>
+            <a:effectRef idx="2">
+              <a:schemeClr val="accent2"/>
+            </a:effectRef>
+            <a:fontRef idx="minor">
+              <a:schemeClr val="lt1"/>
+            </a:fontRef>
+          </p:style>
+          <p:txBody>
+            <a:bodyPr rtlCol="0" anchor="ctr"/>
+            <a:lstStyle/>
+            <a:p>
+              <a:pPr algn="ctr"/>
+              <a:r>
+                <a:rPr lang="en-US" sz="2000" dirty="0" smtClean="0"/>
+                <a:t>Atmel ATmega168 </a:t>
+              </a:r>
+              <a:r>
+                <a:rPr lang="el-GR" sz="2000" dirty="0" smtClean="0"/>
+                <a:t>μ</a:t>
+              </a:r>
+              <a:r>
+                <a:rPr lang="en-US" sz="2000" dirty="0" smtClean="0"/>
+                <a:t>C </a:t>
+              </a:r>
+              <a:endParaRPr lang="en-US" sz="2000" dirty="0"/>
+            </a:p>
+          </p:txBody>
+        </p:sp>
+        <p:sp>
+          <p:nvSpPr>
+            <p:cNvPr id="92" name="Rounded Rectangle 91"/>
+            <p:cNvSpPr/>
+            <p:nvPr/>
+          </p:nvSpPr>
+          <p:spPr>
+            <a:xfrm>
+              <a:off x="21888390" y="5791200"/>
+              <a:ext cx="2236095" cy="657452"/>
+            </a:xfrm>
+            <a:prstGeom prst="roundRect">
+              <a:avLst/>
+            </a:prstGeom>
+          </p:spPr>
+          <p:style>
+            <a:lnRef idx="1">
+              <a:schemeClr val="accent2"/>
+            </a:lnRef>
+            <a:fillRef idx="3">
+              <a:schemeClr val="accent2"/>
+            </a:fillRef>
+            <a:effectRef idx="2">
+              <a:schemeClr val="accent2"/>
+            </a:effectRef>
+            <a:fontRef idx="minor">
+              <a:schemeClr val="lt1"/>
+            </a:fontRef>
+          </p:style>
+          <p:txBody>
+            <a:bodyPr rtlCol="0" anchor="ctr"/>
+            <a:lstStyle/>
+            <a:p>
+              <a:pPr algn="ctr"/>
+              <a:r>
+                <a:rPr lang="en-US" sz="2000" dirty="0" smtClean="0"/>
+                <a:t>Shaftless Vibration Motor</a:t>
+              </a:r>
+              <a:endParaRPr lang="en-US" sz="2000" dirty="0"/>
+            </a:p>
+          </p:txBody>
+        </p:sp>
+        <p:sp>
+          <p:nvSpPr>
+            <p:cNvPr id="127" name="Rectangle 126"/>
+            <p:cNvSpPr/>
+            <p:nvPr/>
+          </p:nvSpPr>
+          <p:spPr>
+            <a:xfrm>
+              <a:off x="28422600" y="5867400"/>
+              <a:ext cx="2286000" cy="646331"/>
+            </a:xfrm>
+            <a:prstGeom prst="rect">
+              <a:avLst/>
+            </a:prstGeom>
+          </p:spPr>
+          <p:txBody>
+            <a:bodyPr wrap="square">
+              <a:spAutoFit/>
+            </a:bodyPr>
+            <a:lstStyle/>
+            <a:p>
+              <a:pPr algn="ctr"/>
+              <a:r>
+                <a:rPr lang="en-US" sz="3600" b="1" dirty="0" smtClean="0"/>
+                <a:t>Hardware</a:t>
+              </a:r>
+              <a:endParaRPr lang="en-US" sz="3600" b="1" dirty="0"/>
+            </a:p>
+          </p:txBody>
+        </p:sp>
+      </p:grpSp>
+      <p:grpSp>
+        <p:nvGrpSpPr>
+          <p:cNvPr id="130" name="Group 129"/>
+          <p:cNvGrpSpPr/>
+          <p:nvPr/>
+        </p:nvGrpSpPr>
+        <p:grpSpPr>
+          <a:xfrm>
+            <a:off x="19354800" y="14146148"/>
+            <a:ext cx="9144001" cy="4903852"/>
+            <a:chOff x="21564599" y="14173200"/>
+            <a:chExt cx="9144001" cy="4903852"/>
+          </a:xfrm>
+        </p:grpSpPr>
+        <p:pic>
+          <p:nvPicPr>
+            <p:cNvPr id="69" name="Picture 68" descr="System.bmp"/>
+            <p:cNvPicPr>
+              <a:picLocks noChangeAspect="1"/>
+            </p:cNvPicPr>
+            <p:nvPr/>
+          </p:nvPicPr>
+          <p:blipFill>
+            <a:blip r:embed="rId16" cstate="print"/>
+            <a:stretch>
+              <a:fillRect/>
+            </a:stretch>
+          </p:blipFill>
+          <p:spPr>
+            <a:xfrm>
+              <a:off x="22174200" y="14173200"/>
+              <a:ext cx="8534400" cy="4903852"/>
+            </a:xfrm>
+            <a:prstGeom prst="rect">
+              <a:avLst/>
+            </a:prstGeom>
+            <a:ln>
+              <a:noFill/>
+            </a:ln>
+            <a:effectLst>
+              <a:outerShdw blurRad="292100" dist="139700" dir="2700000" algn="tl" rotWithShape="0">
+                <a:srgbClr val="333333">
+                  <a:alpha val="65000"/>
+                </a:srgbClr>
+              </a:outerShdw>
+            </a:effectLst>
+          </p:spPr>
+        </p:pic>
+        <p:sp>
+          <p:nvSpPr>
+            <p:cNvPr id="128" name="Rectangle 127"/>
+            <p:cNvSpPr/>
+            <p:nvPr/>
+          </p:nvSpPr>
+          <p:spPr>
+            <a:xfrm rot="16200000">
+              <a:off x="20744765" y="16212235"/>
+              <a:ext cx="2286000" cy="646331"/>
+            </a:xfrm>
+            <a:prstGeom prst="rect">
+              <a:avLst/>
+            </a:prstGeom>
+          </p:spPr>
+          <p:txBody>
+            <a:bodyPr wrap="square">
+              <a:spAutoFit/>
+            </a:bodyPr>
+            <a:lstStyle/>
+            <a:p>
+              <a:pPr algn="ctr"/>
+              <a:r>
+                <a:rPr lang="en-US" sz="3600" b="1" dirty="0" smtClean="0"/>
+                <a:t>Software</a:t>
+              </a:r>
+              <a:endParaRPr lang="en-US" sz="3600" b="1" dirty="0"/>
+            </a:p>
+          </p:txBody>
+        </p:sp>
+      </p:grpSp>
+      <p:pic>
+        <p:nvPicPr>
+          <p:cNvPr id="131" name="Picture 130" descr="Mappings.bmp"/>
+          <p:cNvPicPr>
+            <a:picLocks noChangeAspect="1"/>
+          </p:cNvPicPr>
+          <p:nvPr/>
+        </p:nvPicPr>
+        <p:blipFill>
+          <a:blip r:embed="rId7" cstate="print"/>
+          <a:srcRect t="59054"/>
+          <a:stretch>
+            <a:fillRect/>
+          </a:stretch>
+        </p:blipFill>
+        <p:spPr>
+          <a:xfrm>
+            <a:off x="36134040" y="15278437"/>
+            <a:ext cx="6766560" cy="3542963"/>
           </a:xfrm>
           <a:prstGeom prst="rect">
             <a:avLst/>
           </a:prstGeom>
         </p:spPr>
       </p:pic>
-      <p:pic>
-        <p:nvPicPr>
-          <p:cNvPr id="50" name="Picture 49" descr="Comparison.bmp"/>
-          <p:cNvPicPr>
-            <a:picLocks noChangeAspect="1"/>
-          </p:cNvPicPr>
+      <p:sp>
+        <p:nvSpPr>
+          <p:cNvPr id="133" name="Rectangle 132"/>
+          <p:cNvSpPr/>
           <p:nvPr/>
-        </p:nvPicPr>
-        <p:blipFill>
-          <a:blip r:embed="rId14" cstate="print"/>
-          <a:stretch>
-            <a:fillRect/>
-          </a:stretch>
-        </p:blipFill>
+        </p:nvSpPr>
+        <p:spPr bwMode="auto">
+          <a:xfrm>
+            <a:off x="35345370" y="14745037"/>
+            <a:ext cx="7543800" cy="533400"/>
+          </a:xfrm>
+          <a:prstGeom prst="rect">
+            <a:avLst/>
+          </a:prstGeom>
+          <a:solidFill>
+            <a:srgbClr val="FFFF00">
+              <a:alpha val="14000"/>
+            </a:srgbClr>
+          </a:solidFill>
+          <a:ln w="9525" cap="flat" cmpd="sng" algn="ctr">
+            <a:noFill/>
+            <a:prstDash val="solid"/>
+            <a:round/>
+            <a:headEnd type="none" w="med" len="med"/>
+            <a:tailEnd type="none" w="med" len="med"/>
+          </a:ln>
+          <a:effectLst/>
+        </p:spPr>
+        <p:txBody>
+          <a:bodyPr vert="horz" wrap="square" lIns="91440" tIns="45720" rIns="91440" bIns="45720" numCol="1" rtlCol="0" anchor="t" anchorCtr="0" compatLnSpc="1">
+            <a:prstTxWarp prst="textNoShape">
+              <a:avLst/>
+            </a:prstTxWarp>
+          </a:bodyPr>
+          <a:lstStyle/>
+          <a:p>
+            <a:pPr marL="0" marR="0" indent="0" algn="l" defTabSz="914400" rtl="0" eaLnBrk="0" fontAlgn="base" latinLnBrk="0" hangingPunct="0">
+              <a:lnSpc>
+                <a:spcPct val="100000"/>
+              </a:lnSpc>
+              <a:spcBef>
+                <a:spcPct val="0"/>
+              </a:spcBef>
+              <a:spcAft>
+                <a:spcPct val="0"/>
+              </a:spcAft>
+              <a:buClrTx/>
+              <a:buSzTx/>
+              <a:buFontTx/>
+              <a:buNone/>
+              <a:tabLst/>
+            </a:pPr>
+            <a:endParaRPr kumimoji="0" lang="en-US" sz="2400" b="0" i="0" u="none" strike="noStrike" cap="none" normalizeH="0" baseline="0" smtClean="0">
+              <a:ln>
+                <a:noFill/>
+              </a:ln>
+              <a:solidFill>
+                <a:schemeClr val="tx1"/>
+              </a:solidFill>
+              <a:effectLst/>
+              <a:latin typeface="Times New Roman" pitchFamily="18" charset="0"/>
+            </a:endParaRPr>
+          </a:p>
+        </p:txBody>
+      </p:sp>
+      <p:sp>
+        <p:nvSpPr>
+          <p:cNvPr id="134" name="Rectangle 133"/>
+          <p:cNvSpPr/>
+          <p:nvPr/>
+        </p:nvSpPr>
         <p:spPr>
-          <a:xfrm>
-            <a:off x="13868400" y="4419600"/>
-            <a:ext cx="4267200" cy="5276850"/>
+          <a:xfrm rot="16200000">
+            <a:off x="34645551" y="11983471"/>
+            <a:ext cx="2286000" cy="646331"/>
           </a:xfrm>
           <a:prstGeom prst="rect">
             <a:avLst/>
           </a:prstGeom>
         </p:spPr>
-      </p:pic>
-      <p:pic>
-        <p:nvPicPr>
-          <p:cNvPr id="51" name="Picture 50" descr="RecogRate.bmp"/>
-          <p:cNvPicPr>
-            <a:picLocks noChangeAspect="1"/>
-          </p:cNvPicPr>
+        <p:txBody>
+          <a:bodyPr wrap="square">
+            <a:spAutoFit/>
+          </a:bodyPr>
+          <a:lstStyle/>
+          <a:p>
+            <a:pPr algn="ctr"/>
+            <a:r>
+              <a:rPr lang="en-US" sz="3600" b="1" dirty="0" smtClean="0"/>
+              <a:t>Group 1</a:t>
+            </a:r>
+            <a:endParaRPr lang="en-US" sz="3600" b="1" dirty="0"/>
+          </a:p>
+        </p:txBody>
+      </p:sp>
+      <p:sp>
+        <p:nvSpPr>
+          <p:cNvPr id="135" name="Rectangle 134"/>
+          <p:cNvSpPr/>
           <p:nvPr/>
-        </p:nvPicPr>
-        <p:blipFill>
-          <a:blip r:embed="rId15" cstate="print"/>
-          <a:stretch>
-            <a:fillRect/>
-          </a:stretch>
-        </p:blipFill>
+        </p:nvSpPr>
         <p:spPr>
-          <a:xfrm>
-            <a:off x="1066800" y="19050000"/>
-            <a:ext cx="7315200" cy="6105525"/>
+          <a:xfrm rot="16200000">
+            <a:off x="34653170" y="16631671"/>
+            <a:ext cx="2286000" cy="646331"/>
           </a:xfrm>
           <a:prstGeom prst="rect">
             <a:avLst/>
           </a:prstGeom>
         </p:spPr>
-      </p:pic>
+        <p:txBody>
+          <a:bodyPr wrap="square">
+            <a:spAutoFit/>
+          </a:bodyPr>
+          <a:lstStyle/>
+          <a:p>
+            <a:pPr algn="ctr"/>
+            <a:r>
+              <a:rPr lang="en-US" sz="3600" b="1" dirty="0" smtClean="0"/>
+              <a:t>Group 2</a:t>
+            </a:r>
+            <a:endParaRPr lang="en-US" sz="3600" b="1" dirty="0"/>
+          </a:p>
+        </p:txBody>
+      </p:sp>
+      <p:sp>
+        <p:nvSpPr>
+          <p:cNvPr id="136" name="TextBox 135"/>
+          <p:cNvSpPr txBox="1"/>
+          <p:nvPr/>
+        </p:nvSpPr>
+        <p:spPr>
+          <a:xfrm>
+            <a:off x="28803600" y="5410200"/>
+            <a:ext cx="6781800" cy="6555641"/>
+          </a:xfrm>
+          <a:prstGeom prst="rect">
+            <a:avLst/>
+          </a:prstGeom>
+          <a:noFill/>
+        </p:spPr>
+        <p:txBody>
+          <a:bodyPr wrap="square" rtlCol="0">
+            <a:spAutoFit/>
+          </a:bodyPr>
+          <a:lstStyle/>
+          <a:p>
+            <a:pPr marL="631825" indent="-585788" defTabSz="117475">
+              <a:buFont typeface="Wingdings" pitchFamily="2" charset="2"/>
+              <a:buChar char="q"/>
+              <a:tabLst>
+                <a:tab pos="468313" algn="l"/>
+              </a:tabLst>
+            </a:pPr>
+            <a:r>
+              <a:rPr lang="en-US" sz="2800" dirty="0" smtClean="0"/>
+              <a:t>The </a:t>
+            </a:r>
+            <a:r>
+              <a:rPr lang="en-US" sz="2800" u="sng" dirty="0" smtClean="0"/>
+              <a:t>human face is very dynamic</a:t>
+            </a:r>
+            <a:r>
+              <a:rPr lang="en-US" sz="2800" dirty="0" smtClean="0"/>
+              <a:t> when it comes to generating important non-verbal communicative </a:t>
+            </a:r>
+            <a:r>
+              <a:rPr lang="en-US" sz="2800" dirty="0" smtClean="0"/>
+              <a:t>cues</a:t>
+            </a:r>
+          </a:p>
+          <a:p>
+            <a:pPr marL="631825" indent="-585788" defTabSz="117475">
+              <a:buFont typeface="Wingdings" pitchFamily="2" charset="2"/>
+              <a:buChar char="q"/>
+              <a:tabLst>
+                <a:tab pos="468313" algn="l"/>
+              </a:tabLst>
+            </a:pPr>
+            <a:r>
+              <a:rPr lang="en-US" sz="2800" u="sng" dirty="0" smtClean="0"/>
+              <a:t>Careful design considerations needed</a:t>
+            </a:r>
+            <a:r>
+              <a:rPr lang="en-US" sz="2800" dirty="0" smtClean="0"/>
+              <a:t> if face data </a:t>
+            </a:r>
+            <a:r>
+              <a:rPr lang="en-US" sz="2800" dirty="0" smtClean="0"/>
+              <a:t>has to be encoded </a:t>
+            </a:r>
+            <a:r>
+              <a:rPr lang="en-US" sz="2800" dirty="0" smtClean="0"/>
+              <a:t>on other modalities</a:t>
+            </a:r>
+          </a:p>
+          <a:p>
+            <a:pPr marL="631825" indent="-585788" defTabSz="117475">
+              <a:buFont typeface="Wingdings" pitchFamily="2" charset="2"/>
+              <a:buChar char="q"/>
+              <a:tabLst>
+                <a:tab pos="468313" algn="l"/>
+              </a:tabLst>
+            </a:pPr>
+            <a:r>
+              <a:rPr lang="en-US" sz="2800" dirty="0" smtClean="0"/>
+              <a:t>In the target population there </a:t>
+            </a:r>
+            <a:r>
+              <a:rPr lang="en-US" sz="2800" dirty="0" smtClean="0"/>
+              <a:t>is a strong growing </a:t>
+            </a:r>
+            <a:r>
+              <a:rPr lang="en-US" sz="2800" u="sng" dirty="0" smtClean="0"/>
+              <a:t>discomfort </a:t>
+            </a:r>
+            <a:r>
+              <a:rPr lang="en-US" sz="2800" u="sng" dirty="0" smtClean="0"/>
+              <a:t>towards </a:t>
+            </a:r>
+            <a:r>
+              <a:rPr lang="en-US" sz="2800" u="sng" dirty="0" smtClean="0"/>
+              <a:t>overloading their </a:t>
+            </a:r>
+            <a:r>
+              <a:rPr lang="en-US" sz="2800" u="sng" dirty="0" smtClean="0"/>
+              <a:t>hearing</a:t>
+            </a:r>
+            <a:endParaRPr lang="en-US" sz="2800" dirty="0" smtClean="0"/>
+          </a:p>
+          <a:p>
+            <a:pPr marL="631825" indent="-585788" defTabSz="117475">
+              <a:buFont typeface="Wingdings" pitchFamily="2" charset="2"/>
+              <a:buChar char="q"/>
+              <a:tabLst>
+                <a:tab pos="468313" algn="l"/>
+              </a:tabLst>
+            </a:pPr>
+            <a:r>
+              <a:rPr lang="en-US" sz="2800" dirty="0" smtClean="0"/>
+              <a:t>We </a:t>
+            </a:r>
+            <a:r>
+              <a:rPr lang="en-US" sz="2800" u="sng" dirty="0" smtClean="0"/>
+              <a:t>explore </a:t>
+            </a:r>
+            <a:r>
+              <a:rPr lang="en-US" sz="2800" u="sng" dirty="0" err="1" smtClean="0"/>
+              <a:t>vibrotactile</a:t>
+            </a:r>
+            <a:r>
+              <a:rPr lang="en-US" sz="2800" u="sng" dirty="0" smtClean="0"/>
+              <a:t> </a:t>
+            </a:r>
+            <a:r>
+              <a:rPr lang="en-US" sz="2800" u="sng" dirty="0" smtClean="0"/>
+              <a:t>cueing on the back of </a:t>
+            </a:r>
+            <a:r>
+              <a:rPr lang="en-US" sz="2800" u="sng" dirty="0" smtClean="0"/>
+              <a:t>palm</a:t>
+            </a:r>
+            <a:r>
+              <a:rPr lang="en-US" sz="2800" dirty="0" smtClean="0"/>
+              <a:t> (hand </a:t>
+            </a:r>
+            <a:r>
+              <a:rPr lang="en-US" sz="2800" dirty="0" smtClean="0"/>
+              <a:t>has a </a:t>
+            </a:r>
+            <a:r>
+              <a:rPr lang="en-US" sz="2800" dirty="0" smtClean="0"/>
+              <a:t>large </a:t>
+            </a:r>
+            <a:r>
+              <a:rPr lang="en-US" sz="2800" dirty="0" smtClean="0"/>
+              <a:t>representation in the </a:t>
+            </a:r>
+            <a:r>
+              <a:rPr lang="en-US" sz="2800" dirty="0" err="1" smtClean="0"/>
+              <a:t>somatosensory</a:t>
+            </a:r>
+            <a:r>
+              <a:rPr lang="en-US" sz="2800" dirty="0" smtClean="0"/>
+              <a:t> cortex of the brain) to be </a:t>
+            </a:r>
+            <a:r>
+              <a:rPr lang="en-US" sz="2800" dirty="0" smtClean="0"/>
+              <a:t>versatile </a:t>
+            </a:r>
+            <a:r>
+              <a:rPr lang="en-US" sz="2800" dirty="0" smtClean="0"/>
+              <a:t>and </a:t>
+            </a:r>
+            <a:r>
+              <a:rPr lang="en-US" sz="2800" dirty="0" smtClean="0"/>
+              <a:t>unobtrusive</a:t>
+            </a:r>
+          </a:p>
+          <a:p>
+            <a:endParaRPr lang="en-US" sz="2800" dirty="0"/>
+          </a:p>
+        </p:txBody>
+      </p:sp>
     </p:spTree>
   </p:cSld>
   <p:clrMapOvr>

--- a/trunk/ haptic-glove --username sreekar/CHi 2010/CHI WiP Poster.pptx
+++ b/trunk/ haptic-glove --username sreekar/CHi 2010/CHI WiP Poster.pptx
@@ -3994,18 +3994,350 @@
       </p:grpSpPr>
       <p:sp>
         <p:nvSpPr>
-          <p:cNvPr id="96" name="Rounded Rectangle 95"/>
+          <p:cNvPr id="137" name="Freeform 136"/>
           <p:cNvSpPr/>
           <p:nvPr/>
         </p:nvSpPr>
         <p:spPr bwMode="auto">
           <a:xfrm>
-            <a:off x="18897600" y="3810000"/>
-            <a:ext cx="24460200" cy="15605760"/>
+            <a:off x="18211800" y="19638169"/>
+            <a:ext cx="1531143" cy="688181"/>
+          </a:xfrm>
+          <a:custGeom>
+            <a:avLst/>
+            <a:gdLst>
+              <a:gd name="connsiteX0" fmla="*/ 0 w 1531143"/>
+              <a:gd name="connsiteY0" fmla="*/ 2381 h 688181"/>
+              <a:gd name="connsiteX1" fmla="*/ 1531143 w 1531143"/>
+              <a:gd name="connsiteY1" fmla="*/ 2381 h 688181"/>
+              <a:gd name="connsiteX2" fmla="*/ 1319212 w 1531143"/>
+              <a:gd name="connsiteY2" fmla="*/ 7144 h 688181"/>
+              <a:gd name="connsiteX3" fmla="*/ 1245393 w 1531143"/>
+              <a:gd name="connsiteY3" fmla="*/ 21431 h 688181"/>
+              <a:gd name="connsiteX4" fmla="*/ 1183481 w 1531143"/>
+              <a:gd name="connsiteY4" fmla="*/ 40481 h 688181"/>
+              <a:gd name="connsiteX5" fmla="*/ 1114425 w 1531143"/>
+              <a:gd name="connsiteY5" fmla="*/ 66675 h 688181"/>
+              <a:gd name="connsiteX6" fmla="*/ 1052512 w 1531143"/>
+              <a:gd name="connsiteY6" fmla="*/ 95250 h 688181"/>
+              <a:gd name="connsiteX7" fmla="*/ 1007268 w 1531143"/>
+              <a:gd name="connsiteY7" fmla="*/ 121444 h 688181"/>
+              <a:gd name="connsiteX8" fmla="*/ 950118 w 1531143"/>
+              <a:gd name="connsiteY8" fmla="*/ 161925 h 688181"/>
+              <a:gd name="connsiteX9" fmla="*/ 883443 w 1531143"/>
+              <a:gd name="connsiteY9" fmla="*/ 223837 h 688181"/>
+              <a:gd name="connsiteX10" fmla="*/ 845343 w 1531143"/>
+              <a:gd name="connsiteY10" fmla="*/ 271462 h 688181"/>
+              <a:gd name="connsiteX11" fmla="*/ 792956 w 1531143"/>
+              <a:gd name="connsiteY11" fmla="*/ 335756 h 688181"/>
+              <a:gd name="connsiteX12" fmla="*/ 750093 w 1531143"/>
+              <a:gd name="connsiteY12" fmla="*/ 407194 h 688181"/>
+              <a:gd name="connsiteX13" fmla="*/ 714375 w 1531143"/>
+              <a:gd name="connsiteY13" fmla="*/ 488156 h 688181"/>
+              <a:gd name="connsiteX14" fmla="*/ 690562 w 1531143"/>
+              <a:gd name="connsiteY14" fmla="*/ 559594 h 688181"/>
+              <a:gd name="connsiteX15" fmla="*/ 669131 w 1531143"/>
+              <a:gd name="connsiteY15" fmla="*/ 626269 h 688181"/>
+              <a:gd name="connsiteX16" fmla="*/ 664368 w 1531143"/>
+              <a:gd name="connsiteY16" fmla="*/ 688181 h 688181"/>
+              <a:gd name="connsiteX17" fmla="*/ 664368 w 1531143"/>
+              <a:gd name="connsiteY17" fmla="*/ 581025 h 688181"/>
+              <a:gd name="connsiteX18" fmla="*/ 657225 w 1531143"/>
+              <a:gd name="connsiteY18" fmla="*/ 492919 h 688181"/>
+              <a:gd name="connsiteX19" fmla="*/ 638175 w 1531143"/>
+              <a:gd name="connsiteY19" fmla="*/ 426244 h 688181"/>
+              <a:gd name="connsiteX20" fmla="*/ 621506 w 1531143"/>
+              <a:gd name="connsiteY20" fmla="*/ 366712 h 688181"/>
+              <a:gd name="connsiteX21" fmla="*/ 595312 w 1531143"/>
+              <a:gd name="connsiteY21" fmla="*/ 309562 h 688181"/>
+              <a:gd name="connsiteX22" fmla="*/ 559593 w 1531143"/>
+              <a:gd name="connsiteY22" fmla="*/ 257175 h 688181"/>
+              <a:gd name="connsiteX23" fmla="*/ 511968 w 1531143"/>
+              <a:gd name="connsiteY23" fmla="*/ 190500 h 688181"/>
+              <a:gd name="connsiteX24" fmla="*/ 461962 w 1531143"/>
+              <a:gd name="connsiteY24" fmla="*/ 147637 h 688181"/>
+              <a:gd name="connsiteX25" fmla="*/ 395287 w 1531143"/>
+              <a:gd name="connsiteY25" fmla="*/ 100012 h 688181"/>
+              <a:gd name="connsiteX26" fmla="*/ 347662 w 1531143"/>
+              <a:gd name="connsiteY26" fmla="*/ 71437 h 688181"/>
+              <a:gd name="connsiteX27" fmla="*/ 295275 w 1531143"/>
+              <a:gd name="connsiteY27" fmla="*/ 47625 h 688181"/>
+              <a:gd name="connsiteX28" fmla="*/ 233362 w 1531143"/>
+              <a:gd name="connsiteY28" fmla="*/ 28575 h 688181"/>
+              <a:gd name="connsiteX29" fmla="*/ 173831 w 1531143"/>
+              <a:gd name="connsiteY29" fmla="*/ 11906 h 688181"/>
+              <a:gd name="connsiteX30" fmla="*/ 104775 w 1531143"/>
+              <a:gd name="connsiteY30" fmla="*/ 0 h 688181"/>
+              <a:gd name="connsiteX31" fmla="*/ 0 w 1531143"/>
+              <a:gd name="connsiteY31" fmla="*/ 2381 h 688181"/>
+            </a:gdLst>
+            <a:ahLst/>
+            <a:cxnLst>
+              <a:cxn ang="0">
+                <a:pos x="connsiteX0" y="connsiteY0"/>
+              </a:cxn>
+              <a:cxn ang="0">
+                <a:pos x="connsiteX1" y="connsiteY1"/>
+              </a:cxn>
+              <a:cxn ang="0">
+                <a:pos x="connsiteX2" y="connsiteY2"/>
+              </a:cxn>
+              <a:cxn ang="0">
+                <a:pos x="connsiteX3" y="connsiteY3"/>
+              </a:cxn>
+              <a:cxn ang="0">
+                <a:pos x="connsiteX4" y="connsiteY4"/>
+              </a:cxn>
+              <a:cxn ang="0">
+                <a:pos x="connsiteX5" y="connsiteY5"/>
+              </a:cxn>
+              <a:cxn ang="0">
+                <a:pos x="connsiteX6" y="connsiteY6"/>
+              </a:cxn>
+              <a:cxn ang="0">
+                <a:pos x="connsiteX7" y="connsiteY7"/>
+              </a:cxn>
+              <a:cxn ang="0">
+                <a:pos x="connsiteX8" y="connsiteY8"/>
+              </a:cxn>
+              <a:cxn ang="0">
+                <a:pos x="connsiteX9" y="connsiteY9"/>
+              </a:cxn>
+              <a:cxn ang="0">
+                <a:pos x="connsiteX10" y="connsiteY10"/>
+              </a:cxn>
+              <a:cxn ang="0">
+                <a:pos x="connsiteX11" y="connsiteY11"/>
+              </a:cxn>
+              <a:cxn ang="0">
+                <a:pos x="connsiteX12" y="connsiteY12"/>
+              </a:cxn>
+              <a:cxn ang="0">
+                <a:pos x="connsiteX13" y="connsiteY13"/>
+              </a:cxn>
+              <a:cxn ang="0">
+                <a:pos x="connsiteX14" y="connsiteY14"/>
+              </a:cxn>
+              <a:cxn ang="0">
+                <a:pos x="connsiteX15" y="connsiteY15"/>
+              </a:cxn>
+              <a:cxn ang="0">
+                <a:pos x="connsiteX16" y="connsiteY16"/>
+              </a:cxn>
+              <a:cxn ang="0">
+                <a:pos x="connsiteX17" y="connsiteY17"/>
+              </a:cxn>
+              <a:cxn ang="0">
+                <a:pos x="connsiteX18" y="connsiteY18"/>
+              </a:cxn>
+              <a:cxn ang="0">
+                <a:pos x="connsiteX19" y="connsiteY19"/>
+              </a:cxn>
+              <a:cxn ang="0">
+                <a:pos x="connsiteX20" y="connsiteY20"/>
+              </a:cxn>
+              <a:cxn ang="0">
+                <a:pos x="connsiteX21" y="connsiteY21"/>
+              </a:cxn>
+              <a:cxn ang="0">
+                <a:pos x="connsiteX22" y="connsiteY22"/>
+              </a:cxn>
+              <a:cxn ang="0">
+                <a:pos x="connsiteX23" y="connsiteY23"/>
+              </a:cxn>
+              <a:cxn ang="0">
+                <a:pos x="connsiteX24" y="connsiteY24"/>
+              </a:cxn>
+              <a:cxn ang="0">
+                <a:pos x="connsiteX25" y="connsiteY25"/>
+              </a:cxn>
+              <a:cxn ang="0">
+                <a:pos x="connsiteX26" y="connsiteY26"/>
+              </a:cxn>
+              <a:cxn ang="0">
+                <a:pos x="connsiteX27" y="connsiteY27"/>
+              </a:cxn>
+              <a:cxn ang="0">
+                <a:pos x="connsiteX28" y="connsiteY28"/>
+              </a:cxn>
+              <a:cxn ang="0">
+                <a:pos x="connsiteX29" y="connsiteY29"/>
+              </a:cxn>
+              <a:cxn ang="0">
+                <a:pos x="connsiteX30" y="connsiteY30"/>
+              </a:cxn>
+              <a:cxn ang="0">
+                <a:pos x="connsiteX31" y="connsiteY31"/>
+              </a:cxn>
+            </a:cxnLst>
+            <a:rect l="l" t="t" r="r" b="b"/>
+            <a:pathLst>
+              <a:path w="1531143" h="688181">
+                <a:moveTo>
+                  <a:pt x="0" y="2381"/>
+                </a:moveTo>
+                <a:lnTo>
+                  <a:pt x="1531143" y="2381"/>
+                </a:lnTo>
+                <a:lnTo>
+                  <a:pt x="1319212" y="7144"/>
+                </a:lnTo>
+                <a:lnTo>
+                  <a:pt x="1245393" y="21431"/>
+                </a:lnTo>
+                <a:lnTo>
+                  <a:pt x="1183481" y="40481"/>
+                </a:lnTo>
+                <a:lnTo>
+                  <a:pt x="1114425" y="66675"/>
+                </a:lnTo>
+                <a:lnTo>
+                  <a:pt x="1052512" y="95250"/>
+                </a:lnTo>
+                <a:lnTo>
+                  <a:pt x="1007268" y="121444"/>
+                </a:lnTo>
+                <a:lnTo>
+                  <a:pt x="950118" y="161925"/>
+                </a:lnTo>
+                <a:lnTo>
+                  <a:pt x="883443" y="223837"/>
+                </a:lnTo>
+                <a:lnTo>
+                  <a:pt x="845343" y="271462"/>
+                </a:lnTo>
+                <a:lnTo>
+                  <a:pt x="792956" y="335756"/>
+                </a:lnTo>
+                <a:lnTo>
+                  <a:pt x="750093" y="407194"/>
+                </a:lnTo>
+                <a:lnTo>
+                  <a:pt x="714375" y="488156"/>
+                </a:lnTo>
+                <a:lnTo>
+                  <a:pt x="690562" y="559594"/>
+                </a:lnTo>
+                <a:lnTo>
+                  <a:pt x="669131" y="626269"/>
+                </a:lnTo>
+                <a:lnTo>
+                  <a:pt x="664368" y="688181"/>
+                </a:lnTo>
+                <a:lnTo>
+                  <a:pt x="664368" y="581025"/>
+                </a:lnTo>
+                <a:lnTo>
+                  <a:pt x="657225" y="492919"/>
+                </a:lnTo>
+                <a:lnTo>
+                  <a:pt x="638175" y="426244"/>
+                </a:lnTo>
+                <a:lnTo>
+                  <a:pt x="621506" y="366712"/>
+                </a:lnTo>
+                <a:lnTo>
+                  <a:pt x="595312" y="309562"/>
+                </a:lnTo>
+                <a:lnTo>
+                  <a:pt x="559593" y="257175"/>
+                </a:lnTo>
+                <a:lnTo>
+                  <a:pt x="511968" y="190500"/>
+                </a:lnTo>
+                <a:lnTo>
+                  <a:pt x="461962" y="147637"/>
+                </a:lnTo>
+                <a:lnTo>
+                  <a:pt x="395287" y="100012"/>
+                </a:lnTo>
+                <a:lnTo>
+                  <a:pt x="347662" y="71437"/>
+                </a:lnTo>
+                <a:lnTo>
+                  <a:pt x="295275" y="47625"/>
+                </a:lnTo>
+                <a:lnTo>
+                  <a:pt x="233362" y="28575"/>
+                </a:lnTo>
+                <a:lnTo>
+                  <a:pt x="173831" y="11906"/>
+                </a:lnTo>
+                <a:lnTo>
+                  <a:pt x="104775" y="0"/>
+                </a:lnTo>
+                <a:lnTo>
+                  <a:pt x="0" y="2381"/>
+                </a:lnTo>
+                <a:close/>
+              </a:path>
+            </a:pathLst>
+          </a:custGeom>
+          <a:solidFill>
+            <a:srgbClr val="FFFF00">
+              <a:alpha val="43000"/>
+            </a:srgbClr>
+          </a:solidFill>
+          <a:ln w="9525" cap="flat" cmpd="sng" algn="ctr">
+            <a:noFill/>
+            <a:prstDash val="solid"/>
+            <a:round/>
+            <a:headEnd type="none" w="med" len="med"/>
+            <a:tailEnd type="none" w="med" len="med"/>
+          </a:ln>
+          <a:effectLst/>
+        </p:spPr>
+        <p:txBody>
+          <a:bodyPr vert="horz" wrap="square" lIns="91440" tIns="45720" rIns="91440" bIns="45720" numCol="1" rtlCol="0" anchor="t" anchorCtr="0" compatLnSpc="1">
+            <a:prstTxWarp prst="textNoShape">
+              <a:avLst/>
+            </a:prstTxWarp>
+          </a:bodyPr>
+          <a:lstStyle/>
+          <a:p>
+            <a:pPr marL="0" marR="0" indent="0" algn="l" defTabSz="914400" rtl="0" eaLnBrk="0" fontAlgn="base" latinLnBrk="0" hangingPunct="0">
+              <a:lnSpc>
+                <a:spcPct val="100000"/>
+              </a:lnSpc>
+              <a:spcBef>
+                <a:spcPct val="0"/>
+              </a:spcBef>
+              <a:spcAft>
+                <a:spcPct val="0"/>
+              </a:spcAft>
+              <a:buClrTx/>
+              <a:buSzTx/>
+              <a:buFontTx/>
+              <a:buNone/>
+              <a:tabLst/>
+            </a:pPr>
+            <a:endParaRPr kumimoji="0" lang="en-US" sz="2400" b="0" i="0" u="none" strike="noStrike" cap="none" normalizeH="0" baseline="0" smtClean="0">
+              <a:ln>
+                <a:noFill/>
+              </a:ln>
+              <a:solidFill>
+                <a:schemeClr val="tx1"/>
+              </a:solidFill>
+              <a:effectLst/>
+              <a:latin typeface="Times New Roman" pitchFamily="18" charset="0"/>
+            </a:endParaRPr>
+          </a:p>
+        </p:txBody>
+      </p:sp>
+      <p:sp>
+        <p:nvSpPr>
+          <p:cNvPr id="97" name="Rounded Rectangle 96"/>
+          <p:cNvSpPr/>
+          <p:nvPr/>
+        </p:nvSpPr>
+        <p:spPr bwMode="auto">
+          <a:xfrm>
+            <a:off x="533400" y="19659600"/>
+            <a:ext cx="18364200" cy="17830800"/>
           </a:xfrm>
           <a:prstGeom prst="roundRect">
             <a:avLst>
-              <a:gd name="adj" fmla="val 4840"/>
+              <a:gd name="adj" fmla="val 3344"/>
             </a:avLst>
           </a:prstGeom>
           <a:solidFill>
@@ -4061,21 +4393,25 @@
       </p:sp>
       <p:sp>
         <p:nvSpPr>
-          <p:cNvPr id="132" name="Rectangle 131"/>
+          <p:cNvPr id="142" name="Rounded Rectangle 141"/>
           <p:cNvSpPr/>
           <p:nvPr/>
         </p:nvSpPr>
         <p:spPr bwMode="auto">
           <a:xfrm>
-            <a:off x="35585401" y="9639637"/>
-            <a:ext cx="7294244" cy="9144000"/>
+            <a:off x="914400" y="26670000"/>
+            <a:ext cx="17526000" cy="10515600"/>
           </a:xfrm>
-          <a:prstGeom prst="rect">
-            <a:avLst/>
+          <a:prstGeom prst="roundRect">
+            <a:avLst>
+              <a:gd name="adj" fmla="val 2287"/>
+            </a:avLst>
           </a:prstGeom>
           <a:solidFill>
-            <a:schemeClr val="bg1">
-              <a:alpha val="54000"/>
+            <a:schemeClr val="accent1">
+              <a:lumMod val="40000"/>
+              <a:lumOff val="60000"/>
+              <a:alpha val="12000"/>
             </a:schemeClr>
           </a:solidFill>
           <a:ln w="9525" cap="flat" cmpd="sng" algn="ctr">
@@ -4132,12 +4468,12 @@
         </p:nvSpPr>
         <p:spPr bwMode="auto">
           <a:xfrm>
-            <a:off x="28879800" y="20574000"/>
-            <a:ext cx="11734800" cy="17221200"/>
+            <a:off x="18897600" y="19659600"/>
+            <a:ext cx="12649200" cy="8763000"/>
           </a:xfrm>
           <a:prstGeom prst="roundRect">
             <a:avLst>
-              <a:gd name="adj" fmla="val 4840"/>
+              <a:gd name="adj" fmla="val 7199"/>
             </a:avLst>
           </a:prstGeom>
           <a:solidFill>
@@ -4193,18 +4529,87 @@
       </p:sp>
       <p:sp>
         <p:nvSpPr>
-          <p:cNvPr id="97" name="Rounded Rectangle 96"/>
+          <p:cNvPr id="140" name="Rounded Rectangle 139"/>
           <p:cNvSpPr/>
           <p:nvPr/>
         </p:nvSpPr>
         <p:spPr bwMode="auto">
           <a:xfrm>
-            <a:off x="533400" y="19659600"/>
-            <a:ext cx="18669000" cy="17830800"/>
+            <a:off x="18669000" y="21107400"/>
+            <a:ext cx="12725400" cy="7010400"/>
           </a:xfrm>
           <a:prstGeom prst="roundRect">
             <a:avLst>
-              <a:gd name="adj" fmla="val 3344"/>
+              <a:gd name="adj" fmla="val 4755"/>
+            </a:avLst>
+          </a:prstGeom>
+          <a:solidFill>
+            <a:schemeClr val="accent1">
+              <a:lumMod val="40000"/>
+              <a:lumOff val="60000"/>
+              <a:alpha val="12000"/>
+            </a:schemeClr>
+          </a:solidFill>
+          <a:ln w="9525" cap="flat" cmpd="sng" algn="ctr">
+            <a:noFill/>
+            <a:prstDash val="solid"/>
+            <a:round/>
+            <a:headEnd type="none" w="med" len="med"/>
+            <a:tailEnd type="none" w="med" len="med"/>
+          </a:ln>
+          <a:effectLst/>
+        </p:spPr>
+        <p:txBody>
+          <a:bodyPr vert="horz" wrap="square" lIns="91440" tIns="45720" rIns="91440" bIns="45720" numCol="1" rtlCol="0" anchor="t" anchorCtr="0" compatLnSpc="1">
+            <a:prstTxWarp prst="textNoShape">
+              <a:avLst/>
+            </a:prstTxWarp>
+          </a:bodyPr>
+          <a:lstStyle/>
+          <a:p>
+            <a:pPr marL="0" marR="0" indent="0" algn="l" defTabSz="914400" rtl="0" eaLnBrk="0" fontAlgn="base" latinLnBrk="0" hangingPunct="0">
+              <a:lnSpc>
+                <a:spcPct val="100000"/>
+              </a:lnSpc>
+              <a:spcBef>
+                <a:spcPct val="0"/>
+              </a:spcBef>
+              <a:spcAft>
+                <a:spcPct val="0"/>
+              </a:spcAft>
+              <a:buClrTx/>
+              <a:buSzTx/>
+              <a:buFontTx/>
+              <a:buNone/>
+              <a:tabLst/>
+            </a:pPr>
+            <a:endParaRPr kumimoji="0" lang="en-US" sz="2400" b="0" i="0" u="none" strike="noStrike" cap="none" normalizeH="0" baseline="0" smtClean="0">
+              <a:ln>
+                <a:noFill/>
+              </a:ln>
+              <a:solidFill>
+                <a:schemeClr val="tx1"/>
+              </a:solidFill>
+              <a:effectLst/>
+              <a:latin typeface="Times New Roman" pitchFamily="18" charset="0"/>
+            </a:endParaRPr>
+          </a:p>
+        </p:txBody>
+      </p:sp>
+      <p:sp>
+        <p:nvSpPr>
+          <p:cNvPr id="96" name="Rounded Rectangle 95"/>
+          <p:cNvSpPr/>
+          <p:nvPr/>
+        </p:nvSpPr>
+        <p:spPr bwMode="auto">
+          <a:xfrm>
+            <a:off x="18897600" y="3810000"/>
+            <a:ext cx="24460200" cy="15605760"/>
+          </a:xfrm>
+          <a:prstGeom prst="roundRect">
+            <a:avLst>
+              <a:gd name="adj" fmla="val 4840"/>
             </a:avLst>
           </a:prstGeom>
           <a:solidFill>
@@ -4246,6 +4651,205 @@
               <a:tabLst/>
             </a:pPr>
             <a:endParaRPr kumimoji="0" lang="en-US" sz="2400" b="0" i="0" u="none" strike="noStrike" cap="none" normalizeH="0" baseline="0" dirty="0" smtClean="0">
+              <a:ln>
+                <a:noFill/>
+              </a:ln>
+              <a:solidFill>
+                <a:schemeClr val="tx1"/>
+              </a:solidFill>
+              <a:effectLst/>
+              <a:latin typeface="Times New Roman" pitchFamily="18" charset="0"/>
+            </a:endParaRPr>
+          </a:p>
+        </p:txBody>
+      </p:sp>
+      <p:sp>
+        <p:nvSpPr>
+          <p:cNvPr id="107" name="Rectangle 106"/>
+          <p:cNvSpPr/>
+          <p:nvPr/>
+        </p:nvSpPr>
+        <p:spPr bwMode="auto">
+          <a:xfrm>
+            <a:off x="28879800" y="10744200"/>
+            <a:ext cx="6553200" cy="8382000"/>
+          </a:xfrm>
+          <a:prstGeom prst="rect">
+            <a:avLst/>
+          </a:prstGeom>
+          <a:solidFill>
+            <a:schemeClr val="accent1">
+              <a:lumMod val="20000"/>
+              <a:lumOff val="80000"/>
+              <a:alpha val="24000"/>
+            </a:schemeClr>
+          </a:solidFill>
+          <a:ln w="9525" cap="flat" cmpd="sng" algn="ctr">
+            <a:noFill/>
+            <a:prstDash val="solid"/>
+            <a:round/>
+            <a:headEnd type="none" w="med" len="med"/>
+            <a:tailEnd type="none" w="med" len="med"/>
+          </a:ln>
+          <a:effectLst/>
+        </p:spPr>
+        <p:txBody>
+          <a:bodyPr vert="horz" wrap="square" lIns="91440" tIns="45720" rIns="91440" bIns="45720" numCol="1" rtlCol="0" anchor="t" anchorCtr="0" compatLnSpc="1">
+            <a:prstTxWarp prst="textNoShape">
+              <a:avLst/>
+            </a:prstTxWarp>
+          </a:bodyPr>
+          <a:lstStyle/>
+          <a:p>
+            <a:pPr marL="0" marR="0" indent="0" algn="l" defTabSz="914400" rtl="0" eaLnBrk="0" fontAlgn="base" latinLnBrk="0" hangingPunct="0">
+              <a:lnSpc>
+                <a:spcPct val="100000"/>
+              </a:lnSpc>
+              <a:spcBef>
+                <a:spcPct val="0"/>
+              </a:spcBef>
+              <a:spcAft>
+                <a:spcPct val="0"/>
+              </a:spcAft>
+              <a:buClrTx/>
+              <a:buSzTx/>
+              <a:buFontTx/>
+              <a:buNone/>
+              <a:tabLst/>
+            </a:pPr>
+            <a:endParaRPr kumimoji="0" lang="en-US" sz="2400" b="0" i="0" u="none" strike="noStrike" cap="none" normalizeH="0" baseline="0" smtClean="0">
+              <a:ln>
+                <a:noFill/>
+              </a:ln>
+              <a:solidFill>
+                <a:schemeClr val="tx1"/>
+              </a:solidFill>
+              <a:effectLst/>
+              <a:latin typeface="Times New Roman" pitchFamily="18" charset="0"/>
+            </a:endParaRPr>
+          </a:p>
+        </p:txBody>
+      </p:sp>
+      <p:sp>
+        <p:nvSpPr>
+          <p:cNvPr id="106" name="Rectangle 105"/>
+          <p:cNvSpPr/>
+          <p:nvPr/>
+        </p:nvSpPr>
+        <p:spPr bwMode="auto">
+          <a:xfrm>
+            <a:off x="28879800" y="5410200"/>
+            <a:ext cx="6553200" cy="5181600"/>
+          </a:xfrm>
+          <a:prstGeom prst="rect">
+            <a:avLst/>
+          </a:prstGeom>
+          <a:solidFill>
+            <a:schemeClr val="accent1">
+              <a:lumMod val="20000"/>
+              <a:lumOff val="80000"/>
+              <a:alpha val="24000"/>
+            </a:schemeClr>
+          </a:solidFill>
+          <a:ln w="9525" cap="flat" cmpd="sng" algn="ctr">
+            <a:noFill/>
+            <a:prstDash val="solid"/>
+            <a:round/>
+            <a:headEnd type="none" w="med" len="med"/>
+            <a:tailEnd type="none" w="med" len="med"/>
+          </a:ln>
+          <a:effectLst/>
+        </p:spPr>
+        <p:txBody>
+          <a:bodyPr vert="horz" wrap="square" lIns="91440" tIns="45720" rIns="91440" bIns="45720" numCol="1" rtlCol="0" anchor="t" anchorCtr="0" compatLnSpc="1">
+            <a:prstTxWarp prst="textNoShape">
+              <a:avLst/>
+            </a:prstTxWarp>
+          </a:bodyPr>
+          <a:lstStyle/>
+          <a:p>
+            <a:pPr marL="0" marR="0" indent="0" algn="l" defTabSz="914400" rtl="0" eaLnBrk="0" fontAlgn="base" latinLnBrk="0" hangingPunct="0">
+              <a:lnSpc>
+                <a:spcPct val="100000"/>
+              </a:lnSpc>
+              <a:spcBef>
+                <a:spcPct val="0"/>
+              </a:spcBef>
+              <a:spcAft>
+                <a:spcPct val="0"/>
+              </a:spcAft>
+              <a:buClrTx/>
+              <a:buSzTx/>
+              <a:buFontTx/>
+              <a:buNone/>
+              <a:tabLst/>
+            </a:pPr>
+            <a:endParaRPr kumimoji="0" lang="en-US" sz="2400" b="0" i="0" u="none" strike="noStrike" cap="none" normalizeH="0" baseline="0" smtClean="0">
+              <a:ln>
+                <a:noFill/>
+              </a:ln>
+              <a:solidFill>
+                <a:schemeClr val="tx1"/>
+              </a:solidFill>
+              <a:effectLst/>
+              <a:latin typeface="Times New Roman" pitchFamily="18" charset="0"/>
+            </a:endParaRPr>
+          </a:p>
+        </p:txBody>
+      </p:sp>
+      <p:sp>
+        <p:nvSpPr>
+          <p:cNvPr id="132" name="Rectangle 131"/>
+          <p:cNvSpPr/>
+          <p:nvPr/>
+        </p:nvSpPr>
+        <p:spPr bwMode="auto">
+          <a:xfrm>
+            <a:off x="35661601" y="9639637"/>
+            <a:ext cx="7294244" cy="9144000"/>
+          </a:xfrm>
+          <a:prstGeom prst="rect">
+            <a:avLst/>
+          </a:prstGeom>
+          <a:solidFill>
+            <a:schemeClr val="bg1">
+              <a:alpha val="54000"/>
+            </a:schemeClr>
+          </a:solidFill>
+          <a:ln w="9525" cap="flat" cmpd="sng" algn="ctr">
+            <a:noFill/>
+            <a:prstDash val="solid"/>
+            <a:round/>
+            <a:headEnd type="none" w="med" len="med"/>
+            <a:tailEnd type="none" w="med" len="med"/>
+          </a:ln>
+          <a:effectLst/>
+        </p:spPr>
+        <p:txBody>
+          <a:bodyPr vert="horz" wrap="square" lIns="91440" tIns="45720" rIns="91440" bIns="45720" numCol="1" rtlCol="0" anchor="t" anchorCtr="0" compatLnSpc="1">
+            <a:prstTxWarp prst="textNoShape">
+              <a:avLst/>
+            </a:prstTxWarp>
+          </a:bodyPr>
+          <a:lstStyle/>
+          <a:p>
+            <a:pPr marL="0" marR="0" indent="0" algn="l" defTabSz="914400" rtl="0" eaLnBrk="0" fontAlgn="base" latinLnBrk="0" hangingPunct="0">
+              <a:lnSpc>
+                <a:spcPct val="100000"/>
+              </a:lnSpc>
+              <a:spcBef>
+                <a:spcPct val="0"/>
+              </a:spcBef>
+              <a:spcAft>
+                <a:spcPct val="0"/>
+              </a:spcAft>
+              <a:buClrTx/>
+              <a:buSzTx/>
+              <a:buFontTx/>
+              <a:buNone/>
+              <a:tabLst/>
+            </a:pPr>
+            <a:endParaRPr kumimoji="0" lang="en-US" sz="2400" b="0" i="0" u="none" strike="noStrike" cap="none" normalizeH="0" baseline="0" smtClean="0">
               <a:ln>
                 <a:noFill/>
               </a:ln>
@@ -5088,7 +5692,7 @@
         </p:blipFill>
         <p:spPr>
           <a:xfrm>
-            <a:off x="1143000" y="11887200"/>
+            <a:off x="1143000" y="11737370"/>
             <a:ext cx="6629400" cy="5494978"/>
           </a:xfrm>
           <a:prstGeom prst="rect">
@@ -5194,7 +5798,6 @@
               <a:rPr lang="en-US" sz="2800" dirty="0" smtClean="0"/>
               <a:t>Major portion of social interactions happen through non-verbal cues, especially visual cues.</a:t>
             </a:r>
-            <a:endParaRPr lang="en-US" sz="2800" dirty="0" smtClean="0"/>
           </a:p>
           <a:p>
             <a:pPr marL="631825" indent="-585788" defTabSz="117475">
@@ -5206,27 +5809,7 @@
             </a:pPr>
             <a:r>
               <a:rPr lang="en-US" sz="2800" dirty="0" smtClean="0"/>
-              <a:t>People </a:t>
-            </a:r>
-            <a:r>
-              <a:rPr lang="en-US" sz="2800" dirty="0" smtClean="0"/>
-              <a:t>with </a:t>
-            </a:r>
-            <a:r>
-              <a:rPr lang="en-US" sz="2800" dirty="0" smtClean="0"/>
-              <a:t>sensory </a:t>
-            </a:r>
-            <a:r>
-              <a:rPr lang="en-US" sz="2800" dirty="0" smtClean="0"/>
-              <a:t>disabilities </a:t>
-            </a:r>
-            <a:r>
-              <a:rPr lang="en-US" sz="2800" dirty="0" smtClean="0"/>
-              <a:t>(persons who are blind or visually impaired) are </a:t>
-            </a:r>
-            <a:r>
-              <a:rPr lang="en-US" sz="2800" dirty="0" smtClean="0"/>
-              <a:t>at a loss when it comes to social interactions. </a:t>
+              <a:t>People with sensory disabilities (persons who are blind or visually impaired) are at a loss when it comes to social interactions. </a:t>
             </a:r>
           </a:p>
           <a:p>
@@ -5239,25 +5822,8 @@
             </a:pPr>
             <a:r>
               <a:rPr lang="en-US" sz="2800" dirty="0" smtClean="0"/>
-              <a:t>Assistive and rehabilitative </a:t>
-            </a:r>
-            <a:r>
-              <a:rPr lang="en-US" sz="2800" dirty="0" smtClean="0"/>
-              <a:t>aids </a:t>
-            </a:r>
-            <a:r>
-              <a:rPr lang="en-US" sz="2800" dirty="0" smtClean="0"/>
-              <a:t>could </a:t>
-            </a:r>
-            <a:r>
-              <a:rPr lang="en-US" sz="2800" dirty="0" smtClean="0"/>
-              <a:t>prove beneficial towards </a:t>
-            </a:r>
-            <a:r>
-              <a:rPr lang="en-US" sz="2800" dirty="0" smtClean="0"/>
-              <a:t>enriching personal and professional lives of individuals with disabilities.</a:t>
-            </a:r>
-            <a:endParaRPr lang="en-US" sz="2800" dirty="0" smtClean="0"/>
+              <a:t>Assistive and rehabilitative aids could prove beneficial towards enriching personal and professional lives of individuals with disabilities.</a:t>
+            </a:r>
           </a:p>
           <a:p>
             <a:endParaRPr lang="en-US" sz="2800" dirty="0"/>
@@ -5280,8 +5846,8 @@
         </p:blipFill>
         <p:spPr>
           <a:xfrm>
-            <a:off x="38002846" y="5601037"/>
-            <a:ext cx="2942460" cy="3124200"/>
+            <a:off x="39471600" y="5715000"/>
+            <a:ext cx="3302506" cy="3506484"/>
           </a:xfrm>
           <a:prstGeom prst="rect">
             <a:avLst/>
@@ -5315,7 +5881,7 @@
         </p:blipFill>
         <p:spPr>
           <a:xfrm>
-            <a:off x="36134585" y="9715837"/>
+            <a:off x="36210785" y="9715837"/>
             <a:ext cx="6765471" cy="5029200"/>
           </a:xfrm>
           <a:prstGeom prst="rect">
@@ -5339,12 +5905,22 @@
         </p:blipFill>
         <p:spPr>
           <a:xfrm>
-            <a:off x="1600202" y="27727196"/>
-            <a:ext cx="7324725" cy="5534025"/>
+            <a:off x="1143000" y="32842200"/>
+            <a:ext cx="5486400" cy="4145121"/>
           </a:xfrm>
           <a:prstGeom prst="rect">
             <a:avLst/>
           </a:prstGeom>
+          <a:ln>
+            <a:noFill/>
+          </a:ln>
+          <a:effectLst>
+            <a:outerShdw blurRad="292100" dist="139700" dir="2700000" algn="tl" rotWithShape="0">
+              <a:srgbClr val="333333">
+                <a:alpha val="65000"/>
+              </a:srgbClr>
+            </a:outerShdw>
+          </a:effectLst>
         </p:spPr>
       </p:pic>
       <p:pic>
@@ -5363,12 +5939,22 @@
         </p:blipFill>
         <p:spPr>
           <a:xfrm>
-            <a:off x="9982200" y="27660600"/>
-            <a:ext cx="8153400" cy="6225461"/>
+            <a:off x="18897600" y="22631400"/>
+            <a:ext cx="6400800" cy="4887278"/>
           </a:xfrm>
           <a:prstGeom prst="rect">
             <a:avLst/>
           </a:prstGeom>
+          <a:ln>
+            <a:noFill/>
+          </a:ln>
+          <a:effectLst>
+            <a:outerShdw blurRad="292100" dist="139700" dir="2700000" algn="tl" rotWithShape="0">
+              <a:srgbClr val="333333">
+                <a:alpha val="65000"/>
+              </a:srgbClr>
+            </a:outerShdw>
+          </a:effectLst>
         </p:spPr>
       </p:pic>
       <p:pic>
@@ -5387,12 +5973,22 @@
         </p:blipFill>
         <p:spPr>
           <a:xfrm>
-            <a:off x="10134600" y="20802600"/>
-            <a:ext cx="7448550" cy="6181725"/>
+            <a:off x="12649200" y="29489400"/>
+            <a:ext cx="5486400" cy="4553291"/>
           </a:xfrm>
           <a:prstGeom prst="rect">
             <a:avLst/>
           </a:prstGeom>
+          <a:ln>
+            <a:noFill/>
+          </a:ln>
+          <a:effectLst>
+            <a:outerShdw blurRad="292100" dist="139700" dir="2700000" algn="tl" rotWithShape="0">
+              <a:srgbClr val="333333">
+                <a:alpha val="65000"/>
+              </a:srgbClr>
+            </a:outerShdw>
+          </a:effectLst>
         </p:spPr>
       </p:pic>
       <p:pic>
@@ -5411,12 +6007,22 @@
         </p:blipFill>
         <p:spPr>
           <a:xfrm>
-            <a:off x="1600200" y="20869196"/>
-            <a:ext cx="7315200" cy="6105525"/>
+            <a:off x="1143000" y="27813000"/>
+            <a:ext cx="5486400" cy="4579144"/>
           </a:xfrm>
           <a:prstGeom prst="rect">
             <a:avLst/>
           </a:prstGeom>
+          <a:ln>
+            <a:noFill/>
+          </a:ln>
+          <a:effectLst>
+            <a:outerShdw blurRad="292100" dist="139700" dir="2700000" algn="tl" rotWithShape="0">
+              <a:srgbClr val="333333">
+                <a:alpha val="65000"/>
+              </a:srgbClr>
+            </a:outerShdw>
+          </a:effectLst>
         </p:spPr>
       </p:pic>
       <p:sp>
@@ -5455,11 +6061,7 @@
             <a:pPr algn="ctr"/>
             <a:r>
               <a:rPr lang="en-US" sz="4800" b="1" dirty="0" smtClean="0"/>
-              <a:t>Construction of </a:t>
-            </a:r>
-            <a:r>
-              <a:rPr lang="en-US" sz="4800" b="1" dirty="0" smtClean="0"/>
-              <a:t>Haptic Gloves &amp; Design of Haptic Icons</a:t>
+              <a:t>Construction of Haptic Gloves &amp; Design of Haptic Icons</a:t>
             </a:r>
             <a:endParaRPr lang="en-US" sz="4800" b="1" dirty="0"/>
           </a:p>
@@ -5473,8 +6075,8 @@
         </p:nvSpPr>
         <p:spPr bwMode="auto">
           <a:xfrm>
-            <a:off x="32004000" y="19812000"/>
-            <a:ext cx="11277600" cy="17297400"/>
+            <a:off x="31851600" y="19707224"/>
+            <a:ext cx="11430000" cy="17554575"/>
           </a:xfrm>
           <a:prstGeom prst="roundRect">
             <a:avLst>
@@ -5568,7 +6170,15 @@
             <a:pPr algn="ctr"/>
             <a:r>
               <a:rPr lang="en-US" sz="4800" b="1" dirty="0" smtClean="0"/>
-              <a:t>Contact Info &amp; Brochure</a:t>
+              <a:t>Contact </a:t>
+            </a:r>
+            <a:r>
+              <a:rPr lang="en-US" sz="4800" b="1" dirty="0" smtClean="0"/>
+              <a:t>Info. </a:t>
+            </a:r>
+            <a:r>
+              <a:rPr lang="en-US" sz="4800" b="1" dirty="0" smtClean="0"/>
+              <a:t>&amp; Brochure</a:t>
             </a:r>
             <a:endParaRPr lang="en-US" sz="4800" b="1" dirty="0"/>
           </a:p>
@@ -6419,8 +7029,8 @@
         </p:nvSpPr>
         <p:spPr>
           <a:xfrm>
-            <a:off x="1066800" y="17457003"/>
-            <a:ext cx="6781800" cy="707886"/>
+            <a:off x="1066800" y="17307173"/>
+            <a:ext cx="6781800" cy="646331"/>
           </a:xfrm>
           <a:prstGeom prst="rect">
             <a:avLst/>
@@ -6434,10 +7044,10 @@
           <a:p>
             <a:pPr algn="ctr"/>
             <a:r>
-              <a:rPr lang="en-US" sz="2000" dirty="0" smtClean="0"/>
+              <a:rPr lang="en-US" sz="1800" dirty="0" smtClean="0"/>
               <a:t>Based on two open ended focus groups conducted with persons with visual impairment</a:t>
             </a:r>
-            <a:endParaRPr lang="en-US" sz="2000" dirty="0"/>
+            <a:endParaRPr lang="en-US" sz="1800" dirty="0"/>
           </a:p>
         </p:txBody>
       </p:sp>
@@ -6449,7 +7059,7 @@
         </p:nvSpPr>
         <p:spPr>
           <a:xfrm>
-            <a:off x="1371600" y="11963400"/>
+            <a:off x="1371600" y="11849100"/>
             <a:ext cx="6096000" cy="523220"/>
           </a:xfrm>
           <a:prstGeom prst="rect">
@@ -6490,8 +7100,8 @@
         </p:nvSpPr>
         <p:spPr>
           <a:xfrm>
-            <a:off x="10058400" y="17449800"/>
-            <a:ext cx="7848600" cy="707886"/>
+            <a:off x="10058400" y="17299970"/>
+            <a:ext cx="7848600" cy="646331"/>
           </a:xfrm>
           <a:prstGeom prst="rect">
             <a:avLst/>
@@ -6505,14 +7115,10 @@
           <a:p>
             <a:pPr algn="ctr"/>
             <a:r>
-              <a:rPr lang="en-US" sz="2000" dirty="0" smtClean="0"/>
-              <a:t>Based on online web survey conducted with 16 </a:t>
-            </a:r>
-            <a:r>
-              <a:rPr lang="en-US" sz="2000" dirty="0" smtClean="0"/>
-              <a:t>persons who are blind, 9 with low vision and 2 sighted specialists in the area of visual impairment</a:t>
-            </a:r>
-            <a:endParaRPr lang="en-US" sz="2000" dirty="0"/>
+              <a:rPr lang="en-US" sz="1800" dirty="0" smtClean="0"/>
+              <a:t>Based on online web survey conducted with 16 persons who are blind, 9 with low vision and 2 sighted specialists in the area of visual impairment</a:t>
+            </a:r>
+            <a:endParaRPr lang="en-US" sz="1800" dirty="0"/>
           </a:p>
         </p:txBody>
       </p:sp>
@@ -6532,7 +7138,7 @@
         </p:blipFill>
         <p:spPr>
           <a:xfrm>
-            <a:off x="13296900" y="5181600"/>
+            <a:off x="13296900" y="4953000"/>
             <a:ext cx="4819650" cy="6343650"/>
           </a:xfrm>
           <a:prstGeom prst="rect">
@@ -6566,7 +7172,7 @@
         </p:blipFill>
         <p:spPr>
           <a:xfrm>
-            <a:off x="10058576" y="11884630"/>
+            <a:off x="10058576" y="11734800"/>
             <a:ext cx="7772400" cy="5412770"/>
           </a:xfrm>
           <a:prstGeom prst="rect">
@@ -6592,7 +7198,7 @@
         </p:nvSpPr>
         <p:spPr>
           <a:xfrm>
-            <a:off x="1143000" y="18211800"/>
+            <a:off x="762000" y="18135600"/>
             <a:ext cx="17526000" cy="1077218"/>
           </a:xfrm>
           <a:prstGeom prst="rect">
@@ -7495,7 +8101,7 @@
         </p:blipFill>
         <p:spPr>
           <a:xfrm>
-            <a:off x="36134040" y="15278437"/>
+            <a:off x="36210240" y="15278437"/>
             <a:ext cx="6766560" cy="3542963"/>
           </a:xfrm>
           <a:prstGeom prst="rect">
@@ -7511,7 +8117,7 @@
         </p:nvSpPr>
         <p:spPr bwMode="auto">
           <a:xfrm>
-            <a:off x="35345370" y="14745037"/>
+            <a:off x="35421570" y="14745037"/>
             <a:ext cx="7543800" cy="533400"/>
           </a:xfrm>
           <a:prstGeom prst="rect">
@@ -7576,7 +8182,7 @@
         </p:nvSpPr>
         <p:spPr>
           <a:xfrm rot="16200000">
-            <a:off x="34645551" y="11983471"/>
+            <a:off x="34721751" y="11983471"/>
             <a:ext cx="2286000" cy="646331"/>
           </a:xfrm>
           <a:prstGeom prst="rect">
@@ -7606,7 +8212,7 @@
         </p:nvSpPr>
         <p:spPr>
           <a:xfrm rot="16200000">
-            <a:off x="34653170" y="16631671"/>
+            <a:off x="34729370" y="16631671"/>
             <a:ext cx="2286000" cy="646331"/>
           </a:xfrm>
           <a:prstGeom prst="rect">
@@ -7636,8 +8242,8 @@
         </p:nvSpPr>
         <p:spPr>
           <a:xfrm>
-            <a:off x="28803600" y="5410200"/>
-            <a:ext cx="6781800" cy="6555641"/>
+            <a:off x="28879800" y="6057900"/>
+            <a:ext cx="6553200" cy="4524315"/>
           </a:xfrm>
           <a:prstGeom prst="rect">
             <a:avLst/>
@@ -7658,20 +8264,16 @@
               </a:tabLst>
             </a:pPr>
             <a:r>
-              <a:rPr lang="en-US" sz="2800" dirty="0" smtClean="0"/>
+              <a:rPr lang="en-US" dirty="0" smtClean="0"/>
               <a:t>The </a:t>
             </a:r>
             <a:r>
-              <a:rPr lang="en-US" sz="2800" u="sng" dirty="0" smtClean="0"/>
+              <a:rPr lang="en-US" u="sng" dirty="0" smtClean="0"/>
               <a:t>human face is very dynamic</a:t>
             </a:r>
             <a:r>
-              <a:rPr lang="en-US" sz="2800" dirty="0" smtClean="0"/>
-              <a:t> when it comes to generating important non-verbal communicative </a:t>
-            </a:r>
-            <a:r>
-              <a:rPr lang="en-US" sz="2800" dirty="0" smtClean="0"/>
-              <a:t>cues</a:t>
+              <a:rPr lang="en-US" dirty="0" smtClean="0"/>
+              <a:t> when it comes to generating important non-verbal communicative cues</a:t>
             </a:r>
           </a:p>
           <a:p>
@@ -7683,20 +8285,12 @@
               </a:tabLst>
             </a:pPr>
             <a:r>
-              <a:rPr lang="en-US" sz="2800" u="sng" dirty="0" smtClean="0"/>
+              <a:rPr lang="en-US" u="sng" dirty="0" smtClean="0"/>
               <a:t>Careful design considerations needed</a:t>
             </a:r>
             <a:r>
-              <a:rPr lang="en-US" sz="2800" dirty="0" smtClean="0"/>
-              <a:t> if face data </a:t>
-            </a:r>
-            <a:r>
-              <a:rPr lang="en-US" sz="2800" dirty="0" smtClean="0"/>
-              <a:t>has to be encoded </a:t>
-            </a:r>
-            <a:r>
-              <a:rPr lang="en-US" sz="2800" dirty="0" smtClean="0"/>
-              <a:t>on other modalities</a:t>
+              <a:rPr lang="en-US" dirty="0" smtClean="0"/>
+              <a:t> if face data has to be encoded on other modalities</a:t>
             </a:r>
           </a:p>
           <a:p>
@@ -7708,30 +8302,14 @@
               </a:tabLst>
             </a:pPr>
             <a:r>
-              <a:rPr lang="en-US" sz="2800" dirty="0" smtClean="0"/>
-              <a:t>In the target population there </a:t>
-            </a:r>
-            <a:r>
-              <a:rPr lang="en-US" sz="2800" dirty="0" smtClean="0"/>
-              <a:t>is a strong growing </a:t>
-            </a:r>
-            <a:r>
-              <a:rPr lang="en-US" sz="2800" u="sng" dirty="0" smtClean="0"/>
-              <a:t>discomfort </a:t>
-            </a:r>
-            <a:r>
-              <a:rPr lang="en-US" sz="2800" u="sng" dirty="0" smtClean="0"/>
-              <a:t>towards </a:t>
-            </a:r>
-            <a:r>
-              <a:rPr lang="en-US" sz="2800" u="sng" dirty="0" smtClean="0"/>
-              <a:t>overloading their </a:t>
-            </a:r>
-            <a:r>
-              <a:rPr lang="en-US" sz="2800" u="sng" dirty="0" smtClean="0"/>
-              <a:t>hearing</a:t>
-            </a:r>
-            <a:endParaRPr lang="en-US" sz="2800" dirty="0" smtClean="0"/>
+              <a:rPr lang="en-US" dirty="0" smtClean="0"/>
+              <a:t>In the target population there is a strong growing </a:t>
+            </a:r>
+            <a:r>
+              <a:rPr lang="en-US" u="sng" dirty="0" smtClean="0"/>
+              <a:t>discomfort towards overloading their hearing</a:t>
+            </a:r>
+            <a:endParaRPr lang="en-US" dirty="0" smtClean="0"/>
           </a:p>
           <a:p>
             <a:pPr marL="631825" indent="-585788" defTabSz="117475">
@@ -7742,68 +8320,2338 @@
               </a:tabLst>
             </a:pPr>
             <a:r>
-              <a:rPr lang="en-US" sz="2800" dirty="0" smtClean="0"/>
+              <a:rPr lang="en-US" dirty="0" smtClean="0"/>
               <a:t>We </a:t>
             </a:r>
             <a:r>
-              <a:rPr lang="en-US" sz="2800" u="sng" dirty="0" smtClean="0"/>
+              <a:rPr lang="en-US" u="sng" dirty="0" smtClean="0"/>
               <a:t>explore </a:t>
             </a:r>
             <a:r>
-              <a:rPr lang="en-US" sz="2800" u="sng" dirty="0" err="1" smtClean="0"/>
+              <a:rPr lang="en-US" u="sng" dirty="0" err="1" smtClean="0"/>
               <a:t>vibrotactile</a:t>
             </a:r>
             <a:r>
-              <a:rPr lang="en-US" sz="2800" u="sng" dirty="0" smtClean="0"/>
+              <a:rPr lang="en-US" u="sng" dirty="0" smtClean="0"/>
+              <a:t> cueing on the back of palm</a:t>
+            </a:r>
+            <a:r>
+              <a:rPr lang="en-US" dirty="0" smtClean="0"/>
+              <a:t> (hand has a large representation in the </a:t>
+            </a:r>
+            <a:r>
+              <a:rPr lang="en-US" dirty="0" err="1" smtClean="0"/>
+              <a:t>somatosensory</a:t>
+            </a:r>
+            <a:r>
+              <a:rPr lang="en-US" dirty="0" smtClean="0"/>
+              <a:t> cortex of the brain) to be versatile and </a:t>
+            </a:r>
+            <a:r>
+              <a:rPr lang="en-US" dirty="0" smtClean="0"/>
+              <a:t>unobtrusive</a:t>
+            </a:r>
+            <a:endParaRPr lang="en-US" sz="2800" dirty="0"/>
+          </a:p>
+        </p:txBody>
+      </p:sp>
+      <p:sp>
+        <p:nvSpPr>
+          <p:cNvPr id="75" name="Rectangle 74"/>
+          <p:cNvSpPr/>
+          <p:nvPr/>
+        </p:nvSpPr>
+        <p:spPr>
+          <a:xfrm>
+            <a:off x="29032200" y="11277898"/>
+            <a:ext cx="6248400" cy="7848302"/>
+          </a:xfrm>
+          <a:prstGeom prst="rect">
+            <a:avLst/>
+          </a:prstGeom>
+        </p:spPr>
+        <p:txBody>
+          <a:bodyPr wrap="square">
+            <a:spAutoFit/>
+          </a:bodyPr>
+          <a:lstStyle/>
+          <a:p>
+            <a:r>
+              <a:rPr lang="en-US" b="1" cap="small" dirty="0" smtClean="0"/>
+              <a:t>Group 1 – The visual emoticon motivated </a:t>
+            </a:r>
+            <a:r>
+              <a:rPr lang="en-US" b="1" cap="small" dirty="0" err="1" smtClean="0"/>
+              <a:t>haptic</a:t>
+            </a:r>
+            <a:r>
+              <a:rPr lang="en-US" b="1" cap="small" dirty="0" smtClean="0"/>
+              <a:t> icons: </a:t>
+            </a:r>
+          </a:p>
+          <a:p>
+            <a:r>
+              <a:rPr lang="en-US" dirty="0" smtClean="0"/>
+              <a:t>Primarily </a:t>
+            </a:r>
+            <a:r>
+              <a:rPr lang="en-US" dirty="0" smtClean="0"/>
+              <a:t>represent popular emoticons that are in wide use within the Instant Messaging community. </a:t>
+            </a:r>
+            <a:r>
+              <a:rPr lang="en-US" dirty="0" smtClean="0"/>
+              <a:t>These </a:t>
+            </a:r>
+            <a:r>
+              <a:rPr lang="en-US" dirty="0" smtClean="0"/>
+              <a:t>icons mostly model the shape of the mouth. </a:t>
+            </a:r>
+            <a:endParaRPr lang="en-US" dirty="0" smtClean="0"/>
+          </a:p>
+          <a:p>
+            <a:pPr marL="457200" indent="-457200">
+              <a:buAutoNum type="arabicParenR"/>
+            </a:pPr>
+            <a:r>
+              <a:rPr lang="en-US" i="1" dirty="0" smtClean="0"/>
+              <a:t>Happy</a:t>
+            </a:r>
+            <a:r>
+              <a:rPr lang="en-US" dirty="0" smtClean="0"/>
+              <a:t> , 2</a:t>
+            </a:r>
+            <a:r>
+              <a:rPr lang="en-US" dirty="0" smtClean="0"/>
+              <a:t>) </a:t>
+            </a:r>
+            <a:r>
+              <a:rPr lang="en-US" i="1" dirty="0" smtClean="0"/>
+              <a:t>Sad</a:t>
+            </a:r>
+            <a:r>
+              <a:rPr lang="en-US" dirty="0" smtClean="0"/>
+              <a:t>, </a:t>
+            </a:r>
+            <a:r>
+              <a:rPr lang="en-US" dirty="0" smtClean="0"/>
+              <a:t>3) </a:t>
+            </a:r>
+            <a:r>
+              <a:rPr lang="en-US" i="1" dirty="0" smtClean="0"/>
+              <a:t>Surprise</a:t>
+            </a:r>
+            <a:r>
+              <a:rPr lang="en-US" dirty="0" smtClean="0"/>
               <a:t> </a:t>
             </a:r>
             <a:r>
-              <a:rPr lang="en-US" sz="2800" u="sng" dirty="0" smtClean="0"/>
-              <a:t>cueing on the back of </a:t>
-            </a:r>
-            <a:r>
-              <a:rPr lang="en-US" sz="2800" u="sng" dirty="0" smtClean="0"/>
-              <a:t>palm</a:t>
-            </a:r>
-            <a:r>
-              <a:rPr lang="en-US" sz="2800" dirty="0" smtClean="0"/>
-              <a:t> (hand </a:t>
-            </a:r>
-            <a:r>
-              <a:rPr lang="en-US" sz="2800" dirty="0" smtClean="0"/>
-              <a:t>has a </a:t>
-            </a:r>
-            <a:r>
-              <a:rPr lang="en-US" sz="2800" dirty="0" smtClean="0"/>
-              <a:t>large </a:t>
-            </a:r>
-            <a:r>
-              <a:rPr lang="en-US" sz="2800" dirty="0" smtClean="0"/>
-              <a:t>representation in the </a:t>
-            </a:r>
-            <a:r>
-              <a:rPr lang="en-US" sz="2800" dirty="0" err="1" smtClean="0"/>
-              <a:t>somatosensory</a:t>
-            </a:r>
-            <a:r>
-              <a:rPr lang="en-US" sz="2800" dirty="0" smtClean="0"/>
-              <a:t> cortex of the brain) to be </a:t>
-            </a:r>
-            <a:r>
-              <a:rPr lang="en-US" sz="2800" dirty="0" smtClean="0"/>
-              <a:t>versatile </a:t>
-            </a:r>
-            <a:r>
-              <a:rPr lang="en-US" sz="2800" dirty="0" smtClean="0"/>
-              <a:t>and </a:t>
-            </a:r>
-            <a:r>
-              <a:rPr lang="en-US" sz="2800" dirty="0" smtClean="0"/>
-              <a:t>unobtrusive</a:t>
-            </a:r>
-          </a:p>
-          <a:p>
-            <a:endParaRPr lang="en-US" sz="2800" dirty="0"/>
+              <a:rPr lang="en-US" dirty="0" smtClean="0"/>
+              <a:t>, and 4</a:t>
+            </a:r>
+            <a:r>
+              <a:rPr lang="en-US" dirty="0" smtClean="0"/>
+              <a:t>) </a:t>
+            </a:r>
+            <a:r>
+              <a:rPr lang="en-US" i="1" dirty="0" smtClean="0"/>
+              <a:t>Neutral</a:t>
+            </a:r>
+            <a:r>
+              <a:rPr lang="en-US" dirty="0" smtClean="0"/>
+              <a:t> </a:t>
+            </a:r>
+          </a:p>
+          <a:p>
+            <a:pPr marL="457200" indent="-457200"/>
+            <a:endParaRPr lang="en-US" b="1" cap="small" dirty="0" smtClean="0"/>
+          </a:p>
+          <a:p>
+            <a:pPr marL="457200" indent="-457200"/>
+            <a:r>
+              <a:rPr lang="en-US" b="1" cap="small" dirty="0" smtClean="0"/>
+              <a:t>Group 2 – The auxiliary </a:t>
+            </a:r>
+            <a:r>
+              <a:rPr lang="en-US" b="1" cap="small" dirty="0" err="1" smtClean="0"/>
+              <a:t>haptic</a:t>
+            </a:r>
+            <a:r>
+              <a:rPr lang="en-US" b="1" cap="small" dirty="0" smtClean="0"/>
+              <a:t> icons: </a:t>
+            </a:r>
+          </a:p>
+          <a:p>
+            <a:r>
+              <a:rPr lang="en-US" dirty="0" smtClean="0"/>
+              <a:t>Anger</a:t>
+            </a:r>
+            <a:r>
+              <a:rPr lang="en-US" dirty="0" smtClean="0"/>
+              <a:t>, Fear and Disgust cannot be conveyed through the mouth appearance alone. </a:t>
+            </a:r>
+            <a:r>
+              <a:rPr lang="en-US" dirty="0" smtClean="0"/>
+              <a:t>Here the </a:t>
+            </a:r>
+            <a:r>
+              <a:rPr lang="en-US" dirty="0" err="1" smtClean="0"/>
+              <a:t>haptic</a:t>
+            </a:r>
+            <a:r>
+              <a:rPr lang="en-US" dirty="0" smtClean="0"/>
+              <a:t> </a:t>
+            </a:r>
+            <a:r>
+              <a:rPr lang="en-US" dirty="0" smtClean="0"/>
+              <a:t>patterns </a:t>
+            </a:r>
+            <a:r>
+              <a:rPr lang="en-US" dirty="0" smtClean="0"/>
+              <a:t>are </a:t>
+            </a:r>
+            <a:r>
+              <a:rPr lang="en-US" dirty="0" smtClean="0"/>
+              <a:t>unique from </a:t>
+            </a:r>
+            <a:r>
+              <a:rPr lang="en-US" dirty="0" smtClean="0"/>
+              <a:t>Group </a:t>
+            </a:r>
+            <a:r>
+              <a:rPr lang="en-US" dirty="0" smtClean="0"/>
+              <a:t>1, while keeping in mind a need to represent the underlying expression in question. </a:t>
+            </a:r>
+            <a:endParaRPr lang="en-US" dirty="0" smtClean="0"/>
+          </a:p>
+          <a:p>
+            <a:pPr marL="457200" indent="-457200">
+              <a:buAutoNum type="arabicParenR"/>
+            </a:pPr>
+            <a:r>
+              <a:rPr lang="en-US" i="1" dirty="0" smtClean="0"/>
+              <a:t>Anger</a:t>
+            </a:r>
+            <a:r>
+              <a:rPr lang="en-US" dirty="0" smtClean="0"/>
+              <a:t> </a:t>
+            </a:r>
+            <a:r>
+              <a:rPr lang="en-US" dirty="0" smtClean="0"/>
+              <a:t>is </a:t>
+            </a:r>
+            <a:r>
+              <a:rPr lang="en-US" dirty="0" smtClean="0"/>
+              <a:t>representing </a:t>
+            </a:r>
+            <a:r>
+              <a:rPr lang="en-US" dirty="0" smtClean="0"/>
+              <a:t>an open mouth showing its teeth during an expression of anger; </a:t>
+            </a:r>
+            <a:endParaRPr lang="en-US" dirty="0" smtClean="0"/>
+          </a:p>
+          <a:p>
+            <a:pPr marL="457200" indent="-457200">
+              <a:buAutoNum type="arabicParenR"/>
+            </a:pPr>
+            <a:r>
+              <a:rPr lang="en-US" i="1" dirty="0" smtClean="0"/>
+              <a:t>Fear</a:t>
+            </a:r>
+            <a:r>
+              <a:rPr lang="en-US" dirty="0" smtClean="0"/>
+              <a:t> </a:t>
+            </a:r>
+            <a:r>
+              <a:rPr lang="en-US" dirty="0" smtClean="0"/>
+              <a:t>is </a:t>
+            </a:r>
+            <a:r>
+              <a:rPr lang="en-US" dirty="0" smtClean="0"/>
+              <a:t>three </a:t>
+            </a:r>
+            <a:r>
+              <a:rPr lang="en-US" dirty="0" smtClean="0"/>
+              <a:t>quick successive vibration sequences representing a fast emotional response that people show towards fear, and </a:t>
+            </a:r>
+            <a:endParaRPr lang="en-US" dirty="0" smtClean="0"/>
+          </a:p>
+          <a:p>
+            <a:pPr marL="457200" indent="-457200">
+              <a:buAutoNum type="arabicParenR"/>
+            </a:pPr>
+            <a:r>
+              <a:rPr lang="en-US" i="1" dirty="0" smtClean="0"/>
+              <a:t>Disgust</a:t>
+            </a:r>
+            <a:r>
+              <a:rPr lang="en-US" dirty="0" smtClean="0"/>
+              <a:t> corresponds </a:t>
+            </a:r>
+            <a:r>
+              <a:rPr lang="en-US" dirty="0" smtClean="0"/>
+              <a:t>to a slightly opened mouth during the display of disgust.</a:t>
+            </a:r>
+            <a:endParaRPr lang="en-US" dirty="0"/>
+          </a:p>
+        </p:txBody>
+      </p:sp>
+      <p:pic>
+        <p:nvPicPr>
+          <p:cNvPr id="93" name="Picture 92" descr="penile homunculus.jpg"/>
+          <p:cNvPicPr>
+            <a:picLocks noChangeAspect="1"/>
+          </p:cNvPicPr>
+          <p:nvPr/>
+        </p:nvPicPr>
+        <p:blipFill>
+          <a:blip r:embed="rId17" cstate="print"/>
+          <a:stretch>
+            <a:fillRect/>
+          </a:stretch>
+        </p:blipFill>
+        <p:spPr>
+          <a:xfrm>
+            <a:off x="35966400" y="5638800"/>
+            <a:ext cx="2895600" cy="3681448"/>
+          </a:xfrm>
+          <a:prstGeom prst="rect">
+            <a:avLst/>
+          </a:prstGeom>
+          <a:ln>
+            <a:noFill/>
+          </a:ln>
+          <a:effectLst>
+            <a:outerShdw blurRad="292100" dist="139700" dir="2700000" algn="tl" rotWithShape="0">
+              <a:srgbClr val="333333">
+                <a:alpha val="65000"/>
+              </a:srgbClr>
+            </a:outerShdw>
+          </a:effectLst>
+        </p:spPr>
+      </p:pic>
+      <p:sp>
+        <p:nvSpPr>
+          <p:cNvPr id="94" name="TextBox 93"/>
+          <p:cNvSpPr txBox="1"/>
+          <p:nvPr/>
+        </p:nvSpPr>
+        <p:spPr>
+          <a:xfrm>
+            <a:off x="35966400" y="8541603"/>
+            <a:ext cx="2819400" cy="830997"/>
+          </a:xfrm>
+          <a:prstGeom prst="rect">
+            <a:avLst/>
+          </a:prstGeom>
+          <a:noFill/>
+        </p:spPr>
+        <p:txBody>
+          <a:bodyPr wrap="square" rtlCol="0">
+            <a:spAutoFit/>
+          </a:bodyPr>
+          <a:lstStyle/>
+          <a:p>
+            <a:pPr algn="ctr"/>
+            <a:r>
+              <a:rPr lang="en-US" b="1" dirty="0" err="1" smtClean="0"/>
+              <a:t>Somatosensory</a:t>
+            </a:r>
+            <a:r>
+              <a:rPr lang="en-US" b="1" dirty="0" smtClean="0"/>
+              <a:t> Homunculus</a:t>
+            </a:r>
+            <a:endParaRPr lang="en-US" b="1" dirty="0"/>
+          </a:p>
+        </p:txBody>
+      </p:sp>
+      <p:sp>
+        <p:nvSpPr>
+          <p:cNvPr id="95" name="TextBox 94"/>
+          <p:cNvSpPr txBox="1"/>
+          <p:nvPr/>
+        </p:nvSpPr>
+        <p:spPr>
+          <a:xfrm>
+            <a:off x="39471600" y="8382000"/>
+            <a:ext cx="3276600" cy="769441"/>
+          </a:xfrm>
+          <a:prstGeom prst="rect">
+            <a:avLst/>
+          </a:prstGeom>
+          <a:noFill/>
+        </p:spPr>
+        <p:txBody>
+          <a:bodyPr wrap="square" rtlCol="0">
+            <a:spAutoFit/>
+          </a:bodyPr>
+          <a:lstStyle/>
+          <a:p>
+            <a:pPr algn="ctr"/>
+            <a:r>
+              <a:rPr lang="en-US" sz="2200" b="1" dirty="0" smtClean="0"/>
+              <a:t>Vibrators used in Facial Expression Mapping</a:t>
+            </a:r>
+            <a:endParaRPr lang="en-US" sz="2200" b="1" dirty="0"/>
+          </a:p>
+        </p:txBody>
+      </p:sp>
+      <p:sp>
+        <p:nvSpPr>
+          <p:cNvPr id="102" name="Rectangle 101"/>
+          <p:cNvSpPr/>
+          <p:nvPr/>
+        </p:nvSpPr>
+        <p:spPr>
+          <a:xfrm>
+            <a:off x="28994100" y="10668000"/>
+            <a:ext cx="5410200" cy="646331"/>
+          </a:xfrm>
+          <a:prstGeom prst="rect">
+            <a:avLst/>
+          </a:prstGeom>
+        </p:spPr>
+        <p:txBody>
+          <a:bodyPr wrap="square">
+            <a:spAutoFit/>
+          </a:bodyPr>
+          <a:lstStyle/>
+          <a:p>
+            <a:pPr algn="ctr"/>
+            <a:r>
+              <a:rPr lang="en-US" sz="3600" b="1" dirty="0" smtClean="0"/>
+              <a:t>Design of the Haptic Icons</a:t>
+            </a:r>
+            <a:endParaRPr lang="en-US" sz="3600" b="1" dirty="0"/>
+          </a:p>
+        </p:txBody>
+      </p:sp>
+      <p:sp>
+        <p:nvSpPr>
+          <p:cNvPr id="103" name="Rectangle 102"/>
+          <p:cNvSpPr/>
+          <p:nvPr/>
+        </p:nvSpPr>
+        <p:spPr>
+          <a:xfrm>
+            <a:off x="28422600" y="5410200"/>
+            <a:ext cx="5410200" cy="646331"/>
+          </a:xfrm>
+          <a:prstGeom prst="rect">
+            <a:avLst/>
+          </a:prstGeom>
+        </p:spPr>
+        <p:txBody>
+          <a:bodyPr wrap="square">
+            <a:spAutoFit/>
+          </a:bodyPr>
+          <a:lstStyle/>
+          <a:p>
+            <a:pPr algn="ctr"/>
+            <a:r>
+              <a:rPr lang="en-US" sz="3600" b="1" dirty="0" smtClean="0"/>
+              <a:t>Design of VibroGlove</a:t>
+            </a:r>
+            <a:endParaRPr lang="en-US" sz="3600" b="1" dirty="0"/>
+          </a:p>
+        </p:txBody>
+      </p:sp>
+      <p:sp>
+        <p:nvSpPr>
+          <p:cNvPr id="117" name="AutoShape 278"/>
+          <p:cNvSpPr>
+            <a:spLocks noChangeArrowheads="1"/>
+          </p:cNvSpPr>
+          <p:nvPr/>
+        </p:nvSpPr>
+        <p:spPr bwMode="auto">
+          <a:xfrm>
+            <a:off x="13182600" y="19888200"/>
+            <a:ext cx="6248400" cy="990600"/>
+          </a:xfrm>
+          <a:prstGeom prst="roundRect">
+            <a:avLst>
+              <a:gd name="adj" fmla="val 16667"/>
+            </a:avLst>
+          </a:prstGeom>
+          <a:solidFill>
+            <a:srgbClr val="FFCC99"/>
+          </a:solidFill>
+          <a:ln w="9525">
+            <a:noFill/>
+            <a:round/>
+            <a:headEnd/>
+            <a:tailEnd/>
+          </a:ln>
+          <a:effectLst/>
+        </p:spPr>
+        <p:txBody>
+          <a:bodyPr wrap="none" anchor="ctr"/>
+          <a:lstStyle/>
+          <a:p>
+            <a:pPr algn="ctr"/>
+            <a:r>
+              <a:rPr lang="en-US" sz="4800" b="1" dirty="0" smtClean="0"/>
+              <a:t>Experiment &amp; Results</a:t>
+            </a:r>
+            <a:endParaRPr lang="en-US" sz="4800" b="1" dirty="0"/>
+          </a:p>
+        </p:txBody>
+      </p:sp>
+      <p:sp>
+        <p:nvSpPr>
+          <p:cNvPr id="125" name="Freeform 124"/>
+          <p:cNvSpPr/>
+          <p:nvPr/>
+        </p:nvSpPr>
+        <p:spPr bwMode="auto">
+          <a:xfrm>
+            <a:off x="18874740" y="27755850"/>
+            <a:ext cx="632460" cy="678180"/>
+          </a:xfrm>
+          <a:custGeom>
+            <a:avLst/>
+            <a:gdLst>
+              <a:gd name="connsiteX0" fmla="*/ 0 w 632460"/>
+              <a:gd name="connsiteY0" fmla="*/ 0 h 678180"/>
+              <a:gd name="connsiteX1" fmla="*/ 0 w 632460"/>
+              <a:gd name="connsiteY1" fmla="*/ 678180 h 678180"/>
+              <a:gd name="connsiteX2" fmla="*/ 632460 w 632460"/>
+              <a:gd name="connsiteY2" fmla="*/ 678180 h 678180"/>
+              <a:gd name="connsiteX3" fmla="*/ 403860 w 632460"/>
+              <a:gd name="connsiteY3" fmla="*/ 586740 h 678180"/>
+              <a:gd name="connsiteX4" fmla="*/ 259080 w 632460"/>
+              <a:gd name="connsiteY4" fmla="*/ 480060 h 678180"/>
+              <a:gd name="connsiteX5" fmla="*/ 167640 w 632460"/>
+              <a:gd name="connsiteY5" fmla="*/ 381000 h 678180"/>
+              <a:gd name="connsiteX6" fmla="*/ 91440 w 632460"/>
+              <a:gd name="connsiteY6" fmla="*/ 266700 h 678180"/>
+              <a:gd name="connsiteX7" fmla="*/ 30480 w 632460"/>
+              <a:gd name="connsiteY7" fmla="*/ 137160 h 678180"/>
+              <a:gd name="connsiteX8" fmla="*/ 0 w 632460"/>
+              <a:gd name="connsiteY8" fmla="*/ 0 h 678180"/>
+            </a:gdLst>
+            <a:ahLst/>
+            <a:cxnLst>
+              <a:cxn ang="0">
+                <a:pos x="connsiteX0" y="connsiteY0"/>
+              </a:cxn>
+              <a:cxn ang="0">
+                <a:pos x="connsiteX1" y="connsiteY1"/>
+              </a:cxn>
+              <a:cxn ang="0">
+                <a:pos x="connsiteX2" y="connsiteY2"/>
+              </a:cxn>
+              <a:cxn ang="0">
+                <a:pos x="connsiteX3" y="connsiteY3"/>
+              </a:cxn>
+              <a:cxn ang="0">
+                <a:pos x="connsiteX4" y="connsiteY4"/>
+              </a:cxn>
+              <a:cxn ang="0">
+                <a:pos x="connsiteX5" y="connsiteY5"/>
+              </a:cxn>
+              <a:cxn ang="0">
+                <a:pos x="connsiteX6" y="connsiteY6"/>
+              </a:cxn>
+              <a:cxn ang="0">
+                <a:pos x="connsiteX7" y="connsiteY7"/>
+              </a:cxn>
+              <a:cxn ang="0">
+                <a:pos x="connsiteX8" y="connsiteY8"/>
+              </a:cxn>
+            </a:cxnLst>
+            <a:rect l="l" t="t" r="r" b="b"/>
+            <a:pathLst>
+              <a:path w="632460" h="678180">
+                <a:moveTo>
+                  <a:pt x="0" y="0"/>
+                </a:moveTo>
+                <a:lnTo>
+                  <a:pt x="0" y="678180"/>
+                </a:lnTo>
+                <a:lnTo>
+                  <a:pt x="632460" y="678180"/>
+                </a:lnTo>
+                <a:lnTo>
+                  <a:pt x="403860" y="586740"/>
+                </a:lnTo>
+                <a:lnTo>
+                  <a:pt x="259080" y="480060"/>
+                </a:lnTo>
+                <a:lnTo>
+                  <a:pt x="167640" y="381000"/>
+                </a:lnTo>
+                <a:lnTo>
+                  <a:pt x="91440" y="266700"/>
+                </a:lnTo>
+                <a:lnTo>
+                  <a:pt x="30480" y="137160"/>
+                </a:lnTo>
+                <a:lnTo>
+                  <a:pt x="0" y="0"/>
+                </a:lnTo>
+                <a:close/>
+              </a:path>
+            </a:pathLst>
+          </a:custGeom>
+          <a:solidFill>
+            <a:srgbClr val="FFFF00">
+              <a:alpha val="44000"/>
+            </a:srgbClr>
+          </a:solidFill>
+          <a:ln w="9525" cap="flat" cmpd="sng" algn="ctr">
+            <a:noFill/>
+            <a:prstDash val="solid"/>
+            <a:round/>
+            <a:headEnd type="none" w="med" len="med"/>
+            <a:tailEnd type="none" w="med" len="med"/>
+          </a:ln>
+          <a:effectLst/>
+        </p:spPr>
+        <p:txBody>
+          <a:bodyPr vert="horz" wrap="square" lIns="91440" tIns="45720" rIns="91440" bIns="45720" numCol="1" rtlCol="0" anchor="t" anchorCtr="0" compatLnSpc="1">
+            <a:prstTxWarp prst="textNoShape">
+              <a:avLst/>
+            </a:prstTxWarp>
+          </a:bodyPr>
+          <a:lstStyle/>
+          <a:p>
+            <a:pPr marL="0" marR="0" indent="0" algn="l" defTabSz="914400" rtl="0" eaLnBrk="0" fontAlgn="base" latinLnBrk="0" hangingPunct="0">
+              <a:lnSpc>
+                <a:spcPct val="100000"/>
+              </a:lnSpc>
+              <a:spcBef>
+                <a:spcPct val="0"/>
+              </a:spcBef>
+              <a:spcAft>
+                <a:spcPct val="0"/>
+              </a:spcAft>
+              <a:buClrTx/>
+              <a:buSzTx/>
+              <a:buFontTx/>
+              <a:buNone/>
+              <a:tabLst/>
+            </a:pPr>
+            <a:endParaRPr kumimoji="0" lang="en-US" sz="2400" b="0" i="0" u="none" strike="noStrike" cap="none" normalizeH="0" baseline="0" smtClean="0">
+              <a:ln>
+                <a:noFill/>
+              </a:ln>
+              <a:solidFill>
+                <a:schemeClr val="tx1"/>
+              </a:solidFill>
+              <a:effectLst/>
+              <a:latin typeface="Times New Roman" pitchFamily="18" charset="0"/>
+            </a:endParaRPr>
+          </a:p>
+        </p:txBody>
+      </p:sp>
+      <p:sp>
+        <p:nvSpPr>
+          <p:cNvPr id="139" name="Rectangle 138"/>
+          <p:cNvSpPr/>
+          <p:nvPr/>
+        </p:nvSpPr>
+        <p:spPr>
+          <a:xfrm>
+            <a:off x="25527000" y="22250400"/>
+            <a:ext cx="5638800" cy="5740033"/>
+          </a:xfrm>
+          <a:prstGeom prst="rect">
+            <a:avLst/>
+          </a:prstGeom>
+        </p:spPr>
+        <p:txBody>
+          <a:bodyPr wrap="square">
+            <a:spAutoFit/>
+          </a:bodyPr>
+          <a:lstStyle/>
+          <a:p>
+            <a:pPr marL="285750" indent="-285750">
+              <a:spcAft>
+                <a:spcPts val="600"/>
+              </a:spcAft>
+              <a:buFont typeface="Wingdings" pitchFamily="2" charset="2"/>
+              <a:buChar char="v"/>
+            </a:pPr>
+            <a:r>
+              <a:rPr lang="en-US" sz="2200" dirty="0" smtClean="0"/>
+              <a:t>Average </a:t>
+            </a:r>
+            <a:r>
+              <a:rPr lang="en-US" sz="2200" dirty="0" smtClean="0"/>
+              <a:t>time taken </a:t>
+            </a:r>
+            <a:r>
+              <a:rPr lang="en-US" sz="2200" dirty="0" smtClean="0"/>
+              <a:t>per </a:t>
+            </a:r>
+            <a:r>
+              <a:rPr lang="en-US" sz="2200" dirty="0" smtClean="0"/>
+              <a:t>expression when </a:t>
+            </a:r>
+            <a:r>
+              <a:rPr lang="en-US" sz="2200" dirty="0" smtClean="0"/>
+              <a:t>recognized correctly </a:t>
+            </a:r>
+            <a:r>
+              <a:rPr lang="en-US" sz="2200" dirty="0" smtClean="0"/>
+              <a:t>(cyan), and </a:t>
+            </a:r>
+            <a:r>
+              <a:rPr lang="en-US" sz="2200" dirty="0" smtClean="0"/>
+              <a:t>misclassified (</a:t>
+            </a:r>
+            <a:r>
+              <a:rPr lang="en-US" sz="2200" dirty="0" smtClean="0"/>
+              <a:t>red). </a:t>
+            </a:r>
+            <a:endParaRPr lang="en-US" sz="2200" dirty="0" smtClean="0"/>
+          </a:p>
+          <a:p>
+            <a:pPr marL="285750" indent="-285750">
+              <a:spcAft>
+                <a:spcPts val="600"/>
+              </a:spcAft>
+              <a:buFont typeface="Wingdings" pitchFamily="2" charset="2"/>
+              <a:buChar char="v"/>
+            </a:pPr>
+            <a:r>
+              <a:rPr lang="en-US" sz="2200" dirty="0" smtClean="0"/>
+              <a:t>Correct </a:t>
+            </a:r>
+            <a:r>
+              <a:rPr lang="en-US" sz="2200" dirty="0" smtClean="0"/>
+              <a:t>identification happened in just over a second (1.4s). </a:t>
+            </a:r>
+            <a:endParaRPr lang="en-US" sz="2200" dirty="0" smtClean="0"/>
+          </a:p>
+          <a:p>
+            <a:pPr marL="285750" indent="-285750">
+              <a:spcAft>
+                <a:spcPts val="600"/>
+              </a:spcAft>
+              <a:buFont typeface="Wingdings" pitchFamily="2" charset="2"/>
+              <a:buChar char="v"/>
+            </a:pPr>
+            <a:r>
+              <a:rPr lang="en-US" sz="2200" dirty="0" smtClean="0"/>
+              <a:t>When </a:t>
+            </a:r>
+            <a:r>
+              <a:rPr lang="en-US" sz="2200" dirty="0" smtClean="0"/>
+              <a:t>the subjects were not sure of the </a:t>
+            </a:r>
+            <a:r>
+              <a:rPr lang="en-US" sz="2200" dirty="0" err="1" smtClean="0"/>
+              <a:t>haptic</a:t>
+            </a:r>
+            <a:r>
+              <a:rPr lang="en-US" sz="2200" dirty="0" smtClean="0"/>
+              <a:t> pattern, they took more time to respond. </a:t>
+            </a:r>
+            <a:r>
+              <a:rPr lang="en-US" sz="2200" dirty="0" smtClean="0"/>
+              <a:t>For example, Sad </a:t>
+            </a:r>
+            <a:r>
+              <a:rPr lang="en-US" sz="2200" dirty="0" smtClean="0"/>
+              <a:t>had the worst performance of 81% and the corresponding response time was the highest (2s). </a:t>
+            </a:r>
+            <a:r>
+              <a:rPr lang="en-US" sz="2200" dirty="0" smtClean="0"/>
+              <a:t>Fear </a:t>
+            </a:r>
+            <a:r>
+              <a:rPr lang="en-US" sz="2200" dirty="0" smtClean="0"/>
+              <a:t>had the best performance (98%) and least response time (765ms). </a:t>
+            </a:r>
+            <a:endParaRPr lang="en-US" sz="2200" dirty="0" smtClean="0"/>
+          </a:p>
+          <a:p>
+            <a:pPr marL="285750" indent="-285750">
+              <a:spcAft>
+                <a:spcPts val="600"/>
+              </a:spcAft>
+              <a:buFont typeface="Wingdings" pitchFamily="2" charset="2"/>
+              <a:buChar char="v"/>
+            </a:pPr>
+            <a:r>
+              <a:rPr lang="en-US" sz="2200" dirty="0" smtClean="0"/>
+              <a:t>Whenever </a:t>
+            </a:r>
+            <a:r>
+              <a:rPr lang="en-US" sz="2200" dirty="0" smtClean="0"/>
+              <a:t>the subjects responded wrong, they seem to take more </a:t>
+            </a:r>
+            <a:r>
+              <a:rPr lang="en-US" sz="2200" dirty="0" smtClean="0"/>
+              <a:t>time, 2.31s </a:t>
+            </a:r>
+            <a:r>
+              <a:rPr lang="en-US" sz="2200" dirty="0" smtClean="0"/>
+              <a:t>(red), almost a second more than the response time for correct responses. </a:t>
+            </a:r>
+            <a:endParaRPr lang="en-US" sz="2200" dirty="0"/>
+          </a:p>
+        </p:txBody>
+      </p:sp>
+      <p:sp>
+        <p:nvSpPr>
+          <p:cNvPr id="141" name="AutoShape 278"/>
+          <p:cNvSpPr>
+            <a:spLocks noChangeArrowheads="1"/>
+          </p:cNvSpPr>
+          <p:nvPr/>
+        </p:nvSpPr>
+        <p:spPr bwMode="auto">
+          <a:xfrm>
+            <a:off x="22098000" y="21336000"/>
+            <a:ext cx="5867400" cy="552450"/>
+          </a:xfrm>
+          <a:prstGeom prst="roundRect">
+            <a:avLst>
+              <a:gd name="adj" fmla="val 16667"/>
+            </a:avLst>
+          </a:prstGeom>
+          <a:solidFill>
+            <a:schemeClr val="bg1">
+              <a:lumMod val="95000"/>
+              <a:alpha val="55000"/>
+            </a:schemeClr>
+          </a:solidFill>
+          <a:ln w="9525">
+            <a:noFill/>
+            <a:round/>
+            <a:headEnd/>
+            <a:tailEnd/>
+          </a:ln>
+          <a:effectLst/>
+        </p:spPr>
+        <p:txBody>
+          <a:bodyPr wrap="none" anchor="ctr"/>
+          <a:lstStyle/>
+          <a:p>
+            <a:pPr algn="ctr"/>
+            <a:r>
+              <a:rPr lang="en-US" sz="3600" b="1" dirty="0" smtClean="0"/>
+              <a:t>Average Time of Response</a:t>
+            </a:r>
+            <a:endParaRPr lang="en-US" sz="3600" b="1" dirty="0"/>
+          </a:p>
+        </p:txBody>
+      </p:sp>
+      <p:sp>
+        <p:nvSpPr>
+          <p:cNvPr id="143" name="Rectangle 142"/>
+          <p:cNvSpPr/>
+          <p:nvPr/>
+        </p:nvSpPr>
+        <p:spPr>
+          <a:xfrm>
+            <a:off x="6781800" y="27651075"/>
+            <a:ext cx="5638800" cy="9910405"/>
+          </a:xfrm>
+          <a:prstGeom prst="rect">
+            <a:avLst/>
+          </a:prstGeom>
+        </p:spPr>
+        <p:txBody>
+          <a:bodyPr wrap="square">
+            <a:spAutoFit/>
+          </a:bodyPr>
+          <a:lstStyle/>
+          <a:p>
+            <a:pPr marL="290513" indent="-290513">
+              <a:buFont typeface="Wingdings" pitchFamily="2" charset="2"/>
+              <a:buChar char="v"/>
+            </a:pPr>
+            <a:r>
+              <a:rPr lang="en-US" sz="2200" dirty="0" smtClean="0"/>
+              <a:t>The </a:t>
+            </a:r>
+            <a:r>
+              <a:rPr lang="en-US" sz="2200" dirty="0" smtClean="0"/>
+              <a:t>overall recognition rate was 89%, with one-way ANOVA [F(6,77)=1.71, p=0.129] supporting </a:t>
+            </a:r>
+            <a:r>
+              <a:rPr lang="en-US" sz="2200" dirty="0" smtClean="0"/>
+              <a:t> the first </a:t>
+            </a:r>
+            <a:r>
+              <a:rPr lang="en-US" sz="2200" dirty="0" smtClean="0"/>
+              <a:t>hypothesis that the responses across the seven expressions did not differ significantly. </a:t>
+            </a:r>
+            <a:endParaRPr lang="en-US" sz="2200" dirty="0" smtClean="0"/>
+          </a:p>
+          <a:p>
+            <a:pPr marL="290513" indent="-290513">
+              <a:buFont typeface="Wingdings" pitchFamily="2" charset="2"/>
+              <a:buChar char="v"/>
+            </a:pPr>
+            <a:r>
+              <a:rPr lang="en-US" sz="2200" dirty="0" smtClean="0"/>
+              <a:t>Null </a:t>
+            </a:r>
+            <a:r>
+              <a:rPr lang="en-US" sz="2200" dirty="0" smtClean="0"/>
+              <a:t>hypothesis regarding the two groups was that there would be no significant difference in performance, </a:t>
+            </a:r>
+            <a:r>
+              <a:rPr lang="en-US" sz="2200" dirty="0" smtClean="0"/>
+              <a:t>One-way </a:t>
+            </a:r>
+            <a:r>
+              <a:rPr lang="en-US" sz="2200" dirty="0" smtClean="0"/>
+              <a:t>ANOVA between groups rejected the null hypothesis [F(1,82)=4.24, p=0.042)] showing a difference between group performance. </a:t>
+            </a:r>
+            <a:endParaRPr lang="en-US" sz="2200" dirty="0" smtClean="0"/>
+          </a:p>
+          <a:p>
+            <a:pPr marL="290513" indent="-290513">
+              <a:buFont typeface="Wingdings" pitchFamily="2" charset="2"/>
+              <a:buChar char="v"/>
+            </a:pPr>
+            <a:r>
+              <a:rPr lang="en-US" sz="2200" dirty="0" smtClean="0"/>
+              <a:t>Extension to the above null hypothesis was that Group </a:t>
+            </a:r>
+            <a:r>
+              <a:rPr lang="en-US" sz="2200" dirty="0" smtClean="0"/>
+              <a:t>1 would perform better </a:t>
+            </a:r>
+            <a:r>
+              <a:rPr lang="en-US" sz="2200" dirty="0" smtClean="0"/>
+              <a:t>than Group 2 as </a:t>
+            </a:r>
+            <a:r>
+              <a:rPr lang="en-US" sz="2200" dirty="0" smtClean="0"/>
+              <a:t>the expressions were motivated by popular visual emoticons. </a:t>
+            </a:r>
+            <a:r>
+              <a:rPr lang="en-US" sz="2200" dirty="0" err="1" smtClean="0"/>
+              <a:t>Tuckey</a:t>
+            </a:r>
+            <a:r>
+              <a:rPr lang="en-US" sz="2200" dirty="0" smtClean="0"/>
+              <a:t> </a:t>
+            </a:r>
+            <a:r>
+              <a:rPr lang="en-US" sz="2200" dirty="0" smtClean="0"/>
+              <a:t>test on the two group means M</a:t>
+            </a:r>
+            <a:r>
+              <a:rPr lang="en-US" sz="2200" baseline="-25000" dirty="0" smtClean="0"/>
+              <a:t>1</a:t>
+            </a:r>
+            <a:r>
+              <a:rPr lang="en-US" sz="2200" dirty="0" smtClean="0"/>
+              <a:t>=86.28 &amp; M</a:t>
+            </a:r>
+            <a:r>
+              <a:rPr lang="en-US" sz="2200" baseline="-25000" dirty="0" smtClean="0"/>
+              <a:t>2</a:t>
+            </a:r>
+            <a:r>
+              <a:rPr lang="en-US" sz="2200" dirty="0" smtClean="0"/>
+              <a:t>= 93.46, gave a standard error of T</a:t>
+            </a:r>
+            <a:r>
+              <a:rPr lang="en-US" sz="2200" baseline="-25000" dirty="0" smtClean="0"/>
+              <a:t>s</a:t>
+            </a:r>
+            <a:r>
+              <a:rPr lang="en-US" sz="2200" dirty="0" smtClean="0"/>
+              <a:t>=4.3, which is lesser than the first mean difference (M</a:t>
+            </a:r>
+            <a:r>
+              <a:rPr lang="en-US" sz="2200" baseline="-25000" dirty="0" smtClean="0"/>
+              <a:t>2</a:t>
+            </a:r>
+            <a:r>
+              <a:rPr lang="en-US" sz="2200" dirty="0" smtClean="0"/>
+              <a:t>-M</a:t>
+            </a:r>
+            <a:r>
+              <a:rPr lang="en-US" sz="2200" baseline="-25000" dirty="0" smtClean="0"/>
+              <a:t>1</a:t>
+            </a:r>
+            <a:r>
+              <a:rPr lang="en-US" sz="2200" dirty="0" smtClean="0"/>
+              <a:t>=7.17). Thus, Group 2 performance was much higher than Group 1 rejecting the extension to the null hypothesis. </a:t>
+            </a:r>
+            <a:endParaRPr lang="en-US" sz="2200" dirty="0" smtClean="0"/>
+          </a:p>
+          <a:p>
+            <a:pPr marL="290513" indent="-290513">
+              <a:buFont typeface="Wingdings" pitchFamily="2" charset="2"/>
+              <a:buChar char="v"/>
+            </a:pPr>
+            <a:r>
+              <a:rPr lang="en-US" sz="2200" dirty="0" smtClean="0"/>
+              <a:t>The </a:t>
+            </a:r>
+            <a:r>
+              <a:rPr lang="en-US" sz="2200" dirty="0" smtClean="0"/>
+              <a:t>diagonals </a:t>
+            </a:r>
+            <a:r>
+              <a:rPr lang="en-US" sz="2200" dirty="0" smtClean="0"/>
+              <a:t>of the confusion matrix correspond </a:t>
+            </a:r>
+            <a:r>
+              <a:rPr lang="en-US" sz="2200" dirty="0" smtClean="0"/>
+              <a:t>to the bar graph shown </a:t>
+            </a:r>
+            <a:r>
+              <a:rPr lang="en-US" sz="2200" dirty="0" smtClean="0"/>
+              <a:t>above. </a:t>
+            </a:r>
+            <a:r>
+              <a:rPr lang="en-US" sz="2200" dirty="0" smtClean="0"/>
+              <a:t>The off-diagonal elements represent the confusion between expressions. These off-diagonal elements </a:t>
+            </a:r>
+            <a:r>
+              <a:rPr lang="en-US" sz="2200" dirty="0" smtClean="0"/>
+              <a:t>can provide </a:t>
+            </a:r>
+            <a:r>
+              <a:rPr lang="en-US" sz="2200" dirty="0" smtClean="0"/>
+              <a:t>insight into the parameters that control effective and responsive </a:t>
+            </a:r>
+            <a:r>
+              <a:rPr lang="en-US" sz="2200" dirty="0" err="1" smtClean="0"/>
+              <a:t>haptic</a:t>
+            </a:r>
+            <a:r>
+              <a:rPr lang="en-US" sz="2200" dirty="0" smtClean="0"/>
+              <a:t> patterns.</a:t>
+            </a:r>
+            <a:endParaRPr lang="en-US" sz="2200" dirty="0"/>
+          </a:p>
+        </p:txBody>
+      </p:sp>
+      <p:sp>
+        <p:nvSpPr>
+          <p:cNvPr id="145" name="Rectangle 144"/>
+          <p:cNvSpPr/>
+          <p:nvPr/>
+        </p:nvSpPr>
+        <p:spPr>
+          <a:xfrm>
+            <a:off x="12573000" y="34213800"/>
+            <a:ext cx="5715000" cy="1446550"/>
+          </a:xfrm>
+          <a:prstGeom prst="rect">
+            <a:avLst/>
+          </a:prstGeom>
+        </p:spPr>
+        <p:txBody>
+          <a:bodyPr wrap="square">
+            <a:spAutoFit/>
+          </a:bodyPr>
+          <a:lstStyle/>
+          <a:p>
+            <a:r>
+              <a:rPr lang="en-US" sz="2200" dirty="0" smtClean="0"/>
+              <a:t>The </a:t>
+            </a:r>
+            <a:r>
+              <a:rPr lang="en-US" sz="2200" dirty="0" smtClean="0"/>
+              <a:t>average recognition performance and the average time of response for the subject who is blind. The individual was able to recognize most of the expressions at 100%, over the 70 trails. </a:t>
+            </a:r>
+            <a:endParaRPr lang="en-US" sz="2200" dirty="0"/>
+          </a:p>
+        </p:txBody>
+      </p:sp>
+      <p:sp>
+        <p:nvSpPr>
+          <p:cNvPr id="146" name="AutoShape 278"/>
+          <p:cNvSpPr>
+            <a:spLocks noChangeArrowheads="1"/>
+          </p:cNvSpPr>
+          <p:nvPr/>
+        </p:nvSpPr>
+        <p:spPr bwMode="auto">
+          <a:xfrm>
+            <a:off x="6743700" y="26822400"/>
+            <a:ext cx="5867400" cy="552450"/>
+          </a:xfrm>
+          <a:prstGeom prst="roundRect">
+            <a:avLst>
+              <a:gd name="adj" fmla="val 16667"/>
+            </a:avLst>
+          </a:prstGeom>
+          <a:solidFill>
+            <a:schemeClr val="bg1">
+              <a:lumMod val="95000"/>
+              <a:alpha val="55000"/>
+            </a:schemeClr>
+          </a:solidFill>
+          <a:ln w="9525">
+            <a:noFill/>
+            <a:round/>
+            <a:headEnd/>
+            <a:tailEnd/>
+          </a:ln>
+          <a:effectLst/>
+        </p:spPr>
+        <p:txBody>
+          <a:bodyPr wrap="none" anchor="ctr"/>
+          <a:lstStyle/>
+          <a:p>
+            <a:pPr algn="ctr"/>
+            <a:r>
+              <a:rPr lang="en-US" sz="3600" b="1" dirty="0" smtClean="0"/>
+              <a:t>Recognition Rate</a:t>
+            </a:r>
+            <a:endParaRPr lang="en-US" sz="3600" b="1" dirty="0"/>
+          </a:p>
+        </p:txBody>
+      </p:sp>
+      <p:sp>
+        <p:nvSpPr>
+          <p:cNvPr id="147" name="Rounded Rectangle 146"/>
+          <p:cNvSpPr/>
+          <p:nvPr/>
+        </p:nvSpPr>
+        <p:spPr bwMode="auto">
+          <a:xfrm>
+            <a:off x="914400" y="21107400"/>
+            <a:ext cx="17449800" cy="5334000"/>
+          </a:xfrm>
+          <a:prstGeom prst="roundRect">
+            <a:avLst>
+              <a:gd name="adj" fmla="val 5842"/>
+            </a:avLst>
+          </a:prstGeom>
+          <a:solidFill>
+            <a:schemeClr val="accent1">
+              <a:lumMod val="40000"/>
+              <a:lumOff val="60000"/>
+              <a:alpha val="12000"/>
+            </a:schemeClr>
+          </a:solidFill>
+          <a:ln w="9525" cap="flat" cmpd="sng" algn="ctr">
+            <a:noFill/>
+            <a:prstDash val="solid"/>
+            <a:round/>
+            <a:headEnd type="none" w="med" len="med"/>
+            <a:tailEnd type="none" w="med" len="med"/>
+          </a:ln>
+          <a:effectLst/>
+        </p:spPr>
+        <p:txBody>
+          <a:bodyPr vert="horz" wrap="square" lIns="91440" tIns="45720" rIns="91440" bIns="45720" numCol="1" rtlCol="0" anchor="t" anchorCtr="0" compatLnSpc="1">
+            <a:prstTxWarp prst="textNoShape">
+              <a:avLst/>
+            </a:prstTxWarp>
+          </a:bodyPr>
+          <a:lstStyle/>
+          <a:p>
+            <a:pPr marL="0" marR="0" indent="0" algn="l" defTabSz="914400" rtl="0" eaLnBrk="0" fontAlgn="base" latinLnBrk="0" hangingPunct="0">
+              <a:lnSpc>
+                <a:spcPct val="100000"/>
+              </a:lnSpc>
+              <a:spcBef>
+                <a:spcPct val="0"/>
+              </a:spcBef>
+              <a:spcAft>
+                <a:spcPct val="0"/>
+              </a:spcAft>
+              <a:buClrTx/>
+              <a:buSzTx/>
+              <a:buFontTx/>
+              <a:buNone/>
+              <a:tabLst/>
+            </a:pPr>
+            <a:endParaRPr kumimoji="0" lang="en-US" sz="2400" b="0" i="0" u="none" strike="noStrike" cap="none" normalizeH="0" baseline="0" smtClean="0">
+              <a:ln>
+                <a:noFill/>
+              </a:ln>
+              <a:solidFill>
+                <a:schemeClr val="tx1"/>
+              </a:solidFill>
+              <a:effectLst/>
+              <a:latin typeface="Times New Roman" pitchFamily="18" charset="0"/>
+            </a:endParaRPr>
+          </a:p>
+        </p:txBody>
+      </p:sp>
+      <p:sp>
+        <p:nvSpPr>
+          <p:cNvPr id="148" name="AutoShape 278"/>
+          <p:cNvSpPr>
+            <a:spLocks noChangeArrowheads="1"/>
+          </p:cNvSpPr>
+          <p:nvPr/>
+        </p:nvSpPr>
+        <p:spPr bwMode="auto">
+          <a:xfrm>
+            <a:off x="6705600" y="21259800"/>
+            <a:ext cx="5867400" cy="552450"/>
+          </a:xfrm>
+          <a:prstGeom prst="roundRect">
+            <a:avLst>
+              <a:gd name="adj" fmla="val 16667"/>
+            </a:avLst>
+          </a:prstGeom>
+          <a:solidFill>
+            <a:schemeClr val="bg1">
+              <a:lumMod val="95000"/>
+              <a:alpha val="55000"/>
+            </a:schemeClr>
+          </a:solidFill>
+          <a:ln w="9525">
+            <a:noFill/>
+            <a:round/>
+            <a:headEnd/>
+            <a:tailEnd/>
+          </a:ln>
+          <a:effectLst/>
+        </p:spPr>
+        <p:txBody>
+          <a:bodyPr wrap="none" anchor="ctr"/>
+          <a:lstStyle/>
+          <a:p>
+            <a:pPr algn="ctr"/>
+            <a:r>
+              <a:rPr lang="en-US" sz="3600" b="1" dirty="0" smtClean="0"/>
+              <a:t>Experiment</a:t>
+            </a:r>
+            <a:endParaRPr lang="en-US" sz="3600" b="1" dirty="0"/>
+          </a:p>
+        </p:txBody>
+      </p:sp>
+      <p:sp>
+        <p:nvSpPr>
+          <p:cNvPr id="149" name="Rectangle 148"/>
+          <p:cNvSpPr/>
+          <p:nvPr/>
+        </p:nvSpPr>
+        <p:spPr>
+          <a:xfrm>
+            <a:off x="1219200" y="22056804"/>
+            <a:ext cx="16840200" cy="1107996"/>
+          </a:xfrm>
+          <a:prstGeom prst="rect">
+            <a:avLst/>
+          </a:prstGeom>
+        </p:spPr>
+        <p:txBody>
+          <a:bodyPr wrap="square">
+            <a:spAutoFit/>
+          </a:bodyPr>
+          <a:lstStyle/>
+          <a:p>
+            <a:r>
+              <a:rPr lang="en-US" sz="2200" i="1" u="sng" dirty="0" smtClean="0"/>
+              <a:t>Participants:</a:t>
+            </a:r>
+            <a:r>
+              <a:rPr lang="en-US" sz="2200" dirty="0" smtClean="0"/>
+              <a:t> The experiment was conducted with one individual who is blind and 11 other participants who are sighted, but were blind folded during the experiment. It is important to note that the individual who is blind had lost his sight after 25 years of having vision. To a large extent, this individual could correlate Group 1 </a:t>
+            </a:r>
+            <a:r>
+              <a:rPr lang="en-US" sz="2200" dirty="0" err="1" smtClean="0"/>
+              <a:t>haptic</a:t>
+            </a:r>
+            <a:r>
+              <a:rPr lang="en-US" sz="2200" dirty="0" smtClean="0"/>
+              <a:t> expression icons to his visual experiences from the past. </a:t>
+            </a:r>
+            <a:endParaRPr lang="en-US" sz="2200" dirty="0"/>
+          </a:p>
+        </p:txBody>
+      </p:sp>
+      <p:sp>
+        <p:nvSpPr>
+          <p:cNvPr id="150" name="Rectangle 149"/>
+          <p:cNvSpPr/>
+          <p:nvPr/>
+        </p:nvSpPr>
+        <p:spPr>
+          <a:xfrm>
+            <a:off x="1143000" y="23545800"/>
+            <a:ext cx="17068800" cy="2462213"/>
+          </a:xfrm>
+          <a:prstGeom prst="rect">
+            <a:avLst/>
+          </a:prstGeom>
+        </p:spPr>
+        <p:txBody>
+          <a:bodyPr wrap="square">
+            <a:spAutoFit/>
+          </a:bodyPr>
+          <a:lstStyle/>
+          <a:p>
+            <a:r>
+              <a:rPr lang="en-US" sz="2200" i="1" u="sng" dirty="0" smtClean="0"/>
+              <a:t>Procedure:</a:t>
+            </a:r>
+            <a:r>
+              <a:rPr lang="en-US" sz="2200" dirty="0" smtClean="0"/>
+              <a:t> </a:t>
+            </a:r>
+            <a:r>
+              <a:rPr lang="en-US" sz="2200" dirty="0" smtClean="0"/>
+              <a:t>Subjects </a:t>
+            </a:r>
+            <a:r>
+              <a:rPr lang="en-US" sz="2200" dirty="0" smtClean="0"/>
+              <a:t>were first </a:t>
+            </a:r>
+            <a:r>
+              <a:rPr lang="en-US" sz="2200" u="sng" dirty="0" smtClean="0"/>
+              <a:t>familiarized</a:t>
+            </a:r>
+            <a:r>
+              <a:rPr lang="en-US" sz="2200" dirty="0" smtClean="0"/>
+              <a:t> with all 7 vibration patterns by presenting them in order, during which time the expression corresponding to the pattern was spoken aloud by the experimenter. </a:t>
+            </a:r>
+            <a:r>
+              <a:rPr lang="en-US" sz="2200" dirty="0" smtClean="0"/>
+              <a:t>This </a:t>
+            </a:r>
+            <a:r>
+              <a:rPr lang="en-US" sz="2200" dirty="0" smtClean="0"/>
+              <a:t>was followed by the </a:t>
+            </a:r>
+            <a:r>
+              <a:rPr lang="en-US" sz="2200" u="sng" dirty="0" smtClean="0"/>
+              <a:t>training</a:t>
+            </a:r>
+            <a:r>
+              <a:rPr lang="en-US" sz="2200" dirty="0" smtClean="0"/>
+              <a:t> phase in which all seven patterns were presented in random order, in multiple sets, and subjects were asked to identify the expressions by punching an appropriate key on a keyboard. The experimenter confirmed any correct response, and corrected incorrect responses. Subjects had to demonstrate 100% recognition on one set of all 7 expressions before moving to the testing phase. A 15 minute time limit was placed on the training irrespective of the training accuracy. The </a:t>
+            </a:r>
+            <a:r>
+              <a:rPr lang="en-US" sz="2200" u="sng" dirty="0" smtClean="0"/>
+              <a:t>testing</a:t>
+            </a:r>
+            <a:r>
+              <a:rPr lang="en-US" sz="2200" dirty="0" smtClean="0"/>
+              <a:t> phase was similar to the training phase except the experimenter did not provide feedback to subjects, and each expression pattern was randomly presented 10 times making a total of 7 expressions x 10 = 70 trials. The subjects were given 5 seconds per trial to respond.</a:t>
+            </a:r>
+            <a:endParaRPr lang="en-US" sz="2200" dirty="0"/>
+          </a:p>
+        </p:txBody>
+      </p:sp>
+      <p:sp>
+        <p:nvSpPr>
+          <p:cNvPr id="151" name="Rounded Rectangle 150"/>
+          <p:cNvSpPr/>
+          <p:nvPr/>
+        </p:nvSpPr>
+        <p:spPr bwMode="auto">
+          <a:xfrm>
+            <a:off x="19278600" y="28651200"/>
+            <a:ext cx="12268200" cy="8763000"/>
+          </a:xfrm>
+          <a:prstGeom prst="roundRect">
+            <a:avLst>
+              <a:gd name="adj" fmla="val 7199"/>
+            </a:avLst>
+          </a:prstGeom>
+          <a:solidFill>
+            <a:srgbClr val="FFFF00">
+              <a:alpha val="42000"/>
+            </a:srgbClr>
+          </a:solidFill>
+          <a:ln w="9525" cap="flat" cmpd="sng" algn="ctr">
+            <a:noFill/>
+            <a:prstDash val="solid"/>
+            <a:round/>
+            <a:headEnd type="none" w="med" len="med"/>
+            <a:tailEnd type="none" w="med" len="med"/>
+          </a:ln>
+          <a:effectLst/>
+        </p:spPr>
+        <p:txBody>
+          <a:bodyPr vert="horz" wrap="square" lIns="91440" tIns="45720" rIns="91440" bIns="45720" numCol="1" rtlCol="0" anchor="t" anchorCtr="0" compatLnSpc="1">
+            <a:prstTxWarp prst="textNoShape">
+              <a:avLst/>
+            </a:prstTxWarp>
+          </a:bodyPr>
+          <a:lstStyle/>
+          <a:p>
+            <a:pPr marL="0" marR="0" indent="0" algn="l" defTabSz="914400" rtl="0" eaLnBrk="0" fontAlgn="base" latinLnBrk="0" hangingPunct="0">
+              <a:lnSpc>
+                <a:spcPct val="100000"/>
+              </a:lnSpc>
+              <a:spcBef>
+                <a:spcPct val="0"/>
+              </a:spcBef>
+              <a:spcAft>
+                <a:spcPct val="0"/>
+              </a:spcAft>
+              <a:buClrTx/>
+              <a:buSzTx/>
+              <a:buFontTx/>
+              <a:buNone/>
+              <a:tabLst/>
+            </a:pPr>
+            <a:endParaRPr kumimoji="0" lang="en-US" sz="2400" b="0" i="0" u="none" strike="noStrike" cap="none" normalizeH="0" baseline="0" dirty="0" smtClean="0">
+              <a:ln>
+                <a:noFill/>
+              </a:ln>
+              <a:solidFill>
+                <a:schemeClr val="tx1"/>
+              </a:solidFill>
+              <a:effectLst/>
+              <a:latin typeface="Times New Roman" pitchFamily="18" charset="0"/>
+            </a:endParaRPr>
+          </a:p>
+        </p:txBody>
+      </p:sp>
+      <p:sp>
+        <p:nvSpPr>
+          <p:cNvPr id="152" name="AutoShape 278"/>
+          <p:cNvSpPr>
+            <a:spLocks noChangeArrowheads="1"/>
+          </p:cNvSpPr>
+          <p:nvPr/>
+        </p:nvSpPr>
+        <p:spPr bwMode="auto">
+          <a:xfrm>
+            <a:off x="22593300" y="28879800"/>
+            <a:ext cx="5638800" cy="990600"/>
+          </a:xfrm>
+          <a:prstGeom prst="roundRect">
+            <a:avLst>
+              <a:gd name="adj" fmla="val 16667"/>
+            </a:avLst>
+          </a:prstGeom>
+          <a:solidFill>
+            <a:srgbClr val="FFCC99"/>
+          </a:solidFill>
+          <a:ln w="9525">
+            <a:noFill/>
+            <a:round/>
+            <a:headEnd/>
+            <a:tailEnd/>
+          </a:ln>
+          <a:effectLst/>
+        </p:spPr>
+        <p:txBody>
+          <a:bodyPr wrap="none" anchor="ctr"/>
+          <a:lstStyle/>
+          <a:p>
+            <a:pPr algn="ctr"/>
+            <a:r>
+              <a:rPr lang="en-US" sz="4800" b="1" dirty="0" smtClean="0"/>
+              <a:t>Related References</a:t>
+            </a:r>
+            <a:endParaRPr lang="en-US" sz="4800" b="1" dirty="0"/>
+          </a:p>
+        </p:txBody>
+      </p:sp>
+      <p:sp>
+        <p:nvSpPr>
+          <p:cNvPr id="4129" name="Rectangle 33"/>
+          <p:cNvSpPr>
+            <a:spLocks noChangeArrowheads="1"/>
+          </p:cNvSpPr>
+          <p:nvPr/>
+        </p:nvSpPr>
+        <p:spPr bwMode="auto">
+          <a:xfrm>
+            <a:off x="19583400" y="30249912"/>
+            <a:ext cx="11582400" cy="6863417"/>
+          </a:xfrm>
+          <a:prstGeom prst="rect">
+            <a:avLst/>
+          </a:prstGeom>
+          <a:noFill/>
+          <a:ln w="9525">
+            <a:noFill/>
+            <a:miter lim="800000"/>
+            <a:headEnd/>
+            <a:tailEnd/>
+          </a:ln>
+          <a:effectLst/>
+        </p:spPr>
+        <p:txBody>
+          <a:bodyPr vert="horz" wrap="square" lIns="91440" tIns="45720" rIns="91440" bIns="45720" numCol="1" anchor="ctr" anchorCtr="0" compatLnSpc="1">
+            <a:prstTxWarp prst="textNoShape">
+              <a:avLst/>
+            </a:prstTxWarp>
+            <a:spAutoFit/>
+          </a:bodyPr>
+          <a:lstStyle/>
+          <a:p>
+            <a:pPr marL="347663" marR="0" lvl="0" indent="-347663" algn="l" defTabSz="914400" rtl="0" eaLnBrk="1" fontAlgn="base" latinLnBrk="0" hangingPunct="1">
+              <a:lnSpc>
+                <a:spcPct val="100000"/>
+              </a:lnSpc>
+              <a:spcBef>
+                <a:spcPct val="0"/>
+              </a:spcBef>
+              <a:spcAft>
+                <a:spcPct val="0"/>
+              </a:spcAft>
+              <a:buClrTx/>
+              <a:buSzTx/>
+              <a:buFont typeface="Wingdings" pitchFamily="2" charset="2"/>
+              <a:buChar char="Ø"/>
+              <a:tabLst>
+                <a:tab pos="-285750" algn="l"/>
+              </a:tabLst>
+            </a:pPr>
+            <a:r>
+              <a:rPr kumimoji="0" lang="en-US" sz="2000" b="0" i="0" u="none" strike="noStrike" cap="none" normalizeH="0" baseline="0" dirty="0" smtClean="0">
+                <a:ln>
+                  <a:noFill/>
+                </a:ln>
+                <a:solidFill>
+                  <a:schemeClr val="tx1"/>
+                </a:solidFill>
+                <a:effectLst/>
+                <a:latin typeface="+mn-lt"/>
+                <a:ea typeface="Times New Roman" pitchFamily="18" charset="0"/>
+                <a:cs typeface="Times New Roman" pitchFamily="18" charset="0"/>
+              </a:rPr>
+              <a:t>N. </a:t>
+            </a:r>
+            <a:r>
+              <a:rPr kumimoji="0" lang="en-US" sz="2000" b="0" i="0" u="none" strike="noStrike" cap="none" normalizeH="0" baseline="0" dirty="0" err="1" smtClean="0">
+                <a:ln>
+                  <a:noFill/>
+                </a:ln>
+                <a:solidFill>
+                  <a:schemeClr val="tx1"/>
+                </a:solidFill>
+                <a:effectLst/>
+                <a:latin typeface="+mn-lt"/>
+                <a:ea typeface="Times New Roman" pitchFamily="18" charset="0"/>
+                <a:cs typeface="Times New Roman" pitchFamily="18" charset="0"/>
+              </a:rPr>
+              <a:t>Ambady</a:t>
+            </a:r>
+            <a:r>
+              <a:rPr kumimoji="0" lang="en-US" sz="2000" b="0" i="0" u="none" strike="noStrike" cap="none" normalizeH="0" baseline="0" dirty="0" smtClean="0">
+                <a:ln>
+                  <a:noFill/>
+                </a:ln>
+                <a:solidFill>
+                  <a:schemeClr val="tx1"/>
+                </a:solidFill>
+                <a:effectLst/>
+                <a:latin typeface="+mn-lt"/>
+                <a:ea typeface="Times New Roman" pitchFamily="18" charset="0"/>
+                <a:cs typeface="Times New Roman" pitchFamily="18" charset="0"/>
+              </a:rPr>
+              <a:t> and R. Rosenthal, “Thin Slices of Expressive behavior as Predictors of Interpersonal Consequences : a Meta-Analysis,” </a:t>
+            </a:r>
+            <a:r>
+              <a:rPr kumimoji="0" lang="en-US" sz="2000" b="0" i="1" u="none" strike="noStrike" cap="none" normalizeH="0" baseline="0" dirty="0" smtClean="0">
+                <a:ln>
+                  <a:noFill/>
+                </a:ln>
+                <a:solidFill>
+                  <a:schemeClr val="tx1"/>
+                </a:solidFill>
+                <a:effectLst/>
+                <a:latin typeface="+mn-lt"/>
+                <a:ea typeface="Times New Roman" pitchFamily="18" charset="0"/>
+                <a:cs typeface="Times New Roman" pitchFamily="18" charset="0"/>
+              </a:rPr>
+              <a:t>Psychological Bulletin</a:t>
+            </a:r>
+            <a:r>
+              <a:rPr kumimoji="0" lang="en-US" sz="2000" b="0" i="0" u="none" strike="noStrike" cap="none" normalizeH="0" baseline="0" dirty="0" smtClean="0">
+                <a:ln>
+                  <a:noFill/>
+                </a:ln>
+                <a:solidFill>
+                  <a:schemeClr val="tx1"/>
+                </a:solidFill>
+                <a:effectLst/>
+                <a:latin typeface="+mn-lt"/>
+                <a:ea typeface="Times New Roman" pitchFamily="18" charset="0"/>
+                <a:cs typeface="Times New Roman" pitchFamily="18" charset="0"/>
+              </a:rPr>
+              <a:t>,  vol. 111, 1992, pp. 274, 256.</a:t>
+            </a:r>
+          </a:p>
+          <a:p>
+            <a:pPr marL="347663" marR="0" lvl="0" indent="-347663" algn="l" defTabSz="914400" rtl="0" eaLnBrk="1" fontAlgn="base" latinLnBrk="0" hangingPunct="1">
+              <a:lnSpc>
+                <a:spcPct val="100000"/>
+              </a:lnSpc>
+              <a:spcBef>
+                <a:spcPct val="0"/>
+              </a:spcBef>
+              <a:spcAft>
+                <a:spcPct val="0"/>
+              </a:spcAft>
+              <a:buClrTx/>
+              <a:buSzTx/>
+              <a:buFont typeface="Wingdings" pitchFamily="2" charset="2"/>
+              <a:buChar char="Ø"/>
+              <a:tabLst>
+                <a:tab pos="-285750" algn="l"/>
+              </a:tabLst>
+            </a:pPr>
+            <a:endParaRPr kumimoji="0" lang="en-US" sz="2000" b="0" i="0" u="none" strike="noStrike" cap="none" normalizeH="0" baseline="0" dirty="0" smtClean="0">
+              <a:ln>
+                <a:noFill/>
+              </a:ln>
+              <a:solidFill>
+                <a:schemeClr val="tx1"/>
+              </a:solidFill>
+              <a:effectLst/>
+              <a:latin typeface="+mn-lt"/>
+            </a:endParaRPr>
+          </a:p>
+          <a:p>
+            <a:pPr marL="347663" marR="0" lvl="0" indent="-347663" algn="l" defTabSz="914400" rtl="0" eaLnBrk="0" fontAlgn="base" latinLnBrk="0" hangingPunct="0">
+              <a:lnSpc>
+                <a:spcPct val="100000"/>
+              </a:lnSpc>
+              <a:spcBef>
+                <a:spcPct val="0"/>
+              </a:spcBef>
+              <a:spcAft>
+                <a:spcPct val="0"/>
+              </a:spcAft>
+              <a:buClrTx/>
+              <a:buSzTx/>
+              <a:buFont typeface="Wingdings" pitchFamily="2" charset="2"/>
+              <a:buChar char="Ø"/>
+              <a:tabLst>
+                <a:tab pos="-285750" algn="l"/>
+              </a:tabLst>
+            </a:pPr>
+            <a:r>
+              <a:rPr kumimoji="0" lang="en-US" sz="2000" b="0" i="0" u="none" strike="noStrike" cap="none" normalizeH="0" baseline="0" dirty="0" smtClean="0">
+                <a:ln>
+                  <a:noFill/>
+                </a:ln>
+                <a:solidFill>
+                  <a:schemeClr val="tx1"/>
+                </a:solidFill>
+                <a:effectLst/>
+                <a:latin typeface="+mn-lt"/>
+                <a:ea typeface="Times New Roman" pitchFamily="18" charset="0"/>
+                <a:cs typeface="Times New Roman" pitchFamily="18" charset="0"/>
+              </a:rPr>
+              <a:t>D. </a:t>
+            </a:r>
+            <a:r>
+              <a:rPr kumimoji="0" lang="en-US" sz="2000" b="0" i="0" u="none" strike="noStrike" cap="none" normalizeH="0" baseline="0" dirty="0" err="1" smtClean="0">
+                <a:ln>
+                  <a:noFill/>
+                </a:ln>
+                <a:solidFill>
+                  <a:schemeClr val="tx1"/>
+                </a:solidFill>
+                <a:effectLst/>
+                <a:latin typeface="+mn-lt"/>
+                <a:ea typeface="Times New Roman" pitchFamily="18" charset="0"/>
+                <a:cs typeface="Times New Roman" pitchFamily="18" charset="0"/>
+              </a:rPr>
+              <a:t>Jindal-Snape</a:t>
+            </a:r>
+            <a:r>
+              <a:rPr kumimoji="0" lang="en-US" sz="2000" b="0" i="0" u="none" strike="noStrike" cap="none" normalizeH="0" baseline="0" dirty="0" smtClean="0">
+                <a:ln>
+                  <a:noFill/>
+                </a:ln>
+                <a:solidFill>
+                  <a:schemeClr val="tx1"/>
+                </a:solidFill>
+                <a:effectLst/>
+                <a:latin typeface="+mn-lt"/>
+                <a:ea typeface="Times New Roman" pitchFamily="18" charset="0"/>
+                <a:cs typeface="Times New Roman" pitchFamily="18" charset="0"/>
+              </a:rPr>
+              <a:t>, “Generalization and Maintenance of Social Skills of Children with Visual Impairments: Self-Evaluation and the Role of Feedback,” </a:t>
+            </a:r>
+            <a:r>
+              <a:rPr kumimoji="0" lang="en-US" sz="2000" b="0" i="1" u="none" strike="noStrike" cap="none" normalizeH="0" baseline="0" dirty="0" smtClean="0">
+                <a:ln>
+                  <a:noFill/>
+                </a:ln>
+                <a:solidFill>
+                  <a:schemeClr val="tx1"/>
+                </a:solidFill>
+                <a:effectLst/>
+                <a:latin typeface="+mn-lt"/>
+                <a:ea typeface="Times New Roman" pitchFamily="18" charset="0"/>
+                <a:cs typeface="Times New Roman" pitchFamily="18" charset="0"/>
+              </a:rPr>
+              <a:t>J. of Visual Impairment and Blindness</a:t>
+            </a:r>
+            <a:r>
+              <a:rPr kumimoji="0" lang="en-US" sz="2000" b="0" i="0" u="none" strike="noStrike" cap="none" normalizeH="0" baseline="0" dirty="0" smtClean="0">
+                <a:ln>
+                  <a:noFill/>
+                </a:ln>
+                <a:solidFill>
+                  <a:schemeClr val="tx1"/>
+                </a:solidFill>
+                <a:effectLst/>
+                <a:latin typeface="+mn-lt"/>
+                <a:ea typeface="Times New Roman" pitchFamily="18" charset="0"/>
+                <a:cs typeface="Times New Roman" pitchFamily="18" charset="0"/>
+              </a:rPr>
+              <a:t>, vol. 98, 2004, pp. 470-483.</a:t>
+            </a:r>
+          </a:p>
+          <a:p>
+            <a:pPr marL="347663" marR="0" lvl="0" indent="-347663" algn="l" defTabSz="914400" rtl="0" eaLnBrk="0" fontAlgn="base" latinLnBrk="0" hangingPunct="0">
+              <a:lnSpc>
+                <a:spcPct val="100000"/>
+              </a:lnSpc>
+              <a:spcBef>
+                <a:spcPct val="0"/>
+              </a:spcBef>
+              <a:spcAft>
+                <a:spcPct val="0"/>
+              </a:spcAft>
+              <a:buClrTx/>
+              <a:buSzTx/>
+              <a:buFont typeface="Wingdings" pitchFamily="2" charset="2"/>
+              <a:buChar char="Ø"/>
+              <a:tabLst>
+                <a:tab pos="-285750" algn="l"/>
+              </a:tabLst>
+            </a:pPr>
+            <a:endParaRPr kumimoji="0" lang="en-US" sz="2000" b="0" i="0" u="none" strike="noStrike" cap="none" normalizeH="0" baseline="0" dirty="0" smtClean="0">
+              <a:ln>
+                <a:noFill/>
+              </a:ln>
+              <a:solidFill>
+                <a:schemeClr val="tx1"/>
+              </a:solidFill>
+              <a:effectLst/>
+              <a:latin typeface="+mn-lt"/>
+            </a:endParaRPr>
+          </a:p>
+          <a:p>
+            <a:pPr marL="347663" marR="0" lvl="0" indent="-347663" algn="l" defTabSz="914400" rtl="0" eaLnBrk="0" fontAlgn="base" latinLnBrk="0" hangingPunct="0">
+              <a:lnSpc>
+                <a:spcPct val="100000"/>
+              </a:lnSpc>
+              <a:spcBef>
+                <a:spcPct val="0"/>
+              </a:spcBef>
+              <a:spcAft>
+                <a:spcPct val="0"/>
+              </a:spcAft>
+              <a:buClrTx/>
+              <a:buSzTx/>
+              <a:buFont typeface="Wingdings" pitchFamily="2" charset="2"/>
+              <a:buChar char="Ø"/>
+              <a:tabLst>
+                <a:tab pos="-285750" algn="l"/>
+              </a:tabLst>
+            </a:pPr>
+            <a:r>
+              <a:rPr kumimoji="0" lang="en-US" sz="2000" b="0" i="0" u="none" strike="noStrike" cap="none" normalizeH="0" baseline="0" dirty="0" smtClean="0">
+                <a:ln>
+                  <a:noFill/>
+                </a:ln>
+                <a:solidFill>
+                  <a:schemeClr val="tx1"/>
+                </a:solidFill>
+                <a:effectLst/>
+                <a:latin typeface="+mn-lt"/>
+                <a:ea typeface="Times New Roman" pitchFamily="18" charset="0"/>
+                <a:cs typeface="Times New Roman" pitchFamily="18" charset="0"/>
+              </a:rPr>
+              <a:t>M.L. Knapp, </a:t>
+            </a:r>
+            <a:r>
+              <a:rPr kumimoji="0" lang="en-US" sz="2000" b="0" i="1" u="none" strike="noStrike" cap="none" normalizeH="0" baseline="0" dirty="0" smtClean="0">
+                <a:ln>
+                  <a:noFill/>
+                </a:ln>
+                <a:solidFill>
+                  <a:schemeClr val="tx1"/>
+                </a:solidFill>
+                <a:effectLst/>
+                <a:latin typeface="+mn-lt"/>
+                <a:ea typeface="Times New Roman" pitchFamily="18" charset="0"/>
+                <a:cs typeface="Times New Roman" pitchFamily="18" charset="0"/>
+              </a:rPr>
+              <a:t>Nonverbal Communication in Human Interaction</a:t>
+            </a:r>
+            <a:r>
+              <a:rPr kumimoji="0" lang="en-US" sz="2000" b="0" i="0" u="none" strike="noStrike" cap="none" normalizeH="0" baseline="0" dirty="0" smtClean="0">
+                <a:ln>
+                  <a:noFill/>
+                </a:ln>
+                <a:solidFill>
+                  <a:schemeClr val="tx1"/>
+                </a:solidFill>
+                <a:effectLst/>
+                <a:latin typeface="+mn-lt"/>
+                <a:ea typeface="Times New Roman" pitchFamily="18" charset="0"/>
+                <a:cs typeface="Times New Roman" pitchFamily="18" charset="0"/>
+              </a:rPr>
+              <a:t>, Harcourt College Pub, 1996.</a:t>
+            </a:r>
+          </a:p>
+          <a:p>
+            <a:pPr marL="347663" marR="0" lvl="0" indent="-347663" algn="l" defTabSz="914400" rtl="0" eaLnBrk="0" fontAlgn="base" latinLnBrk="0" hangingPunct="0">
+              <a:lnSpc>
+                <a:spcPct val="100000"/>
+              </a:lnSpc>
+              <a:spcBef>
+                <a:spcPct val="0"/>
+              </a:spcBef>
+              <a:spcAft>
+                <a:spcPct val="0"/>
+              </a:spcAft>
+              <a:buClrTx/>
+              <a:buSzTx/>
+              <a:buFont typeface="Wingdings" pitchFamily="2" charset="2"/>
+              <a:buChar char="Ø"/>
+              <a:tabLst>
+                <a:tab pos="-285750" algn="l"/>
+              </a:tabLst>
+            </a:pPr>
+            <a:endParaRPr kumimoji="0" lang="en-US" sz="2000" b="0" i="0" u="none" strike="noStrike" cap="none" normalizeH="0" baseline="0" dirty="0" smtClean="0">
+              <a:ln>
+                <a:noFill/>
+              </a:ln>
+              <a:solidFill>
+                <a:schemeClr val="tx1"/>
+              </a:solidFill>
+              <a:effectLst/>
+              <a:latin typeface="+mn-lt"/>
+            </a:endParaRPr>
+          </a:p>
+          <a:p>
+            <a:pPr marL="347663" marR="0" lvl="0" indent="-347663" algn="l" defTabSz="914400" rtl="0" eaLnBrk="0" fontAlgn="base" latinLnBrk="0" hangingPunct="0">
+              <a:lnSpc>
+                <a:spcPct val="100000"/>
+              </a:lnSpc>
+              <a:spcBef>
+                <a:spcPct val="0"/>
+              </a:spcBef>
+              <a:spcAft>
+                <a:spcPct val="0"/>
+              </a:spcAft>
+              <a:buClrTx/>
+              <a:buSzTx/>
+              <a:buFont typeface="Wingdings" pitchFamily="2" charset="2"/>
+              <a:buChar char="Ø"/>
+              <a:tabLst>
+                <a:tab pos="-285750" algn="l"/>
+              </a:tabLst>
+            </a:pPr>
+            <a:r>
+              <a:rPr kumimoji="0" lang="en-US" sz="2000" b="0" i="0" u="none" strike="noStrike" cap="none" normalizeH="0" baseline="0" dirty="0" smtClean="0">
+                <a:ln>
+                  <a:noFill/>
+                </a:ln>
+                <a:solidFill>
+                  <a:schemeClr val="tx1"/>
+                </a:solidFill>
+                <a:effectLst/>
+                <a:latin typeface="+mn-lt"/>
+                <a:ea typeface="Times New Roman" pitchFamily="18" charset="0"/>
+                <a:cs typeface="Times New Roman" pitchFamily="18" charset="0"/>
+              </a:rPr>
+              <a:t>S. Krishna, D. </a:t>
+            </a:r>
+            <a:r>
+              <a:rPr kumimoji="0" lang="en-US" sz="2000" b="0" i="0" u="none" strike="noStrike" cap="none" normalizeH="0" baseline="0" dirty="0" err="1" smtClean="0">
+                <a:ln>
+                  <a:noFill/>
+                </a:ln>
+                <a:solidFill>
+                  <a:schemeClr val="tx1"/>
+                </a:solidFill>
+                <a:effectLst/>
+                <a:latin typeface="+mn-lt"/>
+                <a:ea typeface="Times New Roman" pitchFamily="18" charset="0"/>
+                <a:cs typeface="Times New Roman" pitchFamily="18" charset="0"/>
+              </a:rPr>
+              <a:t>Colbry</a:t>
+            </a:r>
+            <a:r>
+              <a:rPr kumimoji="0" lang="en-US" sz="2000" b="0" i="0" u="none" strike="noStrike" cap="none" normalizeH="0" baseline="0" dirty="0" smtClean="0">
+                <a:ln>
+                  <a:noFill/>
+                </a:ln>
+                <a:solidFill>
+                  <a:schemeClr val="tx1"/>
+                </a:solidFill>
+                <a:effectLst/>
+                <a:latin typeface="+mn-lt"/>
+                <a:ea typeface="Times New Roman" pitchFamily="18" charset="0"/>
+                <a:cs typeface="Times New Roman" pitchFamily="18" charset="0"/>
+              </a:rPr>
+              <a:t>, J. Black, V. </a:t>
+            </a:r>
+            <a:r>
+              <a:rPr kumimoji="0" lang="en-US" sz="2000" b="0" i="0" u="none" strike="noStrike" cap="none" normalizeH="0" baseline="0" dirty="0" err="1" smtClean="0">
+                <a:ln>
+                  <a:noFill/>
+                </a:ln>
+                <a:solidFill>
+                  <a:schemeClr val="tx1"/>
+                </a:solidFill>
+                <a:effectLst/>
+                <a:latin typeface="+mn-lt"/>
+                <a:ea typeface="Times New Roman" pitchFamily="18" charset="0"/>
+                <a:cs typeface="Times New Roman" pitchFamily="18" charset="0"/>
+              </a:rPr>
+              <a:t>Balasubramanian</a:t>
+            </a:r>
+            <a:r>
+              <a:rPr kumimoji="0" lang="en-US" sz="2000" b="0" i="0" u="none" strike="noStrike" cap="none" normalizeH="0" baseline="0" dirty="0" smtClean="0">
+                <a:ln>
+                  <a:noFill/>
+                </a:ln>
+                <a:solidFill>
+                  <a:schemeClr val="tx1"/>
+                </a:solidFill>
+                <a:effectLst/>
+                <a:latin typeface="+mn-lt"/>
+                <a:ea typeface="Times New Roman" pitchFamily="18" charset="0"/>
+                <a:cs typeface="Times New Roman" pitchFamily="18" charset="0"/>
+              </a:rPr>
+              <a:t>, and S. </a:t>
+            </a:r>
+            <a:r>
+              <a:rPr kumimoji="0" lang="en-US" sz="2000" b="0" i="0" u="none" strike="noStrike" cap="none" normalizeH="0" baseline="0" dirty="0" err="1" smtClean="0">
+                <a:ln>
+                  <a:noFill/>
+                </a:ln>
+                <a:solidFill>
+                  <a:schemeClr val="tx1"/>
+                </a:solidFill>
+                <a:effectLst/>
+                <a:latin typeface="+mn-lt"/>
+                <a:ea typeface="Times New Roman" pitchFamily="18" charset="0"/>
+                <a:cs typeface="Times New Roman" pitchFamily="18" charset="0"/>
+              </a:rPr>
+              <a:t>Panchanathan</a:t>
+            </a:r>
+            <a:r>
+              <a:rPr kumimoji="0" lang="en-US" sz="2000" b="0" i="0" u="none" strike="noStrike" cap="none" normalizeH="0" baseline="0" dirty="0" smtClean="0">
+                <a:ln>
+                  <a:noFill/>
+                </a:ln>
+                <a:solidFill>
+                  <a:schemeClr val="tx1"/>
+                </a:solidFill>
+                <a:effectLst/>
+                <a:latin typeface="+mn-lt"/>
+                <a:ea typeface="Times New Roman" pitchFamily="18" charset="0"/>
+                <a:cs typeface="Times New Roman" pitchFamily="18" charset="0"/>
+              </a:rPr>
+              <a:t>, “A Systematic Requirements Analysis and Development of an Assistive Device to Enhance the Social Interaction of People Who are Blind or Visually Impaired,” </a:t>
+            </a:r>
+            <a:r>
+              <a:rPr kumimoji="0" lang="en-US" sz="2000" b="0" i="1" u="none" strike="noStrike" cap="none" normalizeH="0" baseline="0" dirty="0" smtClean="0">
+                <a:ln>
+                  <a:noFill/>
+                </a:ln>
+                <a:solidFill>
+                  <a:schemeClr val="tx1"/>
+                </a:solidFill>
+                <a:effectLst/>
+                <a:latin typeface="+mn-lt"/>
+                <a:ea typeface="Times New Roman" pitchFamily="18" charset="0"/>
+                <a:cs typeface="Times New Roman" pitchFamily="18" charset="0"/>
+              </a:rPr>
+              <a:t>Workshop on Computer Vision Applications for the Visually Impaired (CVAVI 08), ECCV 2008</a:t>
+            </a:r>
+            <a:r>
+              <a:rPr kumimoji="0" lang="en-US" sz="2000" b="0" i="0" u="none" strike="noStrike" cap="none" normalizeH="0" baseline="0" dirty="0" smtClean="0">
+                <a:ln>
+                  <a:noFill/>
+                </a:ln>
+                <a:solidFill>
+                  <a:schemeClr val="tx1"/>
+                </a:solidFill>
+                <a:effectLst/>
+                <a:latin typeface="+mn-lt"/>
+                <a:ea typeface="Times New Roman" pitchFamily="18" charset="0"/>
+                <a:cs typeface="Times New Roman" pitchFamily="18" charset="0"/>
+              </a:rPr>
+              <a:t>.</a:t>
+            </a:r>
+          </a:p>
+          <a:p>
+            <a:pPr marL="347663" marR="0" lvl="0" indent="-347663" algn="l" defTabSz="914400" rtl="0" eaLnBrk="0" fontAlgn="base" latinLnBrk="0" hangingPunct="0">
+              <a:lnSpc>
+                <a:spcPct val="100000"/>
+              </a:lnSpc>
+              <a:spcBef>
+                <a:spcPct val="0"/>
+              </a:spcBef>
+              <a:spcAft>
+                <a:spcPct val="0"/>
+              </a:spcAft>
+              <a:buClrTx/>
+              <a:buSzTx/>
+              <a:buFont typeface="Wingdings" pitchFamily="2" charset="2"/>
+              <a:buChar char="Ø"/>
+              <a:tabLst>
+                <a:tab pos="-285750" algn="l"/>
+              </a:tabLst>
+            </a:pPr>
+            <a:endParaRPr kumimoji="0" lang="en-US" sz="2000" b="0" i="0" u="none" strike="noStrike" cap="none" normalizeH="0" baseline="0" dirty="0" smtClean="0">
+              <a:ln>
+                <a:noFill/>
+              </a:ln>
+              <a:solidFill>
+                <a:schemeClr val="tx1"/>
+              </a:solidFill>
+              <a:effectLst/>
+              <a:latin typeface="+mn-lt"/>
+            </a:endParaRPr>
+          </a:p>
+          <a:p>
+            <a:pPr marL="347663" marR="0" lvl="0" indent="-347663" algn="l" defTabSz="914400" rtl="0" eaLnBrk="0" fontAlgn="base" latinLnBrk="0" hangingPunct="0">
+              <a:lnSpc>
+                <a:spcPct val="100000"/>
+              </a:lnSpc>
+              <a:spcBef>
+                <a:spcPct val="0"/>
+              </a:spcBef>
+              <a:spcAft>
+                <a:spcPct val="0"/>
+              </a:spcAft>
+              <a:buClrTx/>
+              <a:buSzTx/>
+              <a:buFont typeface="Wingdings" pitchFamily="2" charset="2"/>
+              <a:buChar char="Ø"/>
+              <a:tabLst>
+                <a:tab pos="-285750" algn="l"/>
+              </a:tabLst>
+            </a:pPr>
+            <a:r>
+              <a:rPr kumimoji="0" lang="en-US" sz="2000" b="0" i="0" u="none" strike="noStrike" cap="none" normalizeH="0" baseline="0" dirty="0" smtClean="0">
+                <a:ln>
+                  <a:noFill/>
+                </a:ln>
+                <a:solidFill>
+                  <a:schemeClr val="tx1"/>
+                </a:solidFill>
+                <a:effectLst/>
+                <a:latin typeface="+mn-lt"/>
+                <a:ea typeface="Times New Roman" pitchFamily="18" charset="0"/>
+                <a:cs typeface="Times New Roman" pitchFamily="18" charset="0"/>
+              </a:rPr>
+              <a:t>S. Krishna, N.C. Krishnan, and S. </a:t>
+            </a:r>
+            <a:r>
+              <a:rPr kumimoji="0" lang="en-US" sz="2000" b="0" i="0" u="none" strike="noStrike" cap="none" normalizeH="0" baseline="0" dirty="0" err="1" smtClean="0">
+                <a:ln>
+                  <a:noFill/>
+                </a:ln>
+                <a:solidFill>
+                  <a:schemeClr val="tx1"/>
+                </a:solidFill>
+                <a:effectLst/>
+                <a:latin typeface="+mn-lt"/>
+                <a:ea typeface="Times New Roman" pitchFamily="18" charset="0"/>
+                <a:cs typeface="Times New Roman" pitchFamily="18" charset="0"/>
+              </a:rPr>
+              <a:t>Panchanathan</a:t>
+            </a:r>
+            <a:r>
+              <a:rPr kumimoji="0" lang="en-US" sz="2000" b="0" i="0" u="none" strike="noStrike" cap="none" normalizeH="0" baseline="0" dirty="0" smtClean="0">
+                <a:ln>
+                  <a:noFill/>
+                </a:ln>
+                <a:solidFill>
+                  <a:schemeClr val="tx1"/>
+                </a:solidFill>
+                <a:effectLst/>
+                <a:latin typeface="+mn-lt"/>
+                <a:ea typeface="Times New Roman" pitchFamily="18" charset="0"/>
+                <a:cs typeface="Times New Roman" pitchFamily="18" charset="0"/>
+              </a:rPr>
+              <a:t>, “Detecting Stereotype Body Rocking Behavior through Embodied Motion Sensors,” </a:t>
+            </a:r>
+            <a:r>
+              <a:rPr kumimoji="0" lang="en-US" sz="2000" b="0" i="1" u="none" strike="noStrike" cap="none" normalizeH="0" baseline="0" dirty="0" smtClean="0">
+                <a:ln>
+                  <a:noFill/>
+                </a:ln>
+                <a:solidFill>
+                  <a:schemeClr val="tx1"/>
+                </a:solidFill>
+                <a:effectLst/>
+                <a:latin typeface="+mn-lt"/>
+                <a:ea typeface="Times New Roman" pitchFamily="18" charset="0"/>
+                <a:cs typeface="Times New Roman" pitchFamily="18" charset="0"/>
+              </a:rPr>
+              <a:t>Annual RESNA Conference</a:t>
+            </a:r>
+            <a:r>
+              <a:rPr kumimoji="0" lang="en-US" sz="2000" b="0" i="0" u="none" strike="noStrike" cap="none" normalizeH="0" baseline="0" dirty="0" smtClean="0">
+                <a:ln>
+                  <a:noFill/>
+                </a:ln>
+                <a:solidFill>
+                  <a:schemeClr val="tx1"/>
+                </a:solidFill>
+                <a:effectLst/>
+                <a:latin typeface="+mn-lt"/>
+                <a:ea typeface="Times New Roman" pitchFamily="18" charset="0"/>
+                <a:cs typeface="Times New Roman" pitchFamily="18" charset="0"/>
+              </a:rPr>
+              <a:t>, 2009.</a:t>
+            </a:r>
+          </a:p>
+          <a:p>
+            <a:pPr marL="347663" marR="0" lvl="0" indent="-347663" algn="l" defTabSz="914400" rtl="0" eaLnBrk="0" fontAlgn="base" latinLnBrk="0" hangingPunct="0">
+              <a:lnSpc>
+                <a:spcPct val="100000"/>
+              </a:lnSpc>
+              <a:spcBef>
+                <a:spcPct val="0"/>
+              </a:spcBef>
+              <a:spcAft>
+                <a:spcPct val="0"/>
+              </a:spcAft>
+              <a:buClrTx/>
+              <a:buSzTx/>
+              <a:buFont typeface="Wingdings" pitchFamily="2" charset="2"/>
+              <a:buChar char="Ø"/>
+              <a:tabLst>
+                <a:tab pos="-285750" algn="l"/>
+              </a:tabLst>
+            </a:pPr>
+            <a:endParaRPr kumimoji="0" lang="en-US" sz="2000" b="0" i="0" u="none" strike="noStrike" cap="none" normalizeH="0" baseline="0" dirty="0" smtClean="0">
+              <a:ln>
+                <a:noFill/>
+              </a:ln>
+              <a:solidFill>
+                <a:schemeClr val="tx1"/>
+              </a:solidFill>
+              <a:effectLst/>
+              <a:latin typeface="+mn-lt"/>
+            </a:endParaRPr>
+          </a:p>
+          <a:p>
+            <a:pPr marL="347663" marR="0" lvl="0" indent="-347663" algn="l" defTabSz="914400" rtl="0" eaLnBrk="0" fontAlgn="base" latinLnBrk="0" hangingPunct="0">
+              <a:lnSpc>
+                <a:spcPct val="100000"/>
+              </a:lnSpc>
+              <a:spcBef>
+                <a:spcPct val="0"/>
+              </a:spcBef>
+              <a:spcAft>
+                <a:spcPct val="0"/>
+              </a:spcAft>
+              <a:buClrTx/>
+              <a:buSzTx/>
+              <a:buFont typeface="Wingdings" pitchFamily="2" charset="2"/>
+              <a:buChar char="Ø"/>
+              <a:tabLst>
+                <a:tab pos="-285750" algn="l"/>
+              </a:tabLst>
+            </a:pPr>
+            <a:r>
+              <a:rPr kumimoji="0" lang="en-US" sz="2000" b="0" i="0" u="none" strike="noStrike" cap="none" normalizeH="0" baseline="0" dirty="0" smtClean="0">
+                <a:ln>
+                  <a:noFill/>
+                </a:ln>
+                <a:solidFill>
+                  <a:schemeClr val="tx1"/>
+                </a:solidFill>
+                <a:effectLst/>
+                <a:latin typeface="+mn-lt"/>
+                <a:ea typeface="Times New Roman" pitchFamily="18" charset="0"/>
+                <a:cs typeface="Times New Roman" pitchFamily="18" charset="0"/>
+              </a:rPr>
+              <a:t>S. </a:t>
+            </a:r>
+            <a:r>
+              <a:rPr kumimoji="0" lang="en-US" sz="2000" b="0" i="0" u="none" strike="noStrike" cap="none" normalizeH="0" baseline="0" dirty="0" err="1" smtClean="0">
+                <a:ln>
+                  <a:noFill/>
+                </a:ln>
+                <a:solidFill>
+                  <a:schemeClr val="tx1"/>
+                </a:solidFill>
+                <a:effectLst/>
+                <a:latin typeface="+mn-lt"/>
+                <a:ea typeface="Times New Roman" pitchFamily="18" charset="0"/>
+                <a:cs typeface="Times New Roman" pitchFamily="18" charset="0"/>
+              </a:rPr>
+              <a:t>Rehman</a:t>
+            </a:r>
+            <a:r>
+              <a:rPr kumimoji="0" lang="en-US" sz="2000" b="0" i="0" u="none" strike="noStrike" cap="none" normalizeH="0" baseline="0" dirty="0" smtClean="0">
+                <a:ln>
+                  <a:noFill/>
+                </a:ln>
+                <a:solidFill>
+                  <a:schemeClr val="tx1"/>
+                </a:solidFill>
+                <a:effectLst/>
+                <a:latin typeface="+mn-lt"/>
+                <a:ea typeface="Times New Roman" pitchFamily="18" charset="0"/>
+                <a:cs typeface="Times New Roman" pitchFamily="18" charset="0"/>
+              </a:rPr>
+              <a:t>, L. Liu, and H. Li, “</a:t>
+            </a:r>
+            <a:r>
+              <a:rPr kumimoji="0" lang="en-US" sz="2000" b="0" i="0" u="none" strike="noStrike" cap="none" normalizeH="0" baseline="0" dirty="0" err="1" smtClean="0">
+                <a:ln>
+                  <a:noFill/>
+                </a:ln>
+                <a:solidFill>
+                  <a:schemeClr val="tx1"/>
+                </a:solidFill>
+                <a:effectLst/>
+                <a:latin typeface="+mn-lt"/>
+                <a:ea typeface="Times New Roman" pitchFamily="18" charset="0"/>
+                <a:cs typeface="Times New Roman" pitchFamily="18" charset="0"/>
+              </a:rPr>
+              <a:t>Vibrotactile</a:t>
+            </a:r>
+            <a:r>
+              <a:rPr kumimoji="0" lang="en-US" sz="2000" b="0" i="0" u="none" strike="noStrike" cap="none" normalizeH="0" baseline="0" dirty="0" smtClean="0">
+                <a:ln>
+                  <a:noFill/>
+                </a:ln>
+                <a:solidFill>
+                  <a:schemeClr val="tx1"/>
+                </a:solidFill>
+                <a:effectLst/>
+                <a:latin typeface="+mn-lt"/>
+                <a:ea typeface="Times New Roman" pitchFamily="18" charset="0"/>
+                <a:cs typeface="Times New Roman" pitchFamily="18" charset="0"/>
+              </a:rPr>
+              <a:t> Rendering of Human Emotions on the Manifold of Facial Expressions,” </a:t>
+            </a:r>
+            <a:r>
+              <a:rPr kumimoji="0" lang="en-US" sz="2000" b="0" i="1" u="none" strike="noStrike" cap="none" normalizeH="0" baseline="0" dirty="0" smtClean="0">
+                <a:ln>
+                  <a:noFill/>
+                </a:ln>
+                <a:solidFill>
+                  <a:schemeClr val="tx1"/>
+                </a:solidFill>
+                <a:effectLst/>
+                <a:latin typeface="+mn-lt"/>
+                <a:ea typeface="Times New Roman" pitchFamily="18" charset="0"/>
+                <a:cs typeface="Times New Roman" pitchFamily="18" charset="0"/>
+              </a:rPr>
+              <a:t>J. of Multimedia</a:t>
+            </a:r>
+            <a:r>
+              <a:rPr kumimoji="0" lang="en-US" sz="2000" b="0" i="0" u="none" strike="noStrike" cap="none" normalizeH="0" baseline="0" dirty="0" smtClean="0">
+                <a:ln>
+                  <a:noFill/>
+                </a:ln>
+                <a:solidFill>
+                  <a:schemeClr val="tx1"/>
+                </a:solidFill>
+                <a:effectLst/>
+                <a:latin typeface="+mn-lt"/>
+                <a:ea typeface="Times New Roman" pitchFamily="18" charset="0"/>
+                <a:cs typeface="Times New Roman" pitchFamily="18" charset="0"/>
+              </a:rPr>
+              <a:t>, vol. 3, 2008, pp. 18-25.</a:t>
+            </a:r>
+          </a:p>
+          <a:p>
+            <a:pPr marL="347663" marR="0" lvl="0" indent="-347663" algn="l" defTabSz="914400" rtl="0" eaLnBrk="0" fontAlgn="base" latinLnBrk="0" hangingPunct="0">
+              <a:lnSpc>
+                <a:spcPct val="100000"/>
+              </a:lnSpc>
+              <a:spcBef>
+                <a:spcPct val="0"/>
+              </a:spcBef>
+              <a:spcAft>
+                <a:spcPct val="0"/>
+              </a:spcAft>
+              <a:buClrTx/>
+              <a:buSzTx/>
+              <a:buFont typeface="Wingdings" pitchFamily="2" charset="2"/>
+              <a:buChar char="Ø"/>
+              <a:tabLst>
+                <a:tab pos="-285750" algn="l"/>
+              </a:tabLst>
+            </a:pPr>
+            <a:endParaRPr kumimoji="0" lang="en-US" sz="2000" b="0" i="0" u="none" strike="noStrike" cap="none" normalizeH="0" baseline="0" dirty="0" smtClean="0">
+              <a:ln>
+                <a:noFill/>
+              </a:ln>
+              <a:solidFill>
+                <a:schemeClr val="tx1"/>
+              </a:solidFill>
+              <a:effectLst/>
+              <a:latin typeface="+mn-lt"/>
+              <a:ea typeface="Times New Roman" pitchFamily="18" charset="0"/>
+              <a:cs typeface="Times New Roman" pitchFamily="18" charset="0"/>
+            </a:endParaRPr>
+          </a:p>
+          <a:p>
+            <a:pPr marL="347663" lvl="0" indent="-347663">
+              <a:buFont typeface="Wingdings" pitchFamily="2" charset="2"/>
+              <a:buChar char="Ø"/>
+              <a:tabLst>
+                <a:tab pos="-285750" algn="l"/>
+              </a:tabLst>
+            </a:pPr>
+            <a:r>
+              <a:rPr lang="en-US" sz="2000" dirty="0" smtClean="0">
+                <a:latin typeface="+mn-lt"/>
+              </a:rPr>
+              <a:t>K</a:t>
+            </a:r>
+            <a:r>
+              <a:rPr lang="en-US" sz="2000" dirty="0" smtClean="0">
+                <a:latin typeface="+mn-lt"/>
+              </a:rPr>
+              <a:t>. Shinohara and J. </a:t>
+            </a:r>
+            <a:r>
+              <a:rPr lang="en-US" sz="2000" dirty="0" err="1" smtClean="0">
+                <a:latin typeface="+mn-lt"/>
+              </a:rPr>
+              <a:t>Tenenberg</a:t>
+            </a:r>
+            <a:r>
+              <a:rPr lang="en-US" sz="2000" dirty="0" smtClean="0">
+                <a:latin typeface="+mn-lt"/>
+              </a:rPr>
+              <a:t>, “A blind person's interactions with technology,” </a:t>
+            </a:r>
+            <a:r>
+              <a:rPr lang="en-US" sz="2000" i="1" dirty="0" err="1" smtClean="0">
+                <a:latin typeface="+mn-lt"/>
+              </a:rPr>
+              <a:t>Commun</a:t>
+            </a:r>
+            <a:r>
+              <a:rPr lang="en-US" sz="2000" i="1" dirty="0" smtClean="0">
+                <a:latin typeface="+mn-lt"/>
+              </a:rPr>
+              <a:t>. ACM</a:t>
+            </a:r>
+            <a:r>
+              <a:rPr lang="en-US" sz="2000" dirty="0" smtClean="0">
+                <a:latin typeface="+mn-lt"/>
+              </a:rPr>
+              <a:t>, vol. 52, 2009, pp. 58-66.</a:t>
+            </a:r>
+            <a:endParaRPr kumimoji="0" lang="en-US" sz="2000" b="0" i="0" u="none" strike="noStrike" cap="none" normalizeH="0" baseline="0" dirty="0" smtClean="0">
+              <a:ln>
+                <a:noFill/>
+              </a:ln>
+              <a:solidFill>
+                <a:schemeClr val="tx1"/>
+              </a:solidFill>
+              <a:effectLst/>
+              <a:latin typeface="+mn-lt"/>
+              <a:ea typeface="Times New Roman" pitchFamily="18" charset="0"/>
+              <a:cs typeface="Times New Roman" pitchFamily="18" charset="0"/>
+            </a:endParaRPr>
           </a:p>
         </p:txBody>
       </p:sp>

--- a/trunk/ haptic-glove --username sreekar/CHi 2010/CHI WiP Poster.pptx
+++ b/trunk/ haptic-glove --username sreekar/CHi 2010/CHI WiP Poster.pptx
@@ -5175,7 +5175,52 @@
                 </a:solidFill>
                 <a:cs typeface="Times New Roman" pitchFamily="18" charset="0"/>
               </a:rPr>
-              <a:t> , Shantanu Bala, Stephen McGuire, Troy McDaniel &amp;Sethuraman Panchanathan</a:t>
+              <a:t> , Shantanu Bala, </a:t>
+            </a:r>
+            <a:r>
+              <a:rPr lang="en-US" sz="3600" b="1" dirty="0" smtClean="0">
+                <a:solidFill>
+                  <a:srgbClr val="000000"/>
+                </a:solidFill>
+                <a:cs typeface="Times New Roman" pitchFamily="18" charset="0"/>
+              </a:rPr>
+              <a:t>Troy </a:t>
+            </a:r>
+            <a:r>
+              <a:rPr lang="en-US" sz="3600" b="1" dirty="0" smtClean="0">
+                <a:solidFill>
+                  <a:srgbClr val="000000"/>
+                </a:solidFill>
+                <a:cs typeface="Times New Roman" pitchFamily="18" charset="0"/>
+              </a:rPr>
+              <a:t>McDaniel, </a:t>
+            </a:r>
+            <a:r>
+              <a:rPr lang="en-US" sz="3600" b="1" dirty="0" smtClean="0">
+                <a:solidFill>
+                  <a:srgbClr val="000000"/>
+                </a:solidFill>
+                <a:cs typeface="Times New Roman" pitchFamily="18" charset="0"/>
+              </a:rPr>
+              <a:t>Stephen </a:t>
+            </a:r>
+            <a:r>
+              <a:rPr lang="en-US" sz="3600" b="1" dirty="0" smtClean="0">
+                <a:solidFill>
+                  <a:srgbClr val="000000"/>
+                </a:solidFill>
+                <a:cs typeface="Times New Roman" pitchFamily="18" charset="0"/>
+              </a:rPr>
+              <a:t>McGuire </a:t>
+            </a:r>
+            <a:r>
+              <a:rPr lang="en-US" sz="3600" b="1" dirty="0" smtClean="0">
+                <a:solidFill>
+                  <a:srgbClr val="000000"/>
+                </a:solidFill>
+                <a:cs typeface="Times New Roman" pitchFamily="18" charset="0"/>
+              </a:rPr>
+              <a:t>&amp;Sethuraman Panchanathan</a:t>
             </a:r>
           </a:p>
         </p:txBody>
@@ -5796,7 +5841,15 @@
             </a:pPr>
             <a:r>
               <a:rPr lang="en-US" sz="2800" dirty="0" smtClean="0"/>
-              <a:t>Major portion of social interactions happen through non-verbal cues, especially visual cues.</a:t>
+              <a:t>Major portion of social interactions happen through non-verbal cues, especially visual </a:t>
+            </a:r>
+            <a:r>
+              <a:rPr lang="en-US" sz="2800" dirty="0" smtClean="0"/>
+              <a:t>non-verbal cues</a:t>
+            </a:r>
+            <a:r>
+              <a:rPr lang="en-US" sz="2800" dirty="0" smtClean="0"/>
+              <a:t>.</a:t>
             </a:r>
           </a:p>
           <a:p>
@@ -6170,15 +6223,7 @@
             <a:pPr algn="ctr"/>
             <a:r>
               <a:rPr lang="en-US" sz="4800" b="1" dirty="0" smtClean="0"/>
-              <a:t>Contact </a:t>
-            </a:r>
-            <a:r>
-              <a:rPr lang="en-US" sz="4800" b="1" dirty="0" smtClean="0"/>
-              <a:t>Info. </a:t>
-            </a:r>
-            <a:r>
-              <a:rPr lang="en-US" sz="4800" b="1" dirty="0" smtClean="0"/>
-              <a:t>&amp; Brochure</a:t>
+              <a:t>Contact Info. &amp; Brochure</a:t>
             </a:r>
             <a:endParaRPr lang="en-US" sz="4800" b="1" dirty="0"/>
           </a:p>
@@ -7045,7 +7090,15 @@
             <a:pPr algn="ctr"/>
             <a:r>
               <a:rPr lang="en-US" sz="1800" dirty="0" smtClean="0"/>
-              <a:t>Based on two open ended focus groups conducted with persons with visual impairment</a:t>
+              <a:t>Based on two open ended focus groups conducted with persons </a:t>
+            </a:r>
+            <a:r>
+              <a:rPr lang="en-US" sz="1800" dirty="0" smtClean="0"/>
+              <a:t>having visual </a:t>
+            </a:r>
+            <a:r>
+              <a:rPr lang="en-US" sz="1800" dirty="0" smtClean="0"/>
+              <a:t>impairment</a:t>
             </a:r>
             <a:endParaRPr lang="en-US" sz="1800" dirty="0"/>
           </a:p>
@@ -7116,7 +7169,23 @@
             <a:pPr algn="ctr"/>
             <a:r>
               <a:rPr lang="en-US" sz="1800" dirty="0" smtClean="0"/>
-              <a:t>Based on online web survey conducted with 16 persons who are blind, 9 with low vision and 2 sighted specialists in the area of visual impairment</a:t>
+              <a:t>Based on </a:t>
+            </a:r>
+            <a:r>
+              <a:rPr lang="en-US" sz="1800" dirty="0" smtClean="0"/>
+              <a:t> an online </a:t>
+            </a:r>
+            <a:r>
+              <a:rPr lang="en-US" sz="1800" dirty="0" smtClean="0"/>
+              <a:t>web survey conducted with 16 persons who </a:t>
+            </a:r>
+            <a:r>
+              <a:rPr lang="en-US" sz="1800" dirty="0" smtClean="0"/>
+              <a:t>were blind</a:t>
+            </a:r>
+            <a:r>
+              <a:rPr lang="en-US" sz="1800" dirty="0" smtClean="0"/>
+              <a:t>, 9 with low vision and 2 sighted specialists in the area of visual impairment</a:t>
             </a:r>
             <a:endParaRPr lang="en-US" sz="1800" dirty="0"/>
           </a:p>
@@ -8303,7 +8372,15 @@
             </a:pPr>
             <a:r>
               <a:rPr lang="en-US" dirty="0" smtClean="0"/>
-              <a:t>In the target population there is a strong growing </a:t>
+              <a:t>In the target </a:t>
+            </a:r>
+            <a:r>
+              <a:rPr lang="en-US" dirty="0" smtClean="0"/>
+              <a:t>population, </a:t>
+            </a:r>
+            <a:r>
+              <a:rPr lang="en-US" dirty="0" smtClean="0"/>
+              <a:t>there is a strong growing </a:t>
             </a:r>
             <a:r>
               <a:rPr lang="en-US" u="sng" dirty="0" smtClean="0"/>
@@ -8333,11 +8410,19 @@
             </a:r>
             <a:r>
               <a:rPr lang="en-US" u="sng" dirty="0" smtClean="0"/>
-              <a:t> cueing on the back of palm</a:t>
+              <a:t> cueing on the back of </a:t>
+            </a:r>
+            <a:r>
+              <a:rPr lang="en-US" u="sng" dirty="0" smtClean="0"/>
+              <a:t>the palm</a:t>
             </a:r>
             <a:r>
               <a:rPr lang="en-US" dirty="0" smtClean="0"/>
-              <a:t> (hand has a large representation in the </a:t>
+              <a:t> </a:t>
+            </a:r>
+            <a:r>
+              <a:rPr lang="en-US" dirty="0" smtClean="0"/>
+              <a:t>(hand has a large representation in the </a:t>
             </a:r>
             <a:r>
               <a:rPr lang="en-US" dirty="0" err="1" smtClean="0"/>
@@ -8345,11 +8430,15 @@
             </a:r>
             <a:r>
               <a:rPr lang="en-US" dirty="0" smtClean="0"/>
-              <a:t> cortex of the brain) to be versatile and </a:t>
+              <a:t> cortex of the </a:t>
             </a:r>
             <a:r>
               <a:rPr lang="en-US" dirty="0" smtClean="0"/>
-              <a:t>unobtrusive</a:t>
+              <a:t>brain; see the homunculus) </a:t>
+            </a:r>
+            <a:r>
+              <a:rPr lang="en-US" dirty="0" smtClean="0"/>
+              <a:t>to be versatile and unobtrusive</a:t>
             </a:r>
             <a:endParaRPr lang="en-US" sz="2800" dirty="0"/>
           </a:p>
@@ -8392,21 +8481,8 @@
           <a:p>
             <a:r>
               <a:rPr lang="en-US" dirty="0" smtClean="0"/>
-              <a:t>Primarily </a:t>
-            </a:r>
-            <a:r>
-              <a:rPr lang="en-US" dirty="0" smtClean="0"/>
-              <a:t>represent popular emoticons that are in wide use within the Instant Messaging community. </a:t>
-            </a:r>
-            <a:r>
-              <a:rPr lang="en-US" dirty="0" smtClean="0"/>
-              <a:t>These </a:t>
-            </a:r>
-            <a:r>
-              <a:rPr lang="en-US" dirty="0" smtClean="0"/>
-              <a:t>icons mostly model the shape of the mouth. </a:t>
-            </a:r>
-            <a:endParaRPr lang="en-US" dirty="0" smtClean="0"/>
+              <a:t>Primarily represent popular emoticons that are in wide use within the Instant Messaging community. These icons mostly model the shape of the mouth. </a:t>
+            </a:r>
           </a:p>
           <a:p>
             <a:pPr marL="457200" indent="-457200">
@@ -8418,11 +8494,7 @@
             </a:r>
             <a:r>
               <a:rPr lang="en-US" dirty="0" smtClean="0"/>
-              <a:t> , 2</a:t>
-            </a:r>
-            <a:r>
-              <a:rPr lang="en-US" dirty="0" smtClean="0"/>
-              <a:t>) </a:t>
+              <a:t> , 2) </a:t>
             </a:r>
             <a:r>
               <a:rPr lang="en-US" i="1" dirty="0" smtClean="0"/>
@@ -8430,11 +8502,7 @@
             </a:r>
             <a:r>
               <a:rPr lang="en-US" dirty="0" smtClean="0"/>
-              <a:t>, </a:t>
-            </a:r>
-            <a:r>
-              <a:rPr lang="en-US" dirty="0" smtClean="0"/>
-              <a:t>3) </a:t>
+              <a:t>, 3) </a:t>
             </a:r>
             <a:r>
               <a:rPr lang="en-US" i="1" dirty="0" smtClean="0"/>
@@ -8442,15 +8510,7 @@
             </a:r>
             <a:r>
               <a:rPr lang="en-US" dirty="0" smtClean="0"/>
-              <a:t> </a:t>
-            </a:r>
-            <a:r>
-              <a:rPr lang="en-US" dirty="0" smtClean="0"/>
-              <a:t>, and 4</a:t>
-            </a:r>
-            <a:r>
-              <a:rPr lang="en-US" dirty="0" smtClean="0"/>
-              <a:t>) </a:t>
+              <a:t> , and 4) </a:t>
             </a:r>
             <a:r>
               <a:rPr lang="en-US" i="1" dirty="0" smtClean="0"/>
@@ -8483,15 +8543,7 @@
           <a:p>
             <a:r>
               <a:rPr lang="en-US" dirty="0" smtClean="0"/>
-              <a:t>Anger</a:t>
-            </a:r>
-            <a:r>
-              <a:rPr lang="en-US" dirty="0" smtClean="0"/>
-              <a:t>, Fear and Disgust cannot be conveyed through the mouth appearance alone. </a:t>
-            </a:r>
-            <a:r>
-              <a:rPr lang="en-US" dirty="0" smtClean="0"/>
-              <a:t>Here the </a:t>
+              <a:t>Anger, Fear and Disgust cannot be conveyed through the mouth appearance alone. Here the </a:t>
             </a:r>
             <a:r>
               <a:rPr lang="en-US" dirty="0" err="1" smtClean="0"/>
@@ -8499,29 +8551,8 @@
             </a:r>
             <a:r>
               <a:rPr lang="en-US" dirty="0" smtClean="0"/>
-              <a:t> </a:t>
-            </a:r>
-            <a:r>
-              <a:rPr lang="en-US" dirty="0" smtClean="0"/>
-              <a:t>patterns </a:t>
-            </a:r>
-            <a:r>
-              <a:rPr lang="en-US" dirty="0" smtClean="0"/>
-              <a:t>are </a:t>
-            </a:r>
-            <a:r>
-              <a:rPr lang="en-US" dirty="0" smtClean="0"/>
-              <a:t>unique from </a:t>
-            </a:r>
-            <a:r>
-              <a:rPr lang="en-US" dirty="0" smtClean="0"/>
-              <a:t>Group </a:t>
-            </a:r>
-            <a:r>
-              <a:rPr lang="en-US" dirty="0" smtClean="0"/>
-              <a:t>1, while keeping in mind a need to represent the underlying expression in question. </a:t>
-            </a:r>
-            <a:endParaRPr lang="en-US" dirty="0" smtClean="0"/>
+              <a:t> patterns are unique from Group 1, while keeping in mind a need to represent the underlying expression in question. </a:t>
+            </a:r>
           </a:p>
           <a:p>
             <a:pPr marL="457200" indent="-457200">
@@ -8537,17 +8568,20 @@
             </a:r>
             <a:r>
               <a:rPr lang="en-US" dirty="0" smtClean="0"/>
-              <a:t>is </a:t>
+              <a:t>represents </a:t>
             </a:r>
             <a:r>
               <a:rPr lang="en-US" dirty="0" smtClean="0"/>
-              <a:t>representing </a:t>
+              <a:t>an open mouth showing </a:t>
             </a:r>
             <a:r>
               <a:rPr lang="en-US" dirty="0" smtClean="0"/>
-              <a:t>an open mouth showing its teeth during an expression of anger; </a:t>
-            </a:r>
-            <a:endParaRPr lang="en-US" dirty="0" smtClean="0"/>
+              <a:t>teeth </a:t>
+            </a:r>
+            <a:r>
+              <a:rPr lang="en-US" dirty="0" smtClean="0"/>
+              <a:t>during an expression of anger; </a:t>
+            </a:r>
           </a:p>
           <a:p>
             <a:pPr marL="457200" indent="-457200">
@@ -8559,21 +8593,8 @@
             </a:r>
             <a:r>
               <a:rPr lang="en-US" dirty="0" smtClean="0"/>
-              <a:t> </a:t>
-            </a:r>
-            <a:r>
-              <a:rPr lang="en-US" dirty="0" smtClean="0"/>
-              <a:t>is </a:t>
-            </a:r>
-            <a:r>
-              <a:rPr lang="en-US" dirty="0" smtClean="0"/>
-              <a:t>three </a:t>
-            </a:r>
-            <a:r>
-              <a:rPr lang="en-US" dirty="0" smtClean="0"/>
-              <a:t>quick successive vibration sequences representing a fast emotional response that people show towards fear, and </a:t>
-            </a:r>
-            <a:endParaRPr lang="en-US" dirty="0" smtClean="0"/>
+              <a:t> is three quick successive vibration sequences representing a fast emotional response that people show towards fear, and </a:t>
+            </a:r>
           </a:p>
           <a:p>
             <a:pPr marL="457200" indent="-457200">
@@ -8585,11 +8606,7 @@
             </a:r>
             <a:r>
               <a:rPr lang="en-US" dirty="0" smtClean="0"/>
-              <a:t> corresponds </a:t>
-            </a:r>
-            <a:r>
-              <a:rPr lang="en-US" dirty="0" smtClean="0"/>
-              <a:t>to a slightly opened mouth during the display of disgust.</a:t>
+              <a:t> corresponds to a slightly opened mouth during the display of disgust.</a:t>
             </a:r>
             <a:endParaRPr lang="en-US" dirty="0"/>
           </a:p>
@@ -8733,7 +8750,7 @@
         </p:nvSpPr>
         <p:spPr>
           <a:xfrm>
-            <a:off x="28422600" y="5410200"/>
+            <a:off x="28727400" y="5410200"/>
             <a:ext cx="5410200" cy="646331"/>
           </a:xfrm>
           <a:prstGeom prst="rect">
@@ -8749,7 +8766,11 @@
             <a:pPr algn="ctr"/>
             <a:r>
               <a:rPr lang="en-US" sz="3600" b="1" dirty="0" smtClean="0"/>
-              <a:t>Design of VibroGlove</a:t>
+              <a:t>Design of </a:t>
+            </a:r>
+            <a:r>
+              <a:rPr lang="en-US" sz="3600" b="1" dirty="0" smtClean="0"/>
+              <a:t>the VibroGlove</a:t>
             </a:r>
             <a:endParaRPr lang="en-US" sz="3600" b="1" dirty="0"/>
           </a:p>
@@ -8975,37 +8996,8 @@
             </a:pPr>
             <a:r>
               <a:rPr lang="en-US" sz="2200" dirty="0" smtClean="0"/>
-              <a:t>Average </a:t>
-            </a:r>
-            <a:r>
-              <a:rPr lang="en-US" sz="2200" dirty="0" smtClean="0"/>
-              <a:t>time taken </a:t>
-            </a:r>
-            <a:r>
-              <a:rPr lang="en-US" sz="2200" dirty="0" smtClean="0"/>
-              <a:t>per </a:t>
-            </a:r>
-            <a:r>
-              <a:rPr lang="en-US" sz="2200" dirty="0" smtClean="0"/>
-              <a:t>expression when </a:t>
-            </a:r>
-            <a:r>
-              <a:rPr lang="en-US" sz="2200" dirty="0" smtClean="0"/>
-              <a:t>recognized correctly </a:t>
-            </a:r>
-            <a:r>
-              <a:rPr lang="en-US" sz="2200" dirty="0" smtClean="0"/>
-              <a:t>(cyan), and </a:t>
-            </a:r>
-            <a:r>
-              <a:rPr lang="en-US" sz="2200" dirty="0" smtClean="0"/>
-              <a:t>misclassified (</a:t>
-            </a:r>
-            <a:r>
-              <a:rPr lang="en-US" sz="2200" dirty="0" smtClean="0"/>
-              <a:t>red). </a:t>
-            </a:r>
-            <a:endParaRPr lang="en-US" sz="2200" dirty="0" smtClean="0"/>
+              <a:t>Average time taken per expression when recognized correctly (cyan), and misclassified (red). </a:t>
+            </a:r>
           </a:p>
           <a:p>
             <a:pPr marL="285750" indent="-285750">
@@ -9017,13 +9009,8 @@
             </a:pPr>
             <a:r>
               <a:rPr lang="en-US" sz="2200" dirty="0" smtClean="0"/>
-              <a:t>Correct </a:t>
-            </a:r>
-            <a:r>
-              <a:rPr lang="en-US" sz="2200" dirty="0" smtClean="0"/>
-              <a:t>identification happened in just over a second (1.4s). </a:t>
-            </a:r>
-            <a:endParaRPr lang="en-US" sz="2200" dirty="0" smtClean="0"/>
+              <a:t>Correct identification happened in just over a second (1.4s). </a:t>
+            </a:r>
           </a:p>
           <a:p>
             <a:pPr marL="285750" indent="-285750">
@@ -9035,11 +9022,7 @@
             </a:pPr>
             <a:r>
               <a:rPr lang="en-US" sz="2200" dirty="0" smtClean="0"/>
-              <a:t>When </a:t>
-            </a:r>
-            <a:r>
-              <a:rPr lang="en-US" sz="2200" dirty="0" smtClean="0"/>
-              <a:t>the subjects were not sure of the </a:t>
+              <a:t>When the subjects were not sure of the </a:t>
             </a:r>
             <a:r>
               <a:rPr lang="en-US" sz="2200" dirty="0" err="1" smtClean="0"/>
@@ -9047,25 +9030,8 @@
             </a:r>
             <a:r>
               <a:rPr lang="en-US" sz="2200" dirty="0" smtClean="0"/>
-              <a:t> pattern, they took more time to respond. </a:t>
-            </a:r>
-            <a:r>
-              <a:rPr lang="en-US" sz="2200" dirty="0" smtClean="0"/>
-              <a:t>For example, Sad </a:t>
-            </a:r>
-            <a:r>
-              <a:rPr lang="en-US" sz="2200" dirty="0" smtClean="0"/>
-              <a:t>had the worst performance of 81% and the corresponding response time was the highest (2s). </a:t>
-            </a:r>
-            <a:r>
-              <a:rPr lang="en-US" sz="2200" dirty="0" smtClean="0"/>
-              <a:t>Fear </a:t>
-            </a:r>
-            <a:r>
-              <a:rPr lang="en-US" sz="2200" dirty="0" smtClean="0"/>
-              <a:t>had the best performance (98%) and least response time (765ms). </a:t>
-            </a:r>
-            <a:endParaRPr lang="en-US" sz="2200" dirty="0" smtClean="0"/>
+              <a:t> pattern, they took more time to respond. For example, Sad had the worst performance of 81% and the corresponding response time was the highest (2s). Fear had the best performance (98%) and least response time (765ms). </a:t>
+            </a:r>
           </a:p>
           <a:p>
             <a:pPr marL="285750" indent="-285750">
@@ -9077,19 +9043,7 @@
             </a:pPr>
             <a:r>
               <a:rPr lang="en-US" sz="2200" dirty="0" smtClean="0"/>
-              <a:t>Whenever </a:t>
-            </a:r>
-            <a:r>
-              <a:rPr lang="en-US" sz="2200" dirty="0" smtClean="0"/>
-              <a:t>the subjects responded wrong, they seem to take more </a:t>
-            </a:r>
-            <a:r>
-              <a:rPr lang="en-US" sz="2200" dirty="0" smtClean="0"/>
-              <a:t>time, 2.31s </a:t>
-            </a:r>
-            <a:r>
-              <a:rPr lang="en-US" sz="2200" dirty="0" smtClean="0"/>
-              <a:t>(red), almost a second more than the response time for correct responses. </a:t>
+              <a:t>Whenever the subjects responded wrong, they seem to take more time, 2.31s (red), almost a second more than the response time for correct responses. </a:t>
             </a:r>
             <a:endParaRPr lang="en-US" sz="2200" dirty="0"/>
           </a:p>
@@ -9167,21 +9121,8 @@
             </a:pPr>
             <a:r>
               <a:rPr lang="en-US" sz="2200" dirty="0" smtClean="0"/>
-              <a:t>The </a:t>
-            </a:r>
-            <a:r>
-              <a:rPr lang="en-US" sz="2200" dirty="0" smtClean="0"/>
-              <a:t>overall recognition rate was 89%, with one-way ANOVA [F(6,77)=1.71, p=0.129] supporting </a:t>
-            </a:r>
-            <a:r>
-              <a:rPr lang="en-US" sz="2200" dirty="0" smtClean="0"/>
-              <a:t> the first </a:t>
-            </a:r>
-            <a:r>
-              <a:rPr lang="en-US" sz="2200" dirty="0" smtClean="0"/>
-              <a:t>hypothesis that the responses across the seven expressions did not differ significantly. </a:t>
-            </a:r>
-            <a:endParaRPr lang="en-US" sz="2200" dirty="0" smtClean="0"/>
+              <a:t>The overall recognition rate was 89%, with one-way ANOVA [F(6,77)=1.71, p=0.129] supporting  the first hypothesis that the responses across the seven expressions did not differ significantly. </a:t>
+            </a:r>
           </a:p>
           <a:p>
             <a:pPr marL="290513" indent="-290513">
@@ -9190,21 +9131,8 @@
             </a:pPr>
             <a:r>
               <a:rPr lang="en-US" sz="2200" dirty="0" smtClean="0"/>
-              <a:t>Null </a:t>
-            </a:r>
-            <a:r>
-              <a:rPr lang="en-US" sz="2200" dirty="0" smtClean="0"/>
-              <a:t>hypothesis regarding the two groups was that there would be no significant difference in performance, </a:t>
-            </a:r>
-            <a:r>
-              <a:rPr lang="en-US" sz="2200" dirty="0" smtClean="0"/>
-              <a:t>One-way </a:t>
-            </a:r>
-            <a:r>
-              <a:rPr lang="en-US" sz="2200" dirty="0" smtClean="0"/>
-              <a:t>ANOVA between groups rejected the null hypothesis [F(1,82)=4.24, p=0.042)] showing a difference between group performance. </a:t>
-            </a:r>
-            <a:endParaRPr lang="en-US" sz="2200" dirty="0" smtClean="0"/>
+              <a:t>Null hypothesis regarding the two groups was that there would be no significant difference in performance, One-way ANOVA between groups rejected the null hypothesis [F(1,82)=4.24, p=0.042)] showing a difference between group performance. </a:t>
+            </a:r>
           </a:p>
           <a:p>
             <a:pPr marL="290513" indent="-290513">
@@ -9213,19 +9141,7 @@
             </a:pPr>
             <a:r>
               <a:rPr lang="en-US" sz="2200" dirty="0" smtClean="0"/>
-              <a:t>Extension to the above null hypothesis was that Group </a:t>
-            </a:r>
-            <a:r>
-              <a:rPr lang="en-US" sz="2200" dirty="0" smtClean="0"/>
-              <a:t>1 would perform better </a:t>
-            </a:r>
-            <a:r>
-              <a:rPr lang="en-US" sz="2200" dirty="0" smtClean="0"/>
-              <a:t>than Group 2 as </a:t>
-            </a:r>
-            <a:r>
-              <a:rPr lang="en-US" sz="2200" dirty="0" smtClean="0"/>
-              <a:t>the expressions were motivated by popular visual emoticons. </a:t>
+              <a:t>Extension to the above null hypothesis was that Group 1 would perform better than Group 2 as the expressions were motivated by popular visual emoticons. </a:t>
             </a:r>
             <a:r>
               <a:rPr lang="en-US" sz="2200" dirty="0" err="1" smtClean="0"/>
@@ -9233,11 +9149,7 @@
             </a:r>
             <a:r>
               <a:rPr lang="en-US" sz="2200" dirty="0" smtClean="0"/>
-              <a:t> </a:t>
-            </a:r>
-            <a:r>
-              <a:rPr lang="en-US" sz="2200" dirty="0" smtClean="0"/>
-              <a:t>test on the two group means M</a:t>
+              <a:t> test on the two group means M</a:t>
             </a:r>
             <a:r>
               <a:rPr lang="en-US" sz="2200" baseline="-25000" dirty="0" smtClean="0"/>
@@ -9279,7 +9191,6 @@
               <a:rPr lang="en-US" sz="2200" dirty="0" smtClean="0"/>
               <a:t>=7.17). Thus, Group 2 performance was much higher than Group 1 rejecting the extension to the null hypothesis. </a:t>
             </a:r>
-            <a:endParaRPr lang="en-US" sz="2200" dirty="0" smtClean="0"/>
           </a:p>
           <a:p>
             <a:pPr marL="290513" indent="-290513">
@@ -9288,35 +9199,7 @@
             </a:pPr>
             <a:r>
               <a:rPr lang="en-US" sz="2200" dirty="0" smtClean="0"/>
-              <a:t>The </a:t>
-            </a:r>
-            <a:r>
-              <a:rPr lang="en-US" sz="2200" dirty="0" smtClean="0"/>
-              <a:t>diagonals </a:t>
-            </a:r>
-            <a:r>
-              <a:rPr lang="en-US" sz="2200" dirty="0" smtClean="0"/>
-              <a:t>of the confusion matrix correspond </a:t>
-            </a:r>
-            <a:r>
-              <a:rPr lang="en-US" sz="2200" dirty="0" smtClean="0"/>
-              <a:t>to the bar graph shown </a:t>
-            </a:r>
-            <a:r>
-              <a:rPr lang="en-US" sz="2200" dirty="0" smtClean="0"/>
-              <a:t>above. </a:t>
-            </a:r>
-            <a:r>
-              <a:rPr lang="en-US" sz="2200" dirty="0" smtClean="0"/>
-              <a:t>The off-diagonal elements represent the confusion between expressions. These off-diagonal elements </a:t>
-            </a:r>
-            <a:r>
-              <a:rPr lang="en-US" sz="2200" dirty="0" smtClean="0"/>
-              <a:t>can provide </a:t>
-            </a:r>
-            <a:r>
-              <a:rPr lang="en-US" sz="2200" dirty="0" smtClean="0"/>
-              <a:t>insight into the parameters that control effective and responsive </a:t>
+              <a:t>The diagonals of the confusion matrix correspond to the bar graph shown above. The off-diagonal elements represent the confusion between expressions. These off-diagonal elements can provide insight into the parameters that control effective and responsive </a:t>
             </a:r>
             <a:r>
               <a:rPr lang="en-US" sz="2200" dirty="0" err="1" smtClean="0"/>
@@ -9353,11 +9236,7 @@
           <a:p>
             <a:r>
               <a:rPr lang="en-US" sz="2200" dirty="0" smtClean="0"/>
-              <a:t>The </a:t>
-            </a:r>
-            <a:r>
-              <a:rPr lang="en-US" sz="2200" dirty="0" smtClean="0"/>
-              <a:t>average recognition performance and the average time of response for the subject who is blind. The individual was able to recognize most of the expressions at 100%, over the 70 trails. </a:t>
+              <a:t>The average recognition performance and the average time of response for the subject who is blind. The individual was able to recognize most of the expressions at 100%, over the 70 trails. </a:t>
             </a:r>
             <a:endParaRPr lang="en-US" sz="2200" dirty="0"/>
           </a:p>
@@ -9544,12 +9423,20 @@
           <a:lstStyle/>
           <a:p>
             <a:r>
-              <a:rPr lang="en-US" sz="2200" i="1" u="sng" dirty="0" smtClean="0"/>
+              <a:rPr lang="en-US" sz="2200" b="1" i="1" u="sng" dirty="0" smtClean="0"/>
               <a:t>Participants:</a:t>
             </a:r>
             <a:r>
               <a:rPr lang="en-US" sz="2200" dirty="0" smtClean="0"/>
-              <a:t> The experiment was conducted with one individual who is blind and 11 other participants who are sighted, but were blind folded during the experiment. It is important to note that the individual who is blind had lost his sight after 25 years of having vision. To a large extent, this individual could correlate Group 1 </a:t>
+              <a:t> The experiment was conducted with one individual who is blind and 11 other participants who are sighted, but were </a:t>
+            </a:r>
+            <a:r>
+              <a:rPr lang="en-US" sz="2200" dirty="0" smtClean="0"/>
+              <a:t>blindfolded. </a:t>
+            </a:r>
+            <a:r>
+              <a:rPr lang="en-US" sz="2200" dirty="0" smtClean="0"/>
+              <a:t>It is important to note that the individual who is blind had lost his sight after 25 years of having vision. To a large extent, this individual could correlate Group 1 </a:t>
             </a:r>
             <a:r>
               <a:rPr lang="en-US" sz="2200" dirty="0" err="1" smtClean="0"/>
@@ -9585,20 +9472,12 @@
           <a:lstStyle/>
           <a:p>
             <a:r>
-              <a:rPr lang="en-US" sz="2200" i="1" u="sng" dirty="0" smtClean="0"/>
+              <a:rPr lang="en-US" sz="2200" b="1" i="1" u="sng" dirty="0" smtClean="0"/>
               <a:t>Procedure:</a:t>
             </a:r>
             <a:r>
               <a:rPr lang="en-US" sz="2200" dirty="0" smtClean="0"/>
-              <a:t> </a:t>
-            </a:r>
-            <a:r>
-              <a:rPr lang="en-US" sz="2200" dirty="0" smtClean="0"/>
-              <a:t>Subjects </a:t>
-            </a:r>
-            <a:r>
-              <a:rPr lang="en-US" sz="2200" dirty="0" smtClean="0"/>
-              <a:t>were first </a:t>
+              <a:t> Subjects were first </a:t>
             </a:r>
             <a:r>
               <a:rPr lang="en-US" sz="2200" u="sng" dirty="0" smtClean="0"/>
@@ -9606,15 +9485,15 @@
             </a:r>
             <a:r>
               <a:rPr lang="en-US" sz="2200" dirty="0" smtClean="0"/>
-              <a:t> with all 7 vibration patterns by presenting them in order, during which time the expression corresponding to the pattern was spoken aloud by the experimenter. </a:t>
+              <a:t> with all 7 vibration patterns by presenting them in order, during which time the expression corresponding to the pattern was spoken </a:t>
             </a:r>
             <a:r>
               <a:rPr lang="en-US" sz="2200" dirty="0" smtClean="0"/>
-              <a:t>This </a:t>
+              <a:t>aloud. </a:t>
             </a:r>
             <a:r>
               <a:rPr lang="en-US" sz="2200" dirty="0" smtClean="0"/>
-              <a:t>was followed by the </a:t>
+              <a:t>This was followed by the </a:t>
             </a:r>
             <a:r>
               <a:rPr lang="en-US" sz="2200" u="sng" dirty="0" smtClean="0"/>
@@ -10602,13 +10481,7 @@
               <a:rPr lang="en-US" sz="2000" dirty="0" smtClean="0">
                 <a:latin typeface="+mn-lt"/>
               </a:rPr>
-              <a:t>K</a:t>
-            </a:r>
-            <a:r>
-              <a:rPr lang="en-US" sz="2000" dirty="0" smtClean="0">
-                <a:latin typeface="+mn-lt"/>
-              </a:rPr>
-              <a:t>. Shinohara and J. </a:t>
+              <a:t>K. Shinohara and J. </a:t>
             </a:r>
             <a:r>
               <a:rPr lang="en-US" sz="2000" dirty="0" err="1" smtClean="0">
